--- a/src/main/java/com/code/nio/3、Netty进阶和实战.pptx
+++ b/src/main/java/com/code/nio/3、Netty进阶和实战.pptx
@@ -5,23 +5,22 @@
     <p:sldMasterId id="2147483660" r:id="rId1"/>
   </p:sldMasterIdLst>
   <p:notesMasterIdLst>
-    <p:notesMasterId r:id="rId16"/>
+    <p:notesMasterId r:id="rId15"/>
   </p:notesMasterIdLst>
   <p:sldIdLst>
     <p:sldId id="291" r:id="rId2"/>
-    <p:sldId id="297" r:id="rId3"/>
-    <p:sldId id="292" r:id="rId4"/>
-    <p:sldId id="293" r:id="rId5"/>
-    <p:sldId id="314" r:id="rId6"/>
-    <p:sldId id="294" r:id="rId7"/>
-    <p:sldId id="315" r:id="rId8"/>
-    <p:sldId id="316" r:id="rId9"/>
-    <p:sldId id="317" r:id="rId10"/>
-    <p:sldId id="299" r:id="rId11"/>
-    <p:sldId id="300" r:id="rId12"/>
-    <p:sldId id="301" r:id="rId13"/>
-    <p:sldId id="310" r:id="rId14"/>
-    <p:sldId id="312" r:id="rId15"/>
+    <p:sldId id="292" r:id="rId3"/>
+    <p:sldId id="293" r:id="rId4"/>
+    <p:sldId id="314" r:id="rId5"/>
+    <p:sldId id="294" r:id="rId6"/>
+    <p:sldId id="315" r:id="rId7"/>
+    <p:sldId id="316" r:id="rId8"/>
+    <p:sldId id="317" r:id="rId9"/>
+    <p:sldId id="299" r:id="rId10"/>
+    <p:sldId id="300" r:id="rId11"/>
+    <p:sldId id="301" r:id="rId12"/>
+    <p:sldId id="310" r:id="rId13"/>
+    <p:sldId id="312" r:id="rId14"/>
   </p:sldIdLst>
   <p:sldSz cx="12192000" cy="6858000"/>
   <p:notesSz cx="6858000" cy="9144000"/>
@@ -226,7 +225,7 @@
             <a:fld id="{5CE42986-7278-4353-98A2-826C12DEB039}" type="datetimeFigureOut">
               <a:rPr lang="zh-CN" altLang="en-US" smtClean="0"/>
               <a:pPr/>
-              <a:t>2018/10/13/Sat</a:t>
+              <a:t>2018/10/18/Thu</a:t>
             </a:fld>
             <a:endParaRPr lang="zh-CN" altLang="en-US"/>
           </a:p>
@@ -539,7 +538,7 @@
             <a:fld id="{8035C5D1-AD16-4B01-871F-DE047A6CFB67}" type="datetimeFigureOut">
               <a:rPr lang="zh-CN" altLang="en-US" smtClean="0"/>
               <a:pPr/>
-              <a:t>2018/10/13/Sat</a:t>
+              <a:t>2018/10/18/Thu</a:t>
             </a:fld>
             <a:endParaRPr lang="zh-CN" altLang="en-US"/>
           </a:p>
@@ -642,7 +641,7 @@
             <a:fld id="{5D001350-E321-44A0-9483-363D51B41BA5}" type="datetimeFigureOut">
               <a:rPr lang="zh-CN" altLang="en-US" smtClean="0"/>
               <a:pPr/>
-              <a:t>2018/10/13/Sat</a:t>
+              <a:t>2018/10/18/Thu</a:t>
             </a:fld>
             <a:endParaRPr lang="zh-CN" altLang="en-US"/>
           </a:p>
@@ -1317,7 +1316,7 @@
             <a:fld id="{8035C5D1-AD16-4B01-871F-DE047A6CFB67}" type="datetimeFigureOut">
               <a:rPr lang="zh-CN" altLang="en-US" smtClean="0"/>
               <a:pPr/>
-              <a:t>2018/10/13/Sat</a:t>
+              <a:t>2018/10/18/Thu</a:t>
             </a:fld>
             <a:endParaRPr lang="zh-CN" altLang="en-US"/>
           </a:p>
@@ -3547,1917 +3546,6 @@
         <p:spPr bwMode="auto">
           <a:xfrm>
             <a:off x="554879" y="371042"/>
-            <a:ext cx="6322171" cy="410433"/>
-          </a:xfrm>
-          <a:prstGeom prst="rect">
-            <a:avLst/>
-          </a:prstGeom>
-          <a:noFill/>
-          <a:ln>
-            <a:noFill/>
-          </a:ln>
-          <a:extLst>
-            <a:ext uri="{909E8E84-426E-40DD-AFC4-6F175D3DCCD1}">
-              <a14:hiddenFill xmlns:a14="http://schemas.microsoft.com/office/drawing/2010/main" xmlns="">
-                <a:solidFill>
-                  <a:srgbClr val="FFFFFF"/>
-                </a:solidFill>
-              </a14:hiddenFill>
-            </a:ext>
-            <a:ext uri="{91240B29-F687-4F45-9708-019B960494DF}">
-              <a14:hiddenLine xmlns:a14="http://schemas.microsoft.com/office/drawing/2010/main" xmlns="" w="9525">
-                <a:solidFill>
-                  <a:srgbClr val="000000"/>
-                </a:solidFill>
-                <a:miter lim="800000"/>
-                <a:headEnd/>
-                <a:tailEnd/>
-              </a14:hiddenLine>
-            </a:ext>
-          </a:extLst>
-        </p:spPr>
-        <p:txBody>
-          <a:bodyPr wrap="square" lIns="0" tIns="0" rIns="0" bIns="0">
-            <a:spAutoFit/>
-          </a:bodyPr>
-          <a:lstStyle/>
-          <a:p>
-            <a:pPr defTabSz="1219170"/>
-            <a:r>
-              <a:rPr lang="zh-CN" altLang="en-US" sz="2667" smtClean="0">
-                <a:solidFill>
-                  <a:srgbClr val="1D69A3"/>
-                </a:solidFill>
-                <a:latin typeface="微软雅黑" pitchFamily="34" charset="-122"/>
-                <a:ea typeface="微软雅黑" pitchFamily="34" charset="-122"/>
-              </a:rPr>
-              <a:t>高级通信服务实现</a:t>
-            </a:r>
-            <a:r>
-              <a:rPr lang="en-US" altLang="zh-CN" sz="2667" smtClean="0">
-                <a:solidFill>
-                  <a:srgbClr val="1D69A3"/>
-                </a:solidFill>
-                <a:latin typeface="微软雅黑" pitchFamily="34" charset="-122"/>
-                <a:ea typeface="微软雅黑" pitchFamily="34" charset="-122"/>
-              </a:rPr>
-              <a:t>-</a:t>
-            </a:r>
-            <a:r>
-              <a:rPr lang="zh-CN" altLang="en-US" sz="2667" smtClean="0">
-                <a:solidFill>
-                  <a:srgbClr val="1D69A3"/>
-                </a:solidFill>
-                <a:latin typeface="微软雅黑" pitchFamily="34" charset="-122"/>
-                <a:ea typeface="微软雅黑" pitchFamily="34" charset="-122"/>
-              </a:rPr>
-              <a:t>实现自己的通信框架</a:t>
-            </a:r>
-            <a:endParaRPr lang="zh-CN" altLang="en-US" sz="2667" smtClean="0">
-              <a:solidFill>
-                <a:srgbClr val="1D69A3"/>
-              </a:solidFill>
-              <a:latin typeface="微软雅黑" pitchFamily="34" charset="-122"/>
-              <a:ea typeface="微软雅黑" pitchFamily="34" charset="-122"/>
-            </a:endParaRPr>
-          </a:p>
-        </p:txBody>
-      </p:sp>
-      <p:sp>
-        <p:nvSpPr>
-          <p:cNvPr id="18" name="TextBox 17"/>
-          <p:cNvSpPr txBox="1"/>
-          <p:nvPr/>
-        </p:nvSpPr>
-        <p:spPr>
-          <a:xfrm>
-            <a:off x="2096569" y="1417340"/>
-            <a:ext cx="9304855" cy="1754326"/>
-          </a:xfrm>
-          <a:prstGeom prst="rect">
-            <a:avLst/>
-          </a:prstGeom>
-          <a:noFill/>
-        </p:spPr>
-        <p:txBody>
-          <a:bodyPr wrap="square" rtlCol="0">
-            <a:spAutoFit/>
-          </a:bodyPr>
-          <a:lstStyle/>
-          <a:p>
-            <a:pPr>
-              <a:lnSpc>
-                <a:spcPct val="150000"/>
-              </a:lnSpc>
-            </a:pPr>
-            <a:r>
-              <a:rPr lang="zh-CN" altLang="en-US" smtClean="0">
-                <a:latin typeface="+mn-ea"/>
-              </a:rPr>
-              <a:t>通信协议从广义上区分，可以分为公有协议和私有协议。由于私有协议的灵活性，它往往会在某个公司或者组织内部使用，按需定制，也因为如此，升级起来会非常方便，灵活性好。绝大多数的私有协议传输层都基于</a:t>
-            </a:r>
-            <a:r>
-              <a:rPr lang="en-US" altLang="zh-CN" smtClean="0">
-                <a:latin typeface="+mn-ea"/>
-              </a:rPr>
-              <a:t>TCP/IP</a:t>
-            </a:r>
-            <a:r>
-              <a:rPr lang="zh-CN" altLang="en-US" smtClean="0">
-                <a:latin typeface="+mn-ea"/>
-              </a:rPr>
-              <a:t>，所以利用</a:t>
-            </a:r>
-            <a:r>
-              <a:rPr lang="en-US" altLang="zh-CN" smtClean="0">
-                <a:latin typeface="+mn-ea"/>
-              </a:rPr>
-              <a:t>Netty</a:t>
-            </a:r>
-            <a:r>
-              <a:rPr lang="zh-CN" altLang="en-US" smtClean="0">
-                <a:latin typeface="+mn-ea"/>
-              </a:rPr>
-              <a:t>的</a:t>
-            </a:r>
-            <a:r>
-              <a:rPr lang="en-US" altLang="zh-CN" smtClean="0">
-                <a:latin typeface="+mn-ea"/>
-              </a:rPr>
-              <a:t>NIO TCP</a:t>
-            </a:r>
-            <a:r>
-              <a:rPr lang="zh-CN" altLang="en-US" smtClean="0">
-                <a:latin typeface="+mn-ea"/>
-              </a:rPr>
-              <a:t>协议栈可以非常方便地进行私有协议的定制和开发。</a:t>
-            </a:r>
-            <a:endParaRPr lang="zh-CN" altLang="en-US">
-              <a:latin typeface="+mn-ea"/>
-              <a:ea typeface="+mn-ea"/>
-            </a:endParaRPr>
-          </a:p>
-        </p:txBody>
-      </p:sp>
-      <p:cxnSp>
-        <p:nvCxnSpPr>
-          <p:cNvPr id="21" name="直接连接符 20"/>
-          <p:cNvCxnSpPr/>
-          <p:nvPr/>
-        </p:nvCxnSpPr>
-        <p:spPr bwMode="auto">
-          <a:xfrm>
-            <a:off x="1016450" y="3523105"/>
-            <a:ext cx="4248472" cy="0"/>
-          </a:xfrm>
-          <a:prstGeom prst="line">
-            <a:avLst/>
-          </a:prstGeom>
-          <a:ln w="9525">
-            <a:solidFill>
-              <a:schemeClr val="accent2"/>
-            </a:solidFill>
-            <a:prstDash val="dash"/>
-            <a:headEnd type="oval" w="med" len="med"/>
-            <a:tailEnd type="oval" w="med" len="med"/>
-          </a:ln>
-          <a:effectLst>
-            <a:outerShdw blurRad="12700" dist="6350" dir="5400000" rotWithShape="0">
-              <a:srgbClr val="000000">
-                <a:alpha val="38000"/>
-              </a:srgbClr>
-            </a:outerShdw>
-          </a:effectLst>
-          <a:extLst/>
-        </p:spPr>
-        <p:style>
-          <a:lnRef idx="2">
-            <a:schemeClr val="dk1"/>
-          </a:lnRef>
-          <a:fillRef idx="0">
-            <a:schemeClr val="dk1"/>
-          </a:fillRef>
-          <a:effectRef idx="1">
-            <a:schemeClr val="dk1"/>
-          </a:effectRef>
-          <a:fontRef idx="minor">
-            <a:schemeClr val="tx1"/>
-          </a:fontRef>
-        </p:style>
-      </p:cxnSp>
-      <p:sp>
-        <p:nvSpPr>
-          <p:cNvPr id="22" name="TextBox 21"/>
-          <p:cNvSpPr txBox="1"/>
-          <p:nvPr/>
-        </p:nvSpPr>
-        <p:spPr>
-          <a:xfrm>
-            <a:off x="2096568" y="3817640"/>
-            <a:ext cx="9028631" cy="1754326"/>
-          </a:xfrm>
-          <a:prstGeom prst="rect">
-            <a:avLst/>
-          </a:prstGeom>
-          <a:noFill/>
-        </p:spPr>
-        <p:txBody>
-          <a:bodyPr wrap="square" rtlCol="0">
-            <a:spAutoFit/>
-          </a:bodyPr>
-          <a:lstStyle/>
-          <a:p>
-            <a:pPr>
-              <a:lnSpc>
-                <a:spcPct val="150000"/>
-              </a:lnSpc>
-            </a:pPr>
-            <a:r>
-              <a:rPr lang="zh-CN" altLang="en-US" smtClean="0">
-                <a:latin typeface="+mn-ea"/>
-              </a:rPr>
-              <a:t>私有协议本质上是厂商内部发展和采用的标准，除非授权，其他厂商一般无权使用该协议。私有协议也称非标准协议，就是未经国际或国家标准化组织采纳或批准，由某个企业自己制订，协议实现细节不愿公开，只在企业自己生产的设备之间使用的协议。私有协议具有封闭性、垄断性、排他性等特点。</a:t>
-            </a:r>
-            <a:endParaRPr lang="zh-CN" altLang="en-US">
-              <a:latin typeface="+mn-ea"/>
-              <a:ea typeface="+mn-ea"/>
-            </a:endParaRPr>
-          </a:p>
-        </p:txBody>
-      </p:sp>
-      <p:grpSp>
-        <p:nvGrpSpPr>
-          <p:cNvPr id="23" name="组合 22"/>
-          <p:cNvGrpSpPr/>
-          <p:nvPr/>
-        </p:nvGrpSpPr>
-        <p:grpSpPr>
-          <a:xfrm>
-            <a:off x="809740" y="1510690"/>
-            <a:ext cx="1333073" cy="1152128"/>
-            <a:chOff x="779103" y="1866166"/>
-            <a:chExt cx="1333073" cy="1152128"/>
-          </a:xfrm>
-          <a:solidFill>
-            <a:schemeClr val="accent1">
-              <a:lumMod val="75000"/>
-            </a:schemeClr>
-          </a:solidFill>
-        </p:grpSpPr>
-        <p:sp>
-          <p:nvSpPr>
-            <p:cNvPr id="24" name="等腰三角形 2"/>
-            <p:cNvSpPr/>
-            <p:nvPr/>
-          </p:nvSpPr>
-          <p:spPr bwMode="auto">
-            <a:xfrm rot="2747878">
-              <a:off x="869576" y="1775693"/>
-              <a:ext cx="1152128" cy="1333073"/>
-            </a:xfrm>
-            <a:custGeom>
-              <a:avLst/>
-              <a:gdLst/>
-              <a:ahLst/>
-              <a:cxnLst/>
-              <a:rect l="l" t="t" r="r" b="b"/>
-              <a:pathLst>
-                <a:path w="1152128" h="1333073">
-                  <a:moveTo>
-                    <a:pt x="576064" y="0"/>
-                  </a:moveTo>
-                  <a:lnTo>
-                    <a:pt x="687529" y="192182"/>
-                  </a:lnTo>
-                  <a:cubicBezTo>
-                    <a:pt x="952381" y="243689"/>
-                    <a:pt x="1152128" y="477023"/>
-                    <a:pt x="1152128" y="757009"/>
-                  </a:cubicBezTo>
-                  <a:cubicBezTo>
-                    <a:pt x="1152128" y="1075160"/>
-                    <a:pt x="894215" y="1333073"/>
-                    <a:pt x="576064" y="1333073"/>
-                  </a:cubicBezTo>
-                  <a:cubicBezTo>
-                    <a:pt x="257913" y="1333073"/>
-                    <a:pt x="0" y="1075160"/>
-                    <a:pt x="0" y="757009"/>
-                  </a:cubicBezTo>
-                  <a:cubicBezTo>
-                    <a:pt x="0" y="477023"/>
-                    <a:pt x="199747" y="243689"/>
-                    <a:pt x="464599" y="192182"/>
-                  </a:cubicBezTo>
-                  <a:close/>
-                </a:path>
-              </a:pathLst>
-            </a:custGeom>
-            <a:grpFill/>
-            <a:ln>
-              <a:noFill/>
-            </a:ln>
-            <a:extLst/>
-          </p:spPr>
-          <p:txBody>
-            <a:bodyPr wrap="none" anchor="ctr"/>
-            <a:lstStyle/>
-            <a:p>
-              <a:pPr algn="ctr"/>
-              <a:endParaRPr lang="zh-CN" altLang="en-US" sz="2000" kern="0">
-                <a:solidFill>
-                  <a:srgbClr val="FFFFFF"/>
-                </a:solidFill>
-                <a:latin typeface="微软雅黑" pitchFamily="34" charset="-122"/>
-                <a:ea typeface="微软雅黑" pitchFamily="34" charset="-122"/>
-              </a:endParaRPr>
-            </a:p>
-          </p:txBody>
-        </p:sp>
-        <p:sp>
-          <p:nvSpPr>
-            <p:cNvPr id="25" name="TextBox 24"/>
-            <p:cNvSpPr txBox="1"/>
-            <p:nvPr/>
-          </p:nvSpPr>
-          <p:spPr>
-            <a:xfrm>
-              <a:off x="1057821" y="2242175"/>
-              <a:ext cx="697627" cy="400110"/>
-            </a:xfrm>
-            <a:prstGeom prst="rect">
-              <a:avLst/>
-            </a:prstGeom>
-            <a:grpFill/>
-            <a:ln>
-              <a:noFill/>
-            </a:ln>
-          </p:spPr>
-          <p:txBody>
-            <a:bodyPr wrap="none" anchor="ctr"/>
-            <a:lstStyle>
-              <a:defPPr>
-                <a:defRPr lang="zh-CN"/>
-              </a:defPPr>
-              <a:lvl1pPr algn="ctr">
-                <a:defRPr sz="2000" kern="0">
-                  <a:solidFill>
-                    <a:srgbClr val="FFFFFF"/>
-                  </a:solidFill>
-                  <a:latin typeface="微软雅黑" pitchFamily="34" charset="-122"/>
-                  <a:ea typeface="微软雅黑" pitchFamily="34" charset="-122"/>
-                </a:defRPr>
-              </a:lvl1pPr>
-            </a:lstStyle>
-            <a:p>
-              <a:r>
-                <a:rPr lang="zh-CN" altLang="en-US" smtClean="0"/>
-                <a:t>通信协议</a:t>
-              </a:r>
-              <a:endParaRPr lang="zh-CN" altLang="en-US"/>
-            </a:p>
-          </p:txBody>
-        </p:sp>
-      </p:grpSp>
-      <p:grpSp>
-        <p:nvGrpSpPr>
-          <p:cNvPr id="27" name="组合 26"/>
-          <p:cNvGrpSpPr/>
-          <p:nvPr/>
-        </p:nvGrpSpPr>
-        <p:grpSpPr>
-          <a:xfrm>
-            <a:off x="809739" y="3910990"/>
-            <a:ext cx="1333073" cy="1152128"/>
-            <a:chOff x="779102" y="3694966"/>
-            <a:chExt cx="1333073" cy="1152128"/>
-          </a:xfrm>
-          <a:solidFill>
-            <a:schemeClr val="accent3">
-              <a:lumMod val="50000"/>
-            </a:schemeClr>
-          </a:solidFill>
-        </p:grpSpPr>
-        <p:sp>
-          <p:nvSpPr>
-            <p:cNvPr id="28" name="等腰三角形 2"/>
-            <p:cNvSpPr/>
-            <p:nvPr/>
-          </p:nvSpPr>
-          <p:spPr bwMode="auto">
-            <a:xfrm rot="3036074">
-              <a:off x="869575" y="3604493"/>
-              <a:ext cx="1152128" cy="1333073"/>
-            </a:xfrm>
-            <a:custGeom>
-              <a:avLst/>
-              <a:gdLst/>
-              <a:ahLst/>
-              <a:cxnLst/>
-              <a:rect l="l" t="t" r="r" b="b"/>
-              <a:pathLst>
-                <a:path w="1152128" h="1333073">
-                  <a:moveTo>
-                    <a:pt x="576064" y="0"/>
-                  </a:moveTo>
-                  <a:lnTo>
-                    <a:pt x="687529" y="192182"/>
-                  </a:lnTo>
-                  <a:cubicBezTo>
-                    <a:pt x="952381" y="243689"/>
-                    <a:pt x="1152128" y="477023"/>
-                    <a:pt x="1152128" y="757009"/>
-                  </a:cubicBezTo>
-                  <a:cubicBezTo>
-                    <a:pt x="1152128" y="1075160"/>
-                    <a:pt x="894215" y="1333073"/>
-                    <a:pt x="576064" y="1333073"/>
-                  </a:cubicBezTo>
-                  <a:cubicBezTo>
-                    <a:pt x="257913" y="1333073"/>
-                    <a:pt x="0" y="1075160"/>
-                    <a:pt x="0" y="757009"/>
-                  </a:cubicBezTo>
-                  <a:cubicBezTo>
-                    <a:pt x="0" y="477023"/>
-                    <a:pt x="199747" y="243689"/>
-                    <a:pt x="464599" y="192182"/>
-                  </a:cubicBezTo>
-                  <a:close/>
-                </a:path>
-              </a:pathLst>
-            </a:custGeom>
-            <a:grpFill/>
-            <a:ln>
-              <a:noFill/>
-            </a:ln>
-            <a:extLst/>
-          </p:spPr>
-          <p:txBody>
-            <a:bodyPr wrap="none" anchor="ctr"/>
-            <a:lstStyle/>
-            <a:p>
-              <a:pPr algn="ctr"/>
-              <a:endParaRPr lang="zh-CN" altLang="en-US" sz="2000" kern="0">
-                <a:solidFill>
-                  <a:srgbClr val="FFFFFF"/>
-                </a:solidFill>
-                <a:latin typeface="微软雅黑" pitchFamily="34" charset="-122"/>
-                <a:ea typeface="微软雅黑" pitchFamily="34" charset="-122"/>
-              </a:endParaRPr>
-            </a:p>
-          </p:txBody>
-        </p:sp>
-        <p:sp>
-          <p:nvSpPr>
-            <p:cNvPr id="29" name="TextBox 28"/>
-            <p:cNvSpPr txBox="1"/>
-            <p:nvPr/>
-          </p:nvSpPr>
-          <p:spPr>
-            <a:xfrm>
-              <a:off x="1057821" y="4123089"/>
-              <a:ext cx="697627" cy="400110"/>
-            </a:xfrm>
-            <a:prstGeom prst="rect">
-              <a:avLst/>
-            </a:prstGeom>
-            <a:grpFill/>
-            <a:ln>
-              <a:noFill/>
-            </a:ln>
-          </p:spPr>
-          <p:txBody>
-            <a:bodyPr wrap="none" anchor="ctr"/>
-            <a:lstStyle>
-              <a:defPPr>
-                <a:defRPr lang="zh-CN"/>
-              </a:defPPr>
-              <a:lvl1pPr algn="ctr">
-                <a:defRPr sz="2000" kern="0">
-                  <a:solidFill>
-                    <a:srgbClr val="FFFFFF"/>
-                  </a:solidFill>
-                  <a:latin typeface="微软雅黑" pitchFamily="34" charset="-122"/>
-                  <a:ea typeface="微软雅黑" pitchFamily="34" charset="-122"/>
-                </a:defRPr>
-              </a:lvl1pPr>
-            </a:lstStyle>
-            <a:p>
-              <a:r>
-                <a:rPr lang="zh-CN" altLang="en-US" smtClean="0"/>
-                <a:t>私有协议</a:t>
-              </a:r>
-              <a:endParaRPr lang="zh-CN" altLang="en-US"/>
-            </a:p>
-          </p:txBody>
-        </p:sp>
-      </p:grpSp>
-    </p:spTree>
-    <p:extLst>
-      <p:ext uri="{BB962C8B-B14F-4D97-AF65-F5344CB8AC3E}">
-        <p14:creationId xmlns:p14="http://schemas.microsoft.com/office/powerpoint/2010/main" xmlns="" val="1534704313"/>
-      </p:ext>
-    </p:extLst>
-  </p:cSld>
-  <p:clrMapOvr>
-    <a:masterClrMapping/>
-  </p:clrMapOvr>
-  <mc:AlternateContent xmlns:mc="http://schemas.openxmlformats.org/markup-compatibility/2006">
-    <mc:Choice xmlns:p14="http://schemas.microsoft.com/office/powerpoint/2010/main" xmlns="" Requires="p14">
-      <p:transition spd="slow" p14:dur="1500">
-        <p:random/>
-      </p:transition>
-    </mc:Choice>
-    <mc:Fallback>
-      <p:transition spd="slow">
-        <p:random/>
-      </p:transition>
-    </mc:Fallback>
-  </mc:AlternateContent>
-  <p:timing>
-    <p:tnLst>
-      <p:par>
-        <p:cTn id="1" dur="indefinite" restart="never" nodeType="tmRoot">
-          <p:childTnLst>
-            <p:seq concurrent="1" nextAc="seek">
-              <p:cTn id="2" dur="indefinite" nodeType="mainSeq">
-                <p:childTnLst>
-                  <p:par>
-                    <p:cTn id="3" fill="hold">
-                      <p:stCondLst>
-                        <p:cond delay="indefinite"/>
-                        <p:cond evt="onBegin" delay="0">
-                          <p:tn val="2"/>
-                        </p:cond>
-                      </p:stCondLst>
-                      <p:childTnLst>
-                        <p:par>
-                          <p:cTn id="4" fill="hold">
-                            <p:stCondLst>
-                              <p:cond delay="0"/>
-                            </p:stCondLst>
-                            <p:childTnLst>
-                              <p:par>
-                                <p:cTn id="5" presetID="0" presetClass="entr" presetSubtype="0" fill="hold" nodeType="withEffect">
-                                  <p:stCondLst>
-                                    <p:cond delay="0"/>
-                                  </p:stCondLst>
-                                  <p:iterate type="lt">
-                                    <p:tmPct val="10000"/>
-                                  </p:iterate>
-                                  <p:childTnLst>
-                                    <p:set>
-                                      <p:cBhvr>
-                                        <p:cTn id="6" dur="1" fill="hold">
-                                          <p:stCondLst>
-                                            <p:cond delay="0"/>
-                                          </p:stCondLst>
-                                        </p:cTn>
-                                        <p:tgtEl>
-                                          <p:spTgt spid="2"/>
-                                        </p:tgtEl>
-                                        <p:attrNameLst>
-                                          <p:attrName>style.visibility</p:attrName>
-                                        </p:attrNameLst>
-                                      </p:cBhvr>
-                                      <p:to>
-                                        <p:strVal val="visible"/>
-                                      </p:to>
-                                    </p:set>
-                                    <p:anim to="" calcmode="lin" valueType="num">
-                                      <p:cBhvr>
-                                        <p:cTn id="7" dur="700" fill="hold">
-                                          <p:stCondLst>
-                                            <p:cond delay="0"/>
-                                          </p:stCondLst>
-                                        </p:cTn>
-                                        <p:tgtEl>
-                                          <p:spTgt spid="2"/>
-                                        </p:tgtEl>
-                                        <p:attrNameLst>
-                                          <p:attrName>ppt_x</p:attrName>
-                                        </p:attrNameLst>
-                                      </p:cBhvr>
-                                      <p:tavLst>
-                                        <p:tav tm="0" fmla="#ppt_x-(-#ppt_w/2*cos(ppt_r/180*pi))*((1.5-1.5*$)^2-(1.5-1.5*$)^3)">
-                                          <p:val>
-                                            <p:strVal val="0"/>
-                                          </p:val>
-                                        </p:tav>
-                                        <p:tav tm="100000">
-                                          <p:val>
-                                            <p:strVal val="1"/>
-                                          </p:val>
-                                        </p:tav>
-                                      </p:tavLst>
-                                    </p:anim>
-                                    <p:anim to="" calcmode="lin" valueType="num">
-                                      <p:cBhvr>
-                                        <p:cTn id="8" dur="700" fill="hold">
-                                          <p:stCondLst>
-                                            <p:cond delay="0"/>
-                                          </p:stCondLst>
-                                        </p:cTn>
-                                        <p:tgtEl>
-                                          <p:spTgt spid="2"/>
-                                        </p:tgtEl>
-                                        <p:attrNameLst>
-                                          <p:attrName>ppt_y</p:attrName>
-                                        </p:attrNameLst>
-                                      </p:cBhvr>
-                                      <p:tavLst>
-                                        <p:tav tm="0" fmla="#ppt_y+(-#ppt_h/2*cos(ppt_r/180*pi))*((1.5-1.5*$)^2-(1.5-1.5*$)^3)">
-                                          <p:val>
-                                            <p:strVal val="0"/>
-                                          </p:val>
-                                        </p:tav>
-                                        <p:tav tm="100000">
-                                          <p:val>
-                                            <p:strVal val="1"/>
-                                          </p:val>
-                                        </p:tav>
-                                      </p:tavLst>
-                                    </p:anim>
-                                    <p:anim to="" calcmode="lin" valueType="num">
-                                      <p:cBhvr>
-                                        <p:cTn id="9" dur="700" fill="hold">
-                                          <p:stCondLst>
-                                            <p:cond delay="0"/>
-                                          </p:stCondLst>
-                                        </p:cTn>
-                                        <p:tgtEl>
-                                          <p:spTgt spid="2"/>
-                                        </p:tgtEl>
-                                        <p:attrNameLst>
-                                          <p:attrName>ppt_h</p:attrName>
-                                        </p:attrNameLst>
-                                      </p:cBhvr>
-                                      <p:tavLst>
-                                        <p:tav tm="0" fmla="#ppt_h-(-#ppt_h)*((1.5-1.5*$)^2-(1.5-1.5*$)^3)">
-                                          <p:val>
-                                            <p:strVal val="0"/>
-                                          </p:val>
-                                        </p:tav>
-                                        <p:tav tm="100000">
-                                          <p:val>
-                                            <p:strVal val="1"/>
-                                          </p:val>
-                                        </p:tav>
-                                      </p:tavLst>
-                                    </p:anim>
-                                    <p:anim to="" calcmode="lin" valueType="num">
-                                      <p:cBhvr>
-                                        <p:cTn id="10" dur="700" fill="hold">
-                                          <p:stCondLst>
-                                            <p:cond delay="0"/>
-                                          </p:stCondLst>
-                                        </p:cTn>
-                                        <p:tgtEl>
-                                          <p:spTgt spid="2"/>
-                                        </p:tgtEl>
-                                        <p:attrNameLst>
-                                          <p:attrName>ppt_w</p:attrName>
-                                        </p:attrNameLst>
-                                      </p:cBhvr>
-                                      <p:tavLst>
-                                        <p:tav tm="0" fmla="#ppt_w-(-#ppt_w)*((1.5-1.5*$)^2-(1.5-1.5*$)^3)">
-                                          <p:val>
-                                            <p:strVal val="0"/>
-                                          </p:val>
-                                        </p:tav>
-                                        <p:tav tm="100000">
-                                          <p:val>
-                                            <p:strVal val="1"/>
-                                          </p:val>
-                                        </p:tav>
-                                      </p:tavLst>
-                                    </p:anim>
-                                  </p:childTnLst>
-                                </p:cTn>
-                              </p:par>
-                              <p:par>
-                                <p:cTn id="11" presetID="0" presetClass="entr" presetSubtype="0" fill="hold" grpId="0" nodeType="withEffect">
-                                  <p:stCondLst>
-                                    <p:cond delay="0"/>
-                                  </p:stCondLst>
-                                  <p:iterate type="lt">
-                                    <p:tmPct val="10000"/>
-                                  </p:iterate>
-                                  <p:childTnLst>
-                                    <p:set>
-                                      <p:cBhvr>
-                                        <p:cTn id="12" dur="1" fill="hold">
-                                          <p:stCondLst>
-                                            <p:cond delay="0"/>
-                                          </p:stCondLst>
-                                        </p:cTn>
-                                        <p:tgtEl>
-                                          <p:spTgt spid="13"/>
-                                        </p:tgtEl>
-                                        <p:attrNameLst>
-                                          <p:attrName>style.visibility</p:attrName>
-                                        </p:attrNameLst>
-                                      </p:cBhvr>
-                                      <p:to>
-                                        <p:strVal val="visible"/>
-                                      </p:to>
-                                    </p:set>
-                                    <p:anim to="" calcmode="lin" valueType="num">
-                                      <p:cBhvr>
-                                        <p:cTn id="13" dur="700" fill="hold">
-                                          <p:stCondLst>
-                                            <p:cond delay="0"/>
-                                          </p:stCondLst>
-                                        </p:cTn>
-                                        <p:tgtEl>
-                                          <p:spTgt spid="13"/>
-                                        </p:tgtEl>
-                                        <p:attrNameLst>
-                                          <p:attrName>ppt_x</p:attrName>
-                                        </p:attrNameLst>
-                                      </p:cBhvr>
-                                      <p:tavLst>
-                                        <p:tav tm="0" fmla="#ppt_x-(-#ppt_w/2*cos(ppt_r/180*pi))*((1.5-1.5*$)^2-(1.5-1.5*$)^3)">
-                                          <p:val>
-                                            <p:strVal val="0"/>
-                                          </p:val>
-                                        </p:tav>
-                                        <p:tav tm="100000">
-                                          <p:val>
-                                            <p:strVal val="1"/>
-                                          </p:val>
-                                        </p:tav>
-                                      </p:tavLst>
-                                    </p:anim>
-                                    <p:anim to="" calcmode="lin" valueType="num">
-                                      <p:cBhvr>
-                                        <p:cTn id="14" dur="700" fill="hold">
-                                          <p:stCondLst>
-                                            <p:cond delay="0"/>
-                                          </p:stCondLst>
-                                        </p:cTn>
-                                        <p:tgtEl>
-                                          <p:spTgt spid="13"/>
-                                        </p:tgtEl>
-                                        <p:attrNameLst>
-                                          <p:attrName>ppt_y</p:attrName>
-                                        </p:attrNameLst>
-                                      </p:cBhvr>
-                                      <p:tavLst>
-                                        <p:tav tm="0" fmla="#ppt_y+(-#ppt_h/2*cos(ppt_r/180*pi))*((1.5-1.5*$)^2-(1.5-1.5*$)^3)">
-                                          <p:val>
-                                            <p:strVal val="0"/>
-                                          </p:val>
-                                        </p:tav>
-                                        <p:tav tm="100000">
-                                          <p:val>
-                                            <p:strVal val="1"/>
-                                          </p:val>
-                                        </p:tav>
-                                      </p:tavLst>
-                                    </p:anim>
-                                    <p:anim to="" calcmode="lin" valueType="num">
-                                      <p:cBhvr>
-                                        <p:cTn id="15" dur="700" fill="hold">
-                                          <p:stCondLst>
-                                            <p:cond delay="0"/>
-                                          </p:stCondLst>
-                                        </p:cTn>
-                                        <p:tgtEl>
-                                          <p:spTgt spid="13"/>
-                                        </p:tgtEl>
-                                        <p:attrNameLst>
-                                          <p:attrName>ppt_h</p:attrName>
-                                        </p:attrNameLst>
-                                      </p:cBhvr>
-                                      <p:tavLst>
-                                        <p:tav tm="0" fmla="#ppt_h-(-#ppt_h)*((1.5-1.5*$)^2-(1.5-1.5*$)^3)">
-                                          <p:val>
-                                            <p:strVal val="0"/>
-                                          </p:val>
-                                        </p:tav>
-                                        <p:tav tm="100000">
-                                          <p:val>
-                                            <p:strVal val="1"/>
-                                          </p:val>
-                                        </p:tav>
-                                      </p:tavLst>
-                                    </p:anim>
-                                    <p:anim to="" calcmode="lin" valueType="num">
-                                      <p:cBhvr>
-                                        <p:cTn id="16" dur="700" fill="hold">
-                                          <p:stCondLst>
-                                            <p:cond delay="0"/>
-                                          </p:stCondLst>
-                                        </p:cTn>
-                                        <p:tgtEl>
-                                          <p:spTgt spid="13"/>
-                                        </p:tgtEl>
-                                        <p:attrNameLst>
-                                          <p:attrName>ppt_w</p:attrName>
-                                        </p:attrNameLst>
-                                      </p:cBhvr>
-                                      <p:tavLst>
-                                        <p:tav tm="0" fmla="#ppt_w-(-#ppt_w)*((1.5-1.5*$)^2-(1.5-1.5*$)^3)">
-                                          <p:val>
-                                            <p:strVal val="0"/>
-                                          </p:val>
-                                        </p:tav>
-                                        <p:tav tm="100000">
-                                          <p:val>
-                                            <p:strVal val="1"/>
-                                          </p:val>
-                                        </p:tav>
-                                      </p:tavLst>
-                                    </p:anim>
-                                  </p:childTnLst>
-                                </p:cTn>
-                              </p:par>
-                            </p:childTnLst>
-                          </p:cTn>
-                        </p:par>
-                        <p:par>
-                          <p:cTn id="17" fill="hold">
-                            <p:stCondLst>
-                              <p:cond delay="1890"/>
-                            </p:stCondLst>
-                            <p:childTnLst>
-                              <p:par>
-                                <p:cTn id="18" presetID="26" presetClass="entr" presetSubtype="0" fill="hold" nodeType="afterEffect">
-                                  <p:stCondLst>
-                                    <p:cond delay="0"/>
-                                  </p:stCondLst>
-                                  <p:childTnLst>
-                                    <p:set>
-                                      <p:cBhvr>
-                                        <p:cTn id="19" dur="1" fill="hold">
-                                          <p:stCondLst>
-                                            <p:cond delay="0"/>
-                                          </p:stCondLst>
-                                        </p:cTn>
-                                        <p:tgtEl>
-                                          <p:spTgt spid="23"/>
-                                        </p:tgtEl>
-                                        <p:attrNameLst>
-                                          <p:attrName>style.visibility</p:attrName>
-                                        </p:attrNameLst>
-                                      </p:cBhvr>
-                                      <p:to>
-                                        <p:strVal val="visible"/>
-                                      </p:to>
-                                    </p:set>
-                                    <p:animEffect transition="in" filter="wipe(down)">
-                                      <p:cBhvr>
-                                        <p:cTn id="20" dur="290">
-                                          <p:stCondLst>
-                                            <p:cond delay="0"/>
-                                          </p:stCondLst>
-                                        </p:cTn>
-                                        <p:tgtEl>
-                                          <p:spTgt spid="23"/>
-                                        </p:tgtEl>
-                                      </p:cBhvr>
-                                    </p:animEffect>
-                                    <p:anim calcmode="lin" valueType="num">
-                                      <p:cBhvr>
-                                        <p:cTn id="21" dur="911" tmFilter="0,0; 0.14,0.36; 0.43,0.73; 0.71,0.91; 1.0,1.0">
-                                          <p:stCondLst>
-                                            <p:cond delay="0"/>
-                                          </p:stCondLst>
-                                        </p:cTn>
-                                        <p:tgtEl>
-                                          <p:spTgt spid="23"/>
-                                        </p:tgtEl>
-                                        <p:attrNameLst>
-                                          <p:attrName>ppt_x</p:attrName>
-                                        </p:attrNameLst>
-                                      </p:cBhvr>
-                                      <p:tavLst>
-                                        <p:tav tm="0">
-                                          <p:val>
-                                            <p:strVal val="#ppt_x-0.25"/>
-                                          </p:val>
-                                        </p:tav>
-                                        <p:tav tm="100000">
-                                          <p:val>
-                                            <p:strVal val="#ppt_x"/>
-                                          </p:val>
-                                        </p:tav>
-                                      </p:tavLst>
-                                    </p:anim>
-                                    <p:anim calcmode="lin" valueType="num">
-                                      <p:cBhvr>
-                                        <p:cTn id="22" dur="332" tmFilter="0.0,0.0; 0.25,0.07; 0.50,0.2; 0.75,0.467; 1.0,1.0">
-                                          <p:stCondLst>
-                                            <p:cond delay="0"/>
-                                          </p:stCondLst>
-                                        </p:cTn>
-                                        <p:tgtEl>
-                                          <p:spTgt spid="23"/>
-                                        </p:tgtEl>
-                                        <p:attrNameLst>
-                                          <p:attrName>ppt_y</p:attrName>
-                                        </p:attrNameLst>
-                                      </p:cBhvr>
-                                      <p:tavLst>
-                                        <p:tav tm="0" fmla="#ppt_y-sin(pi*$)/3">
-                                          <p:val>
-                                            <p:fltVal val="0.5"/>
-                                          </p:val>
-                                        </p:tav>
-                                        <p:tav tm="100000">
-                                          <p:val>
-                                            <p:fltVal val="1"/>
-                                          </p:val>
-                                        </p:tav>
-                                      </p:tavLst>
-                                    </p:anim>
-                                    <p:anim calcmode="lin" valueType="num">
-                                      <p:cBhvr>
-                                        <p:cTn id="23" dur="332" tmFilter="0, 0; 0.125,0.2665; 0.25,0.4; 0.375,0.465; 0.5,0.5;  0.625,0.535; 0.75,0.6; 0.875,0.7335; 1,1">
-                                          <p:stCondLst>
-                                            <p:cond delay="332"/>
-                                          </p:stCondLst>
-                                        </p:cTn>
-                                        <p:tgtEl>
-                                          <p:spTgt spid="23"/>
-                                        </p:tgtEl>
-                                        <p:attrNameLst>
-                                          <p:attrName>ppt_y</p:attrName>
-                                        </p:attrNameLst>
-                                      </p:cBhvr>
-                                      <p:tavLst>
-                                        <p:tav tm="0" fmla="#ppt_y-sin(pi*$)/9">
-                                          <p:val>
-                                            <p:fltVal val="0"/>
-                                          </p:val>
-                                        </p:tav>
-                                        <p:tav tm="100000">
-                                          <p:val>
-                                            <p:fltVal val="1"/>
-                                          </p:val>
-                                        </p:tav>
-                                      </p:tavLst>
-                                    </p:anim>
-                                    <p:anim calcmode="lin" valueType="num">
-                                      <p:cBhvr>
-                                        <p:cTn id="24" dur="166" tmFilter="0, 0; 0.125,0.2665; 0.25,0.4; 0.375,0.465; 0.5,0.5;  0.625,0.535; 0.75,0.6; 0.875,0.7335; 1,1">
-                                          <p:stCondLst>
-                                            <p:cond delay="662"/>
-                                          </p:stCondLst>
-                                        </p:cTn>
-                                        <p:tgtEl>
-                                          <p:spTgt spid="23"/>
-                                        </p:tgtEl>
-                                        <p:attrNameLst>
-                                          <p:attrName>ppt_y</p:attrName>
-                                        </p:attrNameLst>
-                                      </p:cBhvr>
-                                      <p:tavLst>
-                                        <p:tav tm="0" fmla="#ppt_y-sin(pi*$)/27">
-                                          <p:val>
-                                            <p:fltVal val="0"/>
-                                          </p:val>
-                                        </p:tav>
-                                        <p:tav tm="100000">
-                                          <p:val>
-                                            <p:fltVal val="1"/>
-                                          </p:val>
-                                        </p:tav>
-                                      </p:tavLst>
-                                    </p:anim>
-                                    <p:anim calcmode="lin" valueType="num">
-                                      <p:cBhvr>
-                                        <p:cTn id="25" dur="82" tmFilter="0, 0; 0.125,0.2665; 0.25,0.4; 0.375,0.465; 0.5,0.5;  0.625,0.535; 0.75,0.6; 0.875,0.7335; 1,1">
-                                          <p:stCondLst>
-                                            <p:cond delay="828"/>
-                                          </p:stCondLst>
-                                        </p:cTn>
-                                        <p:tgtEl>
-                                          <p:spTgt spid="23"/>
-                                        </p:tgtEl>
-                                        <p:attrNameLst>
-                                          <p:attrName>ppt_y</p:attrName>
-                                        </p:attrNameLst>
-                                      </p:cBhvr>
-                                      <p:tavLst>
-                                        <p:tav tm="0" fmla="#ppt_y-sin(pi*$)/81">
-                                          <p:val>
-                                            <p:fltVal val="0"/>
-                                          </p:val>
-                                        </p:tav>
-                                        <p:tav tm="100000">
-                                          <p:val>
-                                            <p:fltVal val="1"/>
-                                          </p:val>
-                                        </p:tav>
-                                      </p:tavLst>
-                                    </p:anim>
-                                    <p:animScale>
-                                      <p:cBhvr>
-                                        <p:cTn id="26" dur="13">
-                                          <p:stCondLst>
-                                            <p:cond delay="325"/>
-                                          </p:stCondLst>
-                                        </p:cTn>
-                                        <p:tgtEl>
-                                          <p:spTgt spid="23"/>
-                                        </p:tgtEl>
-                                      </p:cBhvr>
-                                      <p:to x="100000" y="60000"/>
-                                    </p:animScale>
-                                    <p:animScale>
-                                      <p:cBhvr>
-                                        <p:cTn id="27" dur="83" decel="50000">
-                                          <p:stCondLst>
-                                            <p:cond delay="338"/>
-                                          </p:stCondLst>
-                                        </p:cTn>
-                                        <p:tgtEl>
-                                          <p:spTgt spid="23"/>
-                                        </p:tgtEl>
-                                      </p:cBhvr>
-                                      <p:to x="100000" y="100000"/>
-                                    </p:animScale>
-                                    <p:animScale>
-                                      <p:cBhvr>
-                                        <p:cTn id="28" dur="13">
-                                          <p:stCondLst>
-                                            <p:cond delay="656"/>
-                                          </p:stCondLst>
-                                        </p:cTn>
-                                        <p:tgtEl>
-                                          <p:spTgt spid="23"/>
-                                        </p:tgtEl>
-                                      </p:cBhvr>
-                                      <p:to x="100000" y="80000"/>
-                                    </p:animScale>
-                                    <p:animScale>
-                                      <p:cBhvr>
-                                        <p:cTn id="29" dur="83" decel="50000">
-                                          <p:stCondLst>
-                                            <p:cond delay="669"/>
-                                          </p:stCondLst>
-                                        </p:cTn>
-                                        <p:tgtEl>
-                                          <p:spTgt spid="23"/>
-                                        </p:tgtEl>
-                                      </p:cBhvr>
-                                      <p:to x="100000" y="100000"/>
-                                    </p:animScale>
-                                    <p:animScale>
-                                      <p:cBhvr>
-                                        <p:cTn id="30" dur="13">
-                                          <p:stCondLst>
-                                            <p:cond delay="821"/>
-                                          </p:stCondLst>
-                                        </p:cTn>
-                                        <p:tgtEl>
-                                          <p:spTgt spid="23"/>
-                                        </p:tgtEl>
-                                      </p:cBhvr>
-                                      <p:to x="100000" y="90000"/>
-                                    </p:animScale>
-                                    <p:animScale>
-                                      <p:cBhvr>
-                                        <p:cTn id="31" dur="83" decel="50000">
-                                          <p:stCondLst>
-                                            <p:cond delay="834"/>
-                                          </p:stCondLst>
-                                        </p:cTn>
-                                        <p:tgtEl>
-                                          <p:spTgt spid="23"/>
-                                        </p:tgtEl>
-                                      </p:cBhvr>
-                                      <p:to x="100000" y="100000"/>
-                                    </p:animScale>
-                                    <p:animScale>
-                                      <p:cBhvr>
-                                        <p:cTn id="32" dur="13">
-                                          <p:stCondLst>
-                                            <p:cond delay="904"/>
-                                          </p:stCondLst>
-                                        </p:cTn>
-                                        <p:tgtEl>
-                                          <p:spTgt spid="23"/>
-                                        </p:tgtEl>
-                                      </p:cBhvr>
-                                      <p:to x="100000" y="95000"/>
-                                    </p:animScale>
-                                    <p:animScale>
-                                      <p:cBhvr>
-                                        <p:cTn id="33" dur="83" decel="50000">
-                                          <p:stCondLst>
-                                            <p:cond delay="917"/>
-                                          </p:stCondLst>
-                                        </p:cTn>
-                                        <p:tgtEl>
-                                          <p:spTgt spid="23"/>
-                                        </p:tgtEl>
-                                      </p:cBhvr>
-                                      <p:to x="100000" y="100000"/>
-                                    </p:animScale>
-                                  </p:childTnLst>
-                                </p:cTn>
-                              </p:par>
-                              <p:par>
-                                <p:cTn id="34" presetID="26" presetClass="entr" presetSubtype="0" fill="hold" nodeType="withEffect">
-                                  <p:stCondLst>
-                                    <p:cond delay="0"/>
-                                  </p:stCondLst>
-                                  <p:childTnLst>
-                                    <p:set>
-                                      <p:cBhvr>
-                                        <p:cTn id="35" dur="1" fill="hold">
-                                          <p:stCondLst>
-                                            <p:cond delay="0"/>
-                                          </p:stCondLst>
-                                        </p:cTn>
-                                        <p:tgtEl>
-                                          <p:spTgt spid="27"/>
-                                        </p:tgtEl>
-                                        <p:attrNameLst>
-                                          <p:attrName>style.visibility</p:attrName>
-                                        </p:attrNameLst>
-                                      </p:cBhvr>
-                                      <p:to>
-                                        <p:strVal val="visible"/>
-                                      </p:to>
-                                    </p:set>
-                                    <p:animEffect transition="in" filter="wipe(down)">
-                                      <p:cBhvr>
-                                        <p:cTn id="36" dur="290">
-                                          <p:stCondLst>
-                                            <p:cond delay="0"/>
-                                          </p:stCondLst>
-                                        </p:cTn>
-                                        <p:tgtEl>
-                                          <p:spTgt spid="27"/>
-                                        </p:tgtEl>
-                                      </p:cBhvr>
-                                    </p:animEffect>
-                                    <p:anim calcmode="lin" valueType="num">
-                                      <p:cBhvr>
-                                        <p:cTn id="37" dur="911" tmFilter="0,0; 0.14,0.36; 0.43,0.73; 0.71,0.91; 1.0,1.0">
-                                          <p:stCondLst>
-                                            <p:cond delay="0"/>
-                                          </p:stCondLst>
-                                        </p:cTn>
-                                        <p:tgtEl>
-                                          <p:spTgt spid="27"/>
-                                        </p:tgtEl>
-                                        <p:attrNameLst>
-                                          <p:attrName>ppt_x</p:attrName>
-                                        </p:attrNameLst>
-                                      </p:cBhvr>
-                                      <p:tavLst>
-                                        <p:tav tm="0">
-                                          <p:val>
-                                            <p:strVal val="#ppt_x-0.25"/>
-                                          </p:val>
-                                        </p:tav>
-                                        <p:tav tm="100000">
-                                          <p:val>
-                                            <p:strVal val="#ppt_x"/>
-                                          </p:val>
-                                        </p:tav>
-                                      </p:tavLst>
-                                    </p:anim>
-                                    <p:anim calcmode="lin" valueType="num">
-                                      <p:cBhvr>
-                                        <p:cTn id="38" dur="332" tmFilter="0.0,0.0; 0.25,0.07; 0.50,0.2; 0.75,0.467; 1.0,1.0">
-                                          <p:stCondLst>
-                                            <p:cond delay="0"/>
-                                          </p:stCondLst>
-                                        </p:cTn>
-                                        <p:tgtEl>
-                                          <p:spTgt spid="27"/>
-                                        </p:tgtEl>
-                                        <p:attrNameLst>
-                                          <p:attrName>ppt_y</p:attrName>
-                                        </p:attrNameLst>
-                                      </p:cBhvr>
-                                      <p:tavLst>
-                                        <p:tav tm="0" fmla="#ppt_y-sin(pi*$)/3">
-                                          <p:val>
-                                            <p:fltVal val="0.5"/>
-                                          </p:val>
-                                        </p:tav>
-                                        <p:tav tm="100000">
-                                          <p:val>
-                                            <p:fltVal val="1"/>
-                                          </p:val>
-                                        </p:tav>
-                                      </p:tavLst>
-                                    </p:anim>
-                                    <p:anim calcmode="lin" valueType="num">
-                                      <p:cBhvr>
-                                        <p:cTn id="39" dur="332" tmFilter="0, 0; 0.125,0.2665; 0.25,0.4; 0.375,0.465; 0.5,0.5;  0.625,0.535; 0.75,0.6; 0.875,0.7335; 1,1">
-                                          <p:stCondLst>
-                                            <p:cond delay="332"/>
-                                          </p:stCondLst>
-                                        </p:cTn>
-                                        <p:tgtEl>
-                                          <p:spTgt spid="27"/>
-                                        </p:tgtEl>
-                                        <p:attrNameLst>
-                                          <p:attrName>ppt_y</p:attrName>
-                                        </p:attrNameLst>
-                                      </p:cBhvr>
-                                      <p:tavLst>
-                                        <p:tav tm="0" fmla="#ppt_y-sin(pi*$)/9">
-                                          <p:val>
-                                            <p:fltVal val="0"/>
-                                          </p:val>
-                                        </p:tav>
-                                        <p:tav tm="100000">
-                                          <p:val>
-                                            <p:fltVal val="1"/>
-                                          </p:val>
-                                        </p:tav>
-                                      </p:tavLst>
-                                    </p:anim>
-                                    <p:anim calcmode="lin" valueType="num">
-                                      <p:cBhvr>
-                                        <p:cTn id="40" dur="166" tmFilter="0, 0; 0.125,0.2665; 0.25,0.4; 0.375,0.465; 0.5,0.5;  0.625,0.535; 0.75,0.6; 0.875,0.7335; 1,1">
-                                          <p:stCondLst>
-                                            <p:cond delay="662"/>
-                                          </p:stCondLst>
-                                        </p:cTn>
-                                        <p:tgtEl>
-                                          <p:spTgt spid="27"/>
-                                        </p:tgtEl>
-                                        <p:attrNameLst>
-                                          <p:attrName>ppt_y</p:attrName>
-                                        </p:attrNameLst>
-                                      </p:cBhvr>
-                                      <p:tavLst>
-                                        <p:tav tm="0" fmla="#ppt_y-sin(pi*$)/27">
-                                          <p:val>
-                                            <p:fltVal val="0"/>
-                                          </p:val>
-                                        </p:tav>
-                                        <p:tav tm="100000">
-                                          <p:val>
-                                            <p:fltVal val="1"/>
-                                          </p:val>
-                                        </p:tav>
-                                      </p:tavLst>
-                                    </p:anim>
-                                    <p:anim calcmode="lin" valueType="num">
-                                      <p:cBhvr>
-                                        <p:cTn id="41" dur="82" tmFilter="0, 0; 0.125,0.2665; 0.25,0.4; 0.375,0.465; 0.5,0.5;  0.625,0.535; 0.75,0.6; 0.875,0.7335; 1,1">
-                                          <p:stCondLst>
-                                            <p:cond delay="828"/>
-                                          </p:stCondLst>
-                                        </p:cTn>
-                                        <p:tgtEl>
-                                          <p:spTgt spid="27"/>
-                                        </p:tgtEl>
-                                        <p:attrNameLst>
-                                          <p:attrName>ppt_y</p:attrName>
-                                        </p:attrNameLst>
-                                      </p:cBhvr>
-                                      <p:tavLst>
-                                        <p:tav tm="0" fmla="#ppt_y-sin(pi*$)/81">
-                                          <p:val>
-                                            <p:fltVal val="0"/>
-                                          </p:val>
-                                        </p:tav>
-                                        <p:tav tm="100000">
-                                          <p:val>
-                                            <p:fltVal val="1"/>
-                                          </p:val>
-                                        </p:tav>
-                                      </p:tavLst>
-                                    </p:anim>
-                                    <p:animScale>
-                                      <p:cBhvr>
-                                        <p:cTn id="42" dur="13">
-                                          <p:stCondLst>
-                                            <p:cond delay="325"/>
-                                          </p:stCondLst>
-                                        </p:cTn>
-                                        <p:tgtEl>
-                                          <p:spTgt spid="27"/>
-                                        </p:tgtEl>
-                                      </p:cBhvr>
-                                      <p:to x="100000" y="60000"/>
-                                    </p:animScale>
-                                    <p:animScale>
-                                      <p:cBhvr>
-                                        <p:cTn id="43" dur="83" decel="50000">
-                                          <p:stCondLst>
-                                            <p:cond delay="338"/>
-                                          </p:stCondLst>
-                                        </p:cTn>
-                                        <p:tgtEl>
-                                          <p:spTgt spid="27"/>
-                                        </p:tgtEl>
-                                      </p:cBhvr>
-                                      <p:to x="100000" y="100000"/>
-                                    </p:animScale>
-                                    <p:animScale>
-                                      <p:cBhvr>
-                                        <p:cTn id="44" dur="13">
-                                          <p:stCondLst>
-                                            <p:cond delay="656"/>
-                                          </p:stCondLst>
-                                        </p:cTn>
-                                        <p:tgtEl>
-                                          <p:spTgt spid="27"/>
-                                        </p:tgtEl>
-                                      </p:cBhvr>
-                                      <p:to x="100000" y="80000"/>
-                                    </p:animScale>
-                                    <p:animScale>
-                                      <p:cBhvr>
-                                        <p:cTn id="45" dur="83" decel="50000">
-                                          <p:stCondLst>
-                                            <p:cond delay="669"/>
-                                          </p:stCondLst>
-                                        </p:cTn>
-                                        <p:tgtEl>
-                                          <p:spTgt spid="27"/>
-                                        </p:tgtEl>
-                                      </p:cBhvr>
-                                      <p:to x="100000" y="100000"/>
-                                    </p:animScale>
-                                    <p:animScale>
-                                      <p:cBhvr>
-                                        <p:cTn id="46" dur="13">
-                                          <p:stCondLst>
-                                            <p:cond delay="821"/>
-                                          </p:stCondLst>
-                                        </p:cTn>
-                                        <p:tgtEl>
-                                          <p:spTgt spid="27"/>
-                                        </p:tgtEl>
-                                      </p:cBhvr>
-                                      <p:to x="100000" y="90000"/>
-                                    </p:animScale>
-                                    <p:animScale>
-                                      <p:cBhvr>
-                                        <p:cTn id="47" dur="83" decel="50000">
-                                          <p:stCondLst>
-                                            <p:cond delay="834"/>
-                                          </p:stCondLst>
-                                        </p:cTn>
-                                        <p:tgtEl>
-                                          <p:spTgt spid="27"/>
-                                        </p:tgtEl>
-                                      </p:cBhvr>
-                                      <p:to x="100000" y="100000"/>
-                                    </p:animScale>
-                                    <p:animScale>
-                                      <p:cBhvr>
-                                        <p:cTn id="48" dur="13">
-                                          <p:stCondLst>
-                                            <p:cond delay="904"/>
-                                          </p:stCondLst>
-                                        </p:cTn>
-                                        <p:tgtEl>
-                                          <p:spTgt spid="27"/>
-                                        </p:tgtEl>
-                                      </p:cBhvr>
-                                      <p:to x="100000" y="95000"/>
-                                    </p:animScale>
-                                    <p:animScale>
-                                      <p:cBhvr>
-                                        <p:cTn id="49" dur="83" decel="50000">
-                                          <p:stCondLst>
-                                            <p:cond delay="917"/>
-                                          </p:stCondLst>
-                                        </p:cTn>
-                                        <p:tgtEl>
-                                          <p:spTgt spid="27"/>
-                                        </p:tgtEl>
-                                      </p:cBhvr>
-                                      <p:to x="100000" y="100000"/>
-                                    </p:animScale>
-                                  </p:childTnLst>
-                                </p:cTn>
-                              </p:par>
-                            </p:childTnLst>
-                          </p:cTn>
-                        </p:par>
-                        <p:par>
-                          <p:cTn id="50" fill="hold">
-                            <p:stCondLst>
-                              <p:cond delay="2890"/>
-                            </p:stCondLst>
-                            <p:childTnLst>
-                              <p:par>
-                                <p:cTn id="51" presetID="42" presetClass="entr" presetSubtype="0" fill="hold" grpId="0" nodeType="afterEffect">
-                                  <p:stCondLst>
-                                    <p:cond delay="0"/>
-                                  </p:stCondLst>
-                                  <p:childTnLst>
-                                    <p:set>
-                                      <p:cBhvr>
-                                        <p:cTn id="52" dur="1" fill="hold">
-                                          <p:stCondLst>
-                                            <p:cond delay="0"/>
-                                          </p:stCondLst>
-                                        </p:cTn>
-                                        <p:tgtEl>
-                                          <p:spTgt spid="18"/>
-                                        </p:tgtEl>
-                                        <p:attrNameLst>
-                                          <p:attrName>style.visibility</p:attrName>
-                                        </p:attrNameLst>
-                                      </p:cBhvr>
-                                      <p:to>
-                                        <p:strVal val="visible"/>
-                                      </p:to>
-                                    </p:set>
-                                    <p:animEffect transition="in" filter="fade">
-                                      <p:cBhvr>
-                                        <p:cTn id="53" dur="500"/>
-                                        <p:tgtEl>
-                                          <p:spTgt spid="18"/>
-                                        </p:tgtEl>
-                                      </p:cBhvr>
-                                    </p:animEffect>
-                                    <p:anim calcmode="lin" valueType="num">
-                                      <p:cBhvr>
-                                        <p:cTn id="54" dur="500" fill="hold"/>
-                                        <p:tgtEl>
-                                          <p:spTgt spid="18"/>
-                                        </p:tgtEl>
-                                        <p:attrNameLst>
-                                          <p:attrName>ppt_x</p:attrName>
-                                        </p:attrNameLst>
-                                      </p:cBhvr>
-                                      <p:tavLst>
-                                        <p:tav tm="0">
-                                          <p:val>
-                                            <p:strVal val="#ppt_x"/>
-                                          </p:val>
-                                        </p:tav>
-                                        <p:tav tm="100000">
-                                          <p:val>
-                                            <p:strVal val="#ppt_x"/>
-                                          </p:val>
-                                        </p:tav>
-                                      </p:tavLst>
-                                    </p:anim>
-                                    <p:anim calcmode="lin" valueType="num">
-                                      <p:cBhvr>
-                                        <p:cTn id="55" dur="500" fill="hold"/>
-                                        <p:tgtEl>
-                                          <p:spTgt spid="18"/>
-                                        </p:tgtEl>
-                                        <p:attrNameLst>
-                                          <p:attrName>ppt_y</p:attrName>
-                                        </p:attrNameLst>
-                                      </p:cBhvr>
-                                      <p:tavLst>
-                                        <p:tav tm="0">
-                                          <p:val>
-                                            <p:strVal val="#ppt_y+.1"/>
-                                          </p:val>
-                                        </p:tav>
-                                        <p:tav tm="100000">
-                                          <p:val>
-                                            <p:strVal val="#ppt_y"/>
-                                          </p:val>
-                                        </p:tav>
-                                      </p:tavLst>
-                                    </p:anim>
-                                  </p:childTnLst>
-                                </p:cTn>
-                              </p:par>
-                            </p:childTnLst>
-                          </p:cTn>
-                        </p:par>
-                        <p:par>
-                          <p:cTn id="56" fill="hold">
-                            <p:stCondLst>
-                              <p:cond delay="3390"/>
-                            </p:stCondLst>
-                            <p:childTnLst>
-                              <p:par>
-                                <p:cTn id="57" presetID="22" presetClass="entr" presetSubtype="8" fill="hold" nodeType="afterEffect">
-                                  <p:stCondLst>
-                                    <p:cond delay="0"/>
-                                  </p:stCondLst>
-                                  <p:childTnLst>
-                                    <p:set>
-                                      <p:cBhvr>
-                                        <p:cTn id="58" dur="1" fill="hold">
-                                          <p:stCondLst>
-                                            <p:cond delay="0"/>
-                                          </p:stCondLst>
-                                        </p:cTn>
-                                        <p:tgtEl>
-                                          <p:spTgt spid="21"/>
-                                        </p:tgtEl>
-                                        <p:attrNameLst>
-                                          <p:attrName>style.visibility</p:attrName>
-                                        </p:attrNameLst>
-                                      </p:cBhvr>
-                                      <p:to>
-                                        <p:strVal val="visible"/>
-                                      </p:to>
-                                    </p:set>
-                                    <p:animEffect transition="in" filter="wipe(left)">
-                                      <p:cBhvr>
-                                        <p:cTn id="59" dur="500"/>
-                                        <p:tgtEl>
-                                          <p:spTgt spid="21"/>
-                                        </p:tgtEl>
-                                      </p:cBhvr>
-                                    </p:animEffect>
-                                  </p:childTnLst>
-                                </p:cTn>
-                              </p:par>
-                            </p:childTnLst>
-                          </p:cTn>
-                        </p:par>
-                        <p:par>
-                          <p:cTn id="60" fill="hold">
-                            <p:stCondLst>
-                              <p:cond delay="3890"/>
-                            </p:stCondLst>
-                            <p:childTnLst>
-                              <p:par>
-                                <p:cTn id="61" presetID="42" presetClass="entr" presetSubtype="0" fill="hold" grpId="0" nodeType="afterEffect">
-                                  <p:stCondLst>
-                                    <p:cond delay="0"/>
-                                  </p:stCondLst>
-                                  <p:childTnLst>
-                                    <p:set>
-                                      <p:cBhvr>
-                                        <p:cTn id="62" dur="1" fill="hold">
-                                          <p:stCondLst>
-                                            <p:cond delay="0"/>
-                                          </p:stCondLst>
-                                        </p:cTn>
-                                        <p:tgtEl>
-                                          <p:spTgt spid="22"/>
-                                        </p:tgtEl>
-                                        <p:attrNameLst>
-                                          <p:attrName>style.visibility</p:attrName>
-                                        </p:attrNameLst>
-                                      </p:cBhvr>
-                                      <p:to>
-                                        <p:strVal val="visible"/>
-                                      </p:to>
-                                    </p:set>
-                                    <p:animEffect transition="in" filter="fade">
-                                      <p:cBhvr>
-                                        <p:cTn id="63" dur="500"/>
-                                        <p:tgtEl>
-                                          <p:spTgt spid="22"/>
-                                        </p:tgtEl>
-                                      </p:cBhvr>
-                                    </p:animEffect>
-                                    <p:anim calcmode="lin" valueType="num">
-                                      <p:cBhvr>
-                                        <p:cTn id="64" dur="500" fill="hold"/>
-                                        <p:tgtEl>
-                                          <p:spTgt spid="22"/>
-                                        </p:tgtEl>
-                                        <p:attrNameLst>
-                                          <p:attrName>ppt_x</p:attrName>
-                                        </p:attrNameLst>
-                                      </p:cBhvr>
-                                      <p:tavLst>
-                                        <p:tav tm="0">
-                                          <p:val>
-                                            <p:strVal val="#ppt_x"/>
-                                          </p:val>
-                                        </p:tav>
-                                        <p:tav tm="100000">
-                                          <p:val>
-                                            <p:strVal val="#ppt_x"/>
-                                          </p:val>
-                                        </p:tav>
-                                      </p:tavLst>
-                                    </p:anim>
-                                    <p:anim calcmode="lin" valueType="num">
-                                      <p:cBhvr>
-                                        <p:cTn id="65" dur="500" fill="hold"/>
-                                        <p:tgtEl>
-                                          <p:spTgt spid="22"/>
-                                        </p:tgtEl>
-                                        <p:attrNameLst>
-                                          <p:attrName>ppt_y</p:attrName>
-                                        </p:attrNameLst>
-                                      </p:cBhvr>
-                                      <p:tavLst>
-                                        <p:tav tm="0">
-                                          <p:val>
-                                            <p:strVal val="#ppt_y+.1"/>
-                                          </p:val>
-                                        </p:tav>
-                                        <p:tav tm="100000">
-                                          <p:val>
-                                            <p:strVal val="#ppt_y"/>
-                                          </p:val>
-                                        </p:tav>
-                                      </p:tavLst>
-                                    </p:anim>
-                                  </p:childTnLst>
-                                </p:cTn>
-                              </p:par>
-                            </p:childTnLst>
-                          </p:cTn>
-                        </p:par>
-                      </p:childTnLst>
-                    </p:cTn>
-                  </p:par>
-                </p:childTnLst>
-              </p:cTn>
-              <p:prevCondLst>
-                <p:cond evt="onPrev" delay="0">
-                  <p:tgtEl>
-                    <p:sldTgt/>
-                  </p:tgtEl>
-                </p:cond>
-              </p:prevCondLst>
-              <p:nextCondLst>
-                <p:cond evt="onNext" delay="0">
-                  <p:tgtEl>
-                    <p:sldTgt/>
-                  </p:tgtEl>
-                </p:cond>
-              </p:nextCondLst>
-            </p:seq>
-          </p:childTnLst>
-        </p:cTn>
-      </p:par>
-    </p:tnLst>
-    <p:bldLst>
-      <p:bldP spid="13" grpId="0"/>
-      <p:bldP spid="18" grpId="0"/>
-      <p:bldP spid="22" grpId="0"/>
-    </p:bldLst>
-  </p:timing>
-</p:sld>
-</file>
-
-<file path=ppt/slides/slide11.xml><?xml version="1.0" encoding="utf-8"?>
-<p:sld xmlns:a="http://schemas.openxmlformats.org/drawingml/2006/main" xmlns:r="http://schemas.openxmlformats.org/officeDocument/2006/relationships" xmlns:p="http://schemas.openxmlformats.org/presentationml/2006/main">
-  <p:cSld>
-    <p:spTree>
-      <p:nvGrpSpPr>
-        <p:cNvPr id="1" name=""/>
-        <p:cNvGrpSpPr/>
-        <p:nvPr/>
-      </p:nvGrpSpPr>
-      <p:grpSpPr>
-        <a:xfrm>
-          <a:off x="0" y="0"/>
-          <a:ext cx="0" cy="0"/>
-          <a:chOff x="0" y="0"/>
-          <a:chExt cx="0" cy="0"/>
-        </a:xfrm>
-      </p:grpSpPr>
-      <p:grpSp>
-        <p:nvGrpSpPr>
-          <p:cNvPr id="2" name="PA_组合 47"/>
-          <p:cNvGrpSpPr/>
-          <p:nvPr>
-            <p:custDataLst>
-              <p:tags r:id="rId1"/>
-            </p:custDataLst>
-          </p:nvPr>
-        </p:nvGrpSpPr>
-        <p:grpSpPr>
-          <a:xfrm>
-            <a:off x="554877" y="932724"/>
-            <a:ext cx="1199456" cy="74689"/>
-            <a:chOff x="0" y="2842590"/>
-            <a:chExt cx="7054752" cy="89199"/>
-          </a:xfrm>
-        </p:grpSpPr>
-        <p:sp>
-          <p:nvSpPr>
-            <p:cNvPr id="49" name="矩形 48"/>
-            <p:cNvSpPr/>
-            <p:nvPr/>
-          </p:nvSpPr>
-          <p:spPr>
-            <a:xfrm>
-              <a:off x="0" y="2842590"/>
-              <a:ext cx="1763688" cy="89199"/>
-            </a:xfrm>
-            <a:prstGeom prst="rect">
-              <a:avLst/>
-            </a:prstGeom>
-            <a:solidFill>
-              <a:schemeClr val="accent1"/>
-            </a:solidFill>
-            <a:ln>
-              <a:noFill/>
-            </a:ln>
-          </p:spPr>
-          <p:style>
-            <a:lnRef idx="2">
-              <a:schemeClr val="accent1">
-                <a:shade val="50000"/>
-              </a:schemeClr>
-            </a:lnRef>
-            <a:fillRef idx="1">
-              <a:schemeClr val="accent1"/>
-            </a:fillRef>
-            <a:effectRef idx="0">
-              <a:schemeClr val="accent1"/>
-            </a:effectRef>
-            <a:fontRef idx="minor">
-              <a:schemeClr val="lt1"/>
-            </a:fontRef>
-          </p:style>
-          <p:txBody>
-            <a:bodyPr rtlCol="0" anchor="ctr"/>
-            <a:lstStyle/>
-            <a:p>
-              <a:pPr algn="ctr" defTabSz="1219170"/>
-              <a:endParaRPr lang="zh-CN" altLang="en-US" sz="2400">
-                <a:solidFill>
-                  <a:srgbClr val="FFFFFF"/>
-                </a:solidFill>
-                <a:latin typeface="Calibri"/>
-                <a:ea typeface="宋体" panose="02010600030101010101" pitchFamily="2" charset="-122"/>
-              </a:endParaRPr>
-            </a:p>
-          </p:txBody>
-        </p:sp>
-        <p:sp>
-          <p:nvSpPr>
-            <p:cNvPr id="50" name="矩形 49"/>
-            <p:cNvSpPr/>
-            <p:nvPr/>
-          </p:nvSpPr>
-          <p:spPr>
-            <a:xfrm>
-              <a:off x="1763688" y="2842590"/>
-              <a:ext cx="1763688" cy="89199"/>
-            </a:xfrm>
-            <a:prstGeom prst="rect">
-              <a:avLst/>
-            </a:prstGeom>
-            <a:solidFill>
-              <a:schemeClr val="accent2"/>
-            </a:solidFill>
-            <a:ln>
-              <a:noFill/>
-            </a:ln>
-          </p:spPr>
-          <p:style>
-            <a:lnRef idx="2">
-              <a:schemeClr val="accent1">
-                <a:shade val="50000"/>
-              </a:schemeClr>
-            </a:lnRef>
-            <a:fillRef idx="1">
-              <a:schemeClr val="accent1"/>
-            </a:fillRef>
-            <a:effectRef idx="0">
-              <a:schemeClr val="accent1"/>
-            </a:effectRef>
-            <a:fontRef idx="minor">
-              <a:schemeClr val="lt1"/>
-            </a:fontRef>
-          </p:style>
-          <p:txBody>
-            <a:bodyPr rtlCol="0" anchor="ctr"/>
-            <a:lstStyle/>
-            <a:p>
-              <a:pPr algn="ctr" defTabSz="1219170"/>
-              <a:endParaRPr lang="zh-CN" altLang="en-US" sz="2400">
-                <a:solidFill>
-                  <a:srgbClr val="FFFFFF"/>
-                </a:solidFill>
-                <a:latin typeface="Calibri"/>
-                <a:ea typeface="宋体" panose="02010600030101010101" pitchFamily="2" charset="-122"/>
-              </a:endParaRPr>
-            </a:p>
-          </p:txBody>
-        </p:sp>
-        <p:sp>
-          <p:nvSpPr>
-            <p:cNvPr id="51" name="矩形 50"/>
-            <p:cNvSpPr/>
-            <p:nvPr/>
-          </p:nvSpPr>
-          <p:spPr>
-            <a:xfrm>
-              <a:off x="3527376" y="2842590"/>
-              <a:ext cx="1763688" cy="89199"/>
-            </a:xfrm>
-            <a:prstGeom prst="rect">
-              <a:avLst/>
-            </a:prstGeom>
-            <a:solidFill>
-              <a:schemeClr val="accent3"/>
-            </a:solidFill>
-            <a:ln>
-              <a:noFill/>
-            </a:ln>
-          </p:spPr>
-          <p:style>
-            <a:lnRef idx="2">
-              <a:schemeClr val="accent1">
-                <a:shade val="50000"/>
-              </a:schemeClr>
-            </a:lnRef>
-            <a:fillRef idx="1">
-              <a:schemeClr val="accent1"/>
-            </a:fillRef>
-            <a:effectRef idx="0">
-              <a:schemeClr val="accent1"/>
-            </a:effectRef>
-            <a:fontRef idx="minor">
-              <a:schemeClr val="lt1"/>
-            </a:fontRef>
-          </p:style>
-          <p:txBody>
-            <a:bodyPr rtlCol="0" anchor="ctr"/>
-            <a:lstStyle/>
-            <a:p>
-              <a:pPr algn="ctr" defTabSz="1219170"/>
-              <a:endParaRPr lang="zh-CN" altLang="en-US" sz="2400">
-                <a:solidFill>
-                  <a:srgbClr val="FFFFFF"/>
-                </a:solidFill>
-                <a:latin typeface="Calibri"/>
-                <a:ea typeface="宋体" panose="02010600030101010101" pitchFamily="2" charset="-122"/>
-              </a:endParaRPr>
-            </a:p>
-          </p:txBody>
-        </p:sp>
-        <p:sp>
-          <p:nvSpPr>
-            <p:cNvPr id="52" name="矩形 51"/>
-            <p:cNvSpPr/>
-            <p:nvPr/>
-          </p:nvSpPr>
-          <p:spPr>
-            <a:xfrm>
-              <a:off x="5291064" y="2842590"/>
-              <a:ext cx="1763688" cy="89199"/>
-            </a:xfrm>
-            <a:prstGeom prst="rect">
-              <a:avLst/>
-            </a:prstGeom>
-            <a:solidFill>
-              <a:schemeClr val="accent4"/>
-            </a:solidFill>
-            <a:ln>
-              <a:noFill/>
-            </a:ln>
-          </p:spPr>
-          <p:style>
-            <a:lnRef idx="2">
-              <a:schemeClr val="accent1">
-                <a:shade val="50000"/>
-              </a:schemeClr>
-            </a:lnRef>
-            <a:fillRef idx="1">
-              <a:schemeClr val="accent1"/>
-            </a:fillRef>
-            <a:effectRef idx="0">
-              <a:schemeClr val="accent1"/>
-            </a:effectRef>
-            <a:fontRef idx="minor">
-              <a:schemeClr val="lt1"/>
-            </a:fontRef>
-          </p:style>
-          <p:txBody>
-            <a:bodyPr rtlCol="0" anchor="ctr"/>
-            <a:lstStyle/>
-            <a:p>
-              <a:pPr algn="ctr" defTabSz="1219170"/>
-              <a:endParaRPr lang="zh-CN" altLang="en-US" sz="2400">
-                <a:solidFill>
-                  <a:srgbClr val="FFFFFF"/>
-                </a:solidFill>
-                <a:latin typeface="Calibri"/>
-                <a:ea typeface="宋体" panose="02010600030101010101" pitchFamily="2" charset="-122"/>
-              </a:endParaRPr>
-            </a:p>
-          </p:txBody>
-        </p:sp>
-      </p:grpSp>
-      <p:sp>
-        <p:nvSpPr>
-          <p:cNvPr id="13" name="PA_矩形 39"/>
-          <p:cNvSpPr>
-            <a:spLocks noChangeArrowheads="1"/>
-          </p:cNvSpPr>
-          <p:nvPr>
-            <p:custDataLst>
-              <p:tags r:id="rId2"/>
-            </p:custDataLst>
-          </p:nvPr>
-        </p:nvSpPr>
-        <p:spPr bwMode="auto">
-          <a:xfrm>
-            <a:off x="554879" y="371042"/>
             <a:ext cx="3704079" cy="410433"/>
           </a:xfrm>
           <a:prstGeom prst="rect">
@@ -6097,7 +4185,7 @@
 </p:sld>
 </file>
 
-<file path=ppt/slides/slide12.xml><?xml version="1.0" encoding="utf-8"?>
+<file path=ppt/slides/slide11.xml><?xml version="1.0" encoding="utf-8"?>
 <p:sld xmlns:a="http://schemas.openxmlformats.org/drawingml/2006/main" xmlns:r="http://schemas.openxmlformats.org/officeDocument/2006/relationships" xmlns:p="http://schemas.openxmlformats.org/presentationml/2006/main">
   <p:cSld>
     <p:spTree>
@@ -6790,7 +4878,7 @@
 </p:sld>
 </file>
 
-<file path=ppt/slides/slide13.xml><?xml version="1.0" encoding="utf-8"?>
+<file path=ppt/slides/slide12.xml><?xml version="1.0" encoding="utf-8"?>
 <p:sld xmlns:a="http://schemas.openxmlformats.org/drawingml/2006/main" xmlns:r="http://schemas.openxmlformats.org/officeDocument/2006/relationships" xmlns:p="http://schemas.openxmlformats.org/presentationml/2006/main">
   <p:cSld>
     <p:spTree>
@@ -9601,7 +7689,7 @@
 </p:sld>
 </file>
 
-<file path=ppt/slides/slide14.xml><?xml version="1.0" encoding="utf-8"?>
+<file path=ppt/slides/slide13.xml><?xml version="1.0" encoding="utf-8"?>
 <p:sld xmlns:a="http://schemas.openxmlformats.org/drawingml/2006/main" xmlns:r="http://schemas.openxmlformats.org/officeDocument/2006/relationships" xmlns:p="http://schemas.openxmlformats.org/presentationml/2006/main">
   <p:cSld>
     <p:spTree>
@@ -10518,954 +8606,6 @@
 </file>
 
 <file path=ppt/slides/slide2.xml><?xml version="1.0" encoding="utf-8"?>
-<p:sld xmlns:a="http://schemas.openxmlformats.org/drawingml/2006/main" xmlns:r="http://schemas.openxmlformats.org/officeDocument/2006/relationships" xmlns:p="http://schemas.openxmlformats.org/presentationml/2006/main">
-  <p:cSld>
-    <p:spTree>
-      <p:nvGrpSpPr>
-        <p:cNvPr id="1" name=""/>
-        <p:cNvGrpSpPr/>
-        <p:nvPr/>
-      </p:nvGrpSpPr>
-      <p:grpSpPr>
-        <a:xfrm>
-          <a:off x="0" y="0"/>
-          <a:ext cx="0" cy="0"/>
-          <a:chOff x="0" y="0"/>
-          <a:chExt cx="0" cy="0"/>
-        </a:xfrm>
-      </p:grpSpPr>
-      <p:grpSp>
-        <p:nvGrpSpPr>
-          <p:cNvPr id="2" name="PA_组合 47"/>
-          <p:cNvGrpSpPr/>
-          <p:nvPr>
-            <p:custDataLst>
-              <p:tags r:id="rId1"/>
-            </p:custDataLst>
-          </p:nvPr>
-        </p:nvGrpSpPr>
-        <p:grpSpPr>
-          <a:xfrm>
-            <a:off x="554877" y="932724"/>
-            <a:ext cx="1199456" cy="74689"/>
-            <a:chOff x="0" y="2842590"/>
-            <a:chExt cx="7054752" cy="89199"/>
-          </a:xfrm>
-        </p:grpSpPr>
-        <p:sp>
-          <p:nvSpPr>
-            <p:cNvPr id="49" name="矩形 48"/>
-            <p:cNvSpPr/>
-            <p:nvPr/>
-          </p:nvSpPr>
-          <p:spPr>
-            <a:xfrm>
-              <a:off x="0" y="2842590"/>
-              <a:ext cx="1763688" cy="89199"/>
-            </a:xfrm>
-            <a:prstGeom prst="rect">
-              <a:avLst/>
-            </a:prstGeom>
-            <a:solidFill>
-              <a:schemeClr val="accent1"/>
-            </a:solidFill>
-            <a:ln>
-              <a:noFill/>
-            </a:ln>
-          </p:spPr>
-          <p:style>
-            <a:lnRef idx="2">
-              <a:schemeClr val="accent1">
-                <a:shade val="50000"/>
-              </a:schemeClr>
-            </a:lnRef>
-            <a:fillRef idx="1">
-              <a:schemeClr val="accent1"/>
-            </a:fillRef>
-            <a:effectRef idx="0">
-              <a:schemeClr val="accent1"/>
-            </a:effectRef>
-            <a:fontRef idx="minor">
-              <a:schemeClr val="lt1"/>
-            </a:fontRef>
-          </p:style>
-          <p:txBody>
-            <a:bodyPr rtlCol="0" anchor="ctr"/>
-            <a:lstStyle/>
-            <a:p>
-              <a:pPr algn="ctr" defTabSz="1219170"/>
-              <a:endParaRPr lang="zh-CN" altLang="en-US" sz="2400">
-                <a:solidFill>
-                  <a:srgbClr val="FFFFFF"/>
-                </a:solidFill>
-                <a:latin typeface="Calibri"/>
-                <a:ea typeface="宋体" panose="02010600030101010101" pitchFamily="2" charset="-122"/>
-              </a:endParaRPr>
-            </a:p>
-          </p:txBody>
-        </p:sp>
-        <p:sp>
-          <p:nvSpPr>
-            <p:cNvPr id="50" name="矩形 49"/>
-            <p:cNvSpPr/>
-            <p:nvPr/>
-          </p:nvSpPr>
-          <p:spPr>
-            <a:xfrm>
-              <a:off x="1763688" y="2842590"/>
-              <a:ext cx="1763688" cy="89199"/>
-            </a:xfrm>
-            <a:prstGeom prst="rect">
-              <a:avLst/>
-            </a:prstGeom>
-            <a:solidFill>
-              <a:schemeClr val="accent2"/>
-            </a:solidFill>
-            <a:ln>
-              <a:noFill/>
-            </a:ln>
-          </p:spPr>
-          <p:style>
-            <a:lnRef idx="2">
-              <a:schemeClr val="accent1">
-                <a:shade val="50000"/>
-              </a:schemeClr>
-            </a:lnRef>
-            <a:fillRef idx="1">
-              <a:schemeClr val="accent1"/>
-            </a:fillRef>
-            <a:effectRef idx="0">
-              <a:schemeClr val="accent1"/>
-            </a:effectRef>
-            <a:fontRef idx="minor">
-              <a:schemeClr val="lt1"/>
-            </a:fontRef>
-          </p:style>
-          <p:txBody>
-            <a:bodyPr rtlCol="0" anchor="ctr"/>
-            <a:lstStyle/>
-            <a:p>
-              <a:pPr algn="ctr" defTabSz="1219170"/>
-              <a:endParaRPr lang="zh-CN" altLang="en-US" sz="2400">
-                <a:solidFill>
-                  <a:srgbClr val="FFFFFF"/>
-                </a:solidFill>
-                <a:latin typeface="Calibri"/>
-                <a:ea typeface="宋体" panose="02010600030101010101" pitchFamily="2" charset="-122"/>
-              </a:endParaRPr>
-            </a:p>
-          </p:txBody>
-        </p:sp>
-        <p:sp>
-          <p:nvSpPr>
-            <p:cNvPr id="51" name="矩形 50"/>
-            <p:cNvSpPr/>
-            <p:nvPr/>
-          </p:nvSpPr>
-          <p:spPr>
-            <a:xfrm>
-              <a:off x="3527376" y="2842590"/>
-              <a:ext cx="1763688" cy="89199"/>
-            </a:xfrm>
-            <a:prstGeom prst="rect">
-              <a:avLst/>
-            </a:prstGeom>
-            <a:solidFill>
-              <a:schemeClr val="accent3"/>
-            </a:solidFill>
-            <a:ln>
-              <a:noFill/>
-            </a:ln>
-          </p:spPr>
-          <p:style>
-            <a:lnRef idx="2">
-              <a:schemeClr val="accent1">
-                <a:shade val="50000"/>
-              </a:schemeClr>
-            </a:lnRef>
-            <a:fillRef idx="1">
-              <a:schemeClr val="accent1"/>
-            </a:fillRef>
-            <a:effectRef idx="0">
-              <a:schemeClr val="accent1"/>
-            </a:effectRef>
-            <a:fontRef idx="minor">
-              <a:schemeClr val="lt1"/>
-            </a:fontRef>
-          </p:style>
-          <p:txBody>
-            <a:bodyPr rtlCol="0" anchor="ctr"/>
-            <a:lstStyle/>
-            <a:p>
-              <a:pPr algn="ctr" defTabSz="1219170"/>
-              <a:endParaRPr lang="zh-CN" altLang="en-US" sz="2400">
-                <a:solidFill>
-                  <a:srgbClr val="FFFFFF"/>
-                </a:solidFill>
-                <a:latin typeface="Calibri"/>
-                <a:ea typeface="宋体" panose="02010600030101010101" pitchFamily="2" charset="-122"/>
-              </a:endParaRPr>
-            </a:p>
-          </p:txBody>
-        </p:sp>
-        <p:sp>
-          <p:nvSpPr>
-            <p:cNvPr id="52" name="矩形 51"/>
-            <p:cNvSpPr/>
-            <p:nvPr/>
-          </p:nvSpPr>
-          <p:spPr>
-            <a:xfrm>
-              <a:off x="5291064" y="2842590"/>
-              <a:ext cx="1763688" cy="89199"/>
-            </a:xfrm>
-            <a:prstGeom prst="rect">
-              <a:avLst/>
-            </a:prstGeom>
-            <a:solidFill>
-              <a:schemeClr val="accent4"/>
-            </a:solidFill>
-            <a:ln>
-              <a:noFill/>
-            </a:ln>
-          </p:spPr>
-          <p:style>
-            <a:lnRef idx="2">
-              <a:schemeClr val="accent1">
-                <a:shade val="50000"/>
-              </a:schemeClr>
-            </a:lnRef>
-            <a:fillRef idx="1">
-              <a:schemeClr val="accent1"/>
-            </a:fillRef>
-            <a:effectRef idx="0">
-              <a:schemeClr val="accent1"/>
-            </a:effectRef>
-            <a:fontRef idx="minor">
-              <a:schemeClr val="lt1"/>
-            </a:fontRef>
-          </p:style>
-          <p:txBody>
-            <a:bodyPr rtlCol="0" anchor="ctr"/>
-            <a:lstStyle/>
-            <a:p>
-              <a:pPr algn="ctr" defTabSz="1219170"/>
-              <a:endParaRPr lang="zh-CN" altLang="en-US" sz="2400">
-                <a:solidFill>
-                  <a:srgbClr val="FFFFFF"/>
-                </a:solidFill>
-                <a:latin typeface="Calibri"/>
-                <a:ea typeface="宋体" panose="02010600030101010101" pitchFamily="2" charset="-122"/>
-              </a:endParaRPr>
-            </a:p>
-          </p:txBody>
-        </p:sp>
-      </p:grpSp>
-      <p:sp>
-        <p:nvSpPr>
-          <p:cNvPr id="13" name="PA_矩形 39"/>
-          <p:cNvSpPr>
-            <a:spLocks noChangeArrowheads="1"/>
-          </p:cNvSpPr>
-          <p:nvPr>
-            <p:custDataLst>
-              <p:tags r:id="rId2"/>
-            </p:custDataLst>
-          </p:nvPr>
-        </p:nvSpPr>
-        <p:spPr bwMode="auto">
-          <a:xfrm>
-            <a:off x="554879" y="371042"/>
-            <a:ext cx="3704079" cy="410433"/>
-          </a:xfrm>
-          <a:prstGeom prst="rect">
-            <a:avLst/>
-          </a:prstGeom>
-          <a:noFill/>
-          <a:ln>
-            <a:noFill/>
-          </a:ln>
-          <a:extLst>
-            <a:ext uri="{909E8E84-426E-40DD-AFC4-6F175D3DCCD1}">
-              <a14:hiddenFill xmlns="" xmlns:a14="http://schemas.microsoft.com/office/drawing/2010/main">
-                <a:solidFill>
-                  <a:srgbClr val="FFFFFF"/>
-                </a:solidFill>
-              </a14:hiddenFill>
-            </a:ext>
-            <a:ext uri="{91240B29-F687-4F45-9708-019B960494DF}">
-              <a14:hiddenLine xmlns="" xmlns:a14="http://schemas.microsoft.com/office/drawing/2010/main" w="9525">
-                <a:solidFill>
-                  <a:srgbClr val="000000"/>
-                </a:solidFill>
-                <a:miter lim="800000"/>
-                <a:headEnd/>
-                <a:tailEnd/>
-              </a14:hiddenLine>
-            </a:ext>
-          </a:extLst>
-        </p:spPr>
-        <p:txBody>
-          <a:bodyPr wrap="square" lIns="0" tIns="0" rIns="0" bIns="0">
-            <a:spAutoFit/>
-          </a:bodyPr>
-          <a:lstStyle/>
-          <a:p>
-            <a:pPr defTabSz="1219170"/>
-            <a:r>
-              <a:rPr lang="zh-CN" altLang="en-US" sz="2667" smtClean="0">
-                <a:solidFill>
-                  <a:srgbClr val="1D69A3"/>
-                </a:solidFill>
-                <a:latin typeface="微软雅黑" pitchFamily="34" charset="-122"/>
-                <a:ea typeface="微软雅黑" pitchFamily="34" charset="-122"/>
-              </a:rPr>
-              <a:t>基于</a:t>
-            </a:r>
-            <a:r>
-              <a:rPr lang="en-US" altLang="zh-CN" sz="2667" smtClean="0">
-                <a:solidFill>
-                  <a:srgbClr val="1D69A3"/>
-                </a:solidFill>
-                <a:latin typeface="微软雅黑" pitchFamily="34" charset="-122"/>
-                <a:ea typeface="微软雅黑" pitchFamily="34" charset="-122"/>
-              </a:rPr>
-              <a:t>Netty</a:t>
-            </a:r>
-            <a:r>
-              <a:rPr lang="zh-CN" altLang="en-US" sz="2667" smtClean="0">
-                <a:solidFill>
-                  <a:srgbClr val="1D69A3"/>
-                </a:solidFill>
-                <a:latin typeface="微软雅黑" pitchFamily="34" charset="-122"/>
-                <a:ea typeface="微软雅黑" pitchFamily="34" charset="-122"/>
-              </a:rPr>
-              <a:t>的</a:t>
-            </a:r>
-            <a:r>
-              <a:rPr lang="en-US" altLang="zh-CN" sz="2667" smtClean="0">
-                <a:solidFill>
-                  <a:srgbClr val="1D69A3"/>
-                </a:solidFill>
-                <a:latin typeface="微软雅黑" pitchFamily="34" charset="-122"/>
-                <a:ea typeface="微软雅黑" pitchFamily="34" charset="-122"/>
-              </a:rPr>
-              <a:t>Web</a:t>
-            </a:r>
-            <a:r>
-              <a:rPr lang="zh-CN" altLang="en-US" sz="2667" smtClean="0">
-                <a:solidFill>
-                  <a:srgbClr val="1D69A3"/>
-                </a:solidFill>
-                <a:latin typeface="微软雅黑" pitchFamily="34" charset="-122"/>
-                <a:ea typeface="微软雅黑" pitchFamily="34" charset="-122"/>
-              </a:rPr>
-              <a:t>服务器</a:t>
-            </a:r>
-          </a:p>
-        </p:txBody>
-      </p:sp>
-      <p:sp>
-        <p:nvSpPr>
-          <p:cNvPr id="10" name="矩形 9"/>
-          <p:cNvSpPr/>
-          <p:nvPr/>
-        </p:nvSpPr>
-        <p:spPr>
-          <a:xfrm>
-            <a:off x="187893" y="1337102"/>
-            <a:ext cx="3595856" cy="3785652"/>
-          </a:xfrm>
-          <a:prstGeom prst="rect">
-            <a:avLst/>
-          </a:prstGeom>
-        </p:spPr>
-        <p:txBody>
-          <a:bodyPr wrap="none">
-            <a:spAutoFit/>
-          </a:bodyPr>
-          <a:lstStyle/>
-          <a:p>
-            <a:pPr lvl="1">
-              <a:lnSpc>
-                <a:spcPct val="200000"/>
-              </a:lnSpc>
-              <a:spcBef>
-                <a:spcPct val="0"/>
-              </a:spcBef>
-              <a:buClr>
-                <a:srgbClr val="FFC000"/>
-              </a:buClr>
-              <a:buFont typeface="Wingdings" pitchFamily="2" charset="2"/>
-              <a:buChar char="n"/>
-            </a:pPr>
-            <a:r>
-              <a:rPr lang="zh-CN" altLang="en-US" sz="2400" b="1" smtClean="0">
-                <a:solidFill>
-                  <a:srgbClr val="FFC000"/>
-                </a:solidFill>
-                <a:latin typeface="微软雅黑" pitchFamily="34" charset="-122"/>
-                <a:ea typeface="微软雅黑" pitchFamily="34" charset="-122"/>
-              </a:rPr>
-              <a:t>实现服务器</a:t>
-            </a:r>
-            <a:endParaRPr lang="en-US" altLang="zh-CN" sz="2400" b="1" smtClean="0">
-              <a:solidFill>
-                <a:srgbClr val="FFC000"/>
-              </a:solidFill>
-              <a:latin typeface="微软雅黑" pitchFamily="34" charset="-122"/>
-              <a:ea typeface="微软雅黑" pitchFamily="34" charset="-122"/>
-            </a:endParaRPr>
-          </a:p>
-          <a:p>
-            <a:pPr lvl="1">
-              <a:lnSpc>
-                <a:spcPct val="200000"/>
-              </a:lnSpc>
-              <a:spcBef>
-                <a:spcPct val="0"/>
-              </a:spcBef>
-              <a:buClr>
-                <a:srgbClr val="FFC000"/>
-              </a:buClr>
-              <a:buFont typeface="Wingdings" pitchFamily="2" charset="2"/>
-              <a:buChar char="n"/>
-            </a:pPr>
-            <a:r>
-              <a:rPr lang="zh-CN" altLang="en-US" sz="2400" b="1" smtClean="0">
-                <a:solidFill>
-                  <a:srgbClr val="FFC000"/>
-                </a:solidFill>
-                <a:latin typeface="微软雅黑" pitchFamily="34" charset="-122"/>
-                <a:ea typeface="微软雅黑" pitchFamily="34" charset="-122"/>
-              </a:rPr>
-              <a:t>浏览器访问</a:t>
-            </a:r>
-            <a:endParaRPr lang="en-US" altLang="zh-CN" sz="2400" b="1" smtClean="0">
-              <a:solidFill>
-                <a:srgbClr val="FFC000"/>
-              </a:solidFill>
-              <a:latin typeface="微软雅黑" pitchFamily="34" charset="-122"/>
-              <a:ea typeface="微软雅黑" pitchFamily="34" charset="-122"/>
-            </a:endParaRPr>
-          </a:p>
-          <a:p>
-            <a:pPr lvl="1">
-              <a:lnSpc>
-                <a:spcPct val="200000"/>
-              </a:lnSpc>
-              <a:spcBef>
-                <a:spcPct val="0"/>
-              </a:spcBef>
-              <a:buClr>
-                <a:srgbClr val="FFC000"/>
-              </a:buClr>
-              <a:buFont typeface="Wingdings" pitchFamily="2" charset="2"/>
-              <a:buChar char="n"/>
-            </a:pPr>
-            <a:r>
-              <a:rPr lang="zh-CN" altLang="en-US" sz="2400" b="1" smtClean="0">
-                <a:solidFill>
-                  <a:srgbClr val="FFC000"/>
-                </a:solidFill>
-                <a:latin typeface="微软雅黑" pitchFamily="34" charset="-122"/>
-                <a:ea typeface="微软雅黑" pitchFamily="34" charset="-122"/>
-              </a:rPr>
-              <a:t>用</a:t>
-            </a:r>
-            <a:r>
-              <a:rPr lang="en-US" altLang="zh-CN" sz="2400" b="1" smtClean="0">
-                <a:solidFill>
-                  <a:srgbClr val="FFC000"/>
-                </a:solidFill>
-                <a:latin typeface="微软雅黑" pitchFamily="34" charset="-122"/>
-                <a:ea typeface="微软雅黑" pitchFamily="34" charset="-122"/>
-              </a:rPr>
-              <a:t>Netty</a:t>
-            </a:r>
-            <a:r>
-              <a:rPr lang="zh-CN" altLang="en-US" sz="2400" b="1" smtClean="0">
-                <a:solidFill>
-                  <a:srgbClr val="FFC000"/>
-                </a:solidFill>
-                <a:latin typeface="微软雅黑" pitchFamily="34" charset="-122"/>
-                <a:ea typeface="微软雅黑" pitchFamily="34" charset="-122"/>
-              </a:rPr>
-              <a:t>实现客户端</a:t>
-            </a:r>
-            <a:endParaRPr lang="en-US" altLang="zh-CN" sz="2400" b="1" smtClean="0">
-              <a:solidFill>
-                <a:srgbClr val="FFC000"/>
-              </a:solidFill>
-              <a:latin typeface="微软雅黑" pitchFamily="34" charset="-122"/>
-              <a:ea typeface="微软雅黑" pitchFamily="34" charset="-122"/>
-            </a:endParaRPr>
-          </a:p>
-          <a:p>
-            <a:pPr lvl="1">
-              <a:lnSpc>
-                <a:spcPct val="200000"/>
-              </a:lnSpc>
-              <a:spcBef>
-                <a:spcPct val="0"/>
-              </a:spcBef>
-              <a:buClr>
-                <a:srgbClr val="FFC000"/>
-              </a:buClr>
-              <a:buFont typeface="Wingdings" pitchFamily="2" charset="2"/>
-              <a:buChar char="n"/>
-            </a:pPr>
-            <a:r>
-              <a:rPr lang="zh-CN" altLang="en-US" sz="2400" b="1" smtClean="0">
-                <a:solidFill>
-                  <a:srgbClr val="FFC000"/>
-                </a:solidFill>
-                <a:latin typeface="微软雅黑" pitchFamily="34" charset="-122"/>
-                <a:ea typeface="微软雅黑" pitchFamily="34" charset="-122"/>
-              </a:rPr>
-              <a:t>增加压缩支持</a:t>
-            </a:r>
-            <a:endParaRPr lang="en-US" altLang="zh-CN" sz="2400" b="1" smtClean="0">
-              <a:solidFill>
-                <a:srgbClr val="FFC000"/>
-              </a:solidFill>
-              <a:latin typeface="微软雅黑" pitchFamily="34" charset="-122"/>
-              <a:ea typeface="微软雅黑" pitchFamily="34" charset="-122"/>
-            </a:endParaRPr>
-          </a:p>
-          <a:p>
-            <a:pPr lvl="1">
-              <a:lnSpc>
-                <a:spcPct val="200000"/>
-              </a:lnSpc>
-              <a:spcBef>
-                <a:spcPct val="0"/>
-              </a:spcBef>
-              <a:buClr>
-                <a:srgbClr val="FFC000"/>
-              </a:buClr>
-              <a:buFont typeface="Wingdings" pitchFamily="2" charset="2"/>
-              <a:buChar char="n"/>
-            </a:pPr>
-            <a:r>
-              <a:rPr lang="en-US" altLang="zh-CN" sz="2400" b="1" smtClean="0">
-                <a:solidFill>
-                  <a:srgbClr val="FFC000"/>
-                </a:solidFill>
-                <a:latin typeface="微软雅黑" pitchFamily="34" charset="-122"/>
-                <a:ea typeface="微软雅黑" pitchFamily="34" charset="-122"/>
-              </a:rPr>
-              <a:t>Https</a:t>
-            </a:r>
-            <a:r>
-              <a:rPr lang="zh-CN" altLang="en-US" sz="2400" b="1" smtClean="0">
-                <a:solidFill>
-                  <a:srgbClr val="FFC000"/>
-                </a:solidFill>
-                <a:latin typeface="微软雅黑" pitchFamily="34" charset="-122"/>
-                <a:ea typeface="微软雅黑" pitchFamily="34" charset="-122"/>
-              </a:rPr>
-              <a:t>支持</a:t>
-            </a:r>
-            <a:endParaRPr lang="en-US" altLang="zh-CN" sz="2400" b="1" smtClean="0">
-              <a:solidFill>
-                <a:srgbClr val="FFC000"/>
-              </a:solidFill>
-              <a:latin typeface="微软雅黑" pitchFamily="34" charset="-122"/>
-              <a:ea typeface="微软雅黑" pitchFamily="34" charset="-122"/>
-            </a:endParaRPr>
-          </a:p>
-        </p:txBody>
-      </p:sp>
-      <p:pic>
-        <p:nvPicPr>
-          <p:cNvPr id="1026" name="Picture 2"/>
-          <p:cNvPicPr>
-            <a:picLocks noChangeAspect="1" noChangeArrowheads="1"/>
-          </p:cNvPicPr>
-          <p:nvPr/>
-        </p:nvPicPr>
-        <p:blipFill>
-          <a:blip r:embed="rId4"/>
-          <a:srcRect/>
-          <a:stretch>
-            <a:fillRect/>
-          </a:stretch>
-        </p:blipFill>
-        <p:spPr bwMode="auto">
-          <a:xfrm>
-            <a:off x="3766873" y="1704976"/>
-            <a:ext cx="8072702" cy="3368674"/>
-          </a:xfrm>
-          <a:prstGeom prst="rect">
-            <a:avLst/>
-          </a:prstGeom>
-          <a:noFill/>
-          <a:ln w="9525">
-            <a:noFill/>
-            <a:miter lim="800000"/>
-            <a:headEnd/>
-            <a:tailEnd/>
-          </a:ln>
-          <a:effectLst/>
-        </p:spPr>
-      </p:pic>
-    </p:spTree>
-    <p:extLst>
-      <p:ext uri="{BB962C8B-B14F-4D97-AF65-F5344CB8AC3E}">
-        <p14:creationId xmlns="" xmlns:p14="http://schemas.microsoft.com/office/powerpoint/2010/main" val="1534704313"/>
-      </p:ext>
-    </p:extLst>
-  </p:cSld>
-  <p:clrMapOvr>
-    <a:masterClrMapping/>
-  </p:clrMapOvr>
-  <mc:AlternateContent xmlns:mc="http://schemas.openxmlformats.org/markup-compatibility/2006">
-    <mc:Choice xmlns="" xmlns:p14="http://schemas.microsoft.com/office/powerpoint/2010/main" Requires="p14">
-      <p:transition spd="slow" p14:dur="1500">
-        <p:random/>
-      </p:transition>
-    </mc:Choice>
-    <mc:Fallback>
-      <p:transition spd="slow">
-        <p:random/>
-      </p:transition>
-    </mc:Fallback>
-  </mc:AlternateContent>
-  <p:timing>
-    <p:tnLst>
-      <p:par>
-        <p:cTn id="1" dur="indefinite" restart="never" nodeType="tmRoot">
-          <p:childTnLst>
-            <p:seq concurrent="1" nextAc="seek">
-              <p:cTn id="2" dur="indefinite" nodeType="mainSeq">
-                <p:childTnLst>
-                  <p:par>
-                    <p:cTn id="3" fill="hold">
-                      <p:stCondLst>
-                        <p:cond delay="indefinite"/>
-                        <p:cond evt="onBegin" delay="0">
-                          <p:tn val="2"/>
-                        </p:cond>
-                      </p:stCondLst>
-                      <p:childTnLst>
-                        <p:par>
-                          <p:cTn id="4" fill="hold">
-                            <p:stCondLst>
-                              <p:cond delay="0"/>
-                            </p:stCondLst>
-                            <p:childTnLst>
-                              <p:par>
-                                <p:cTn id="5" presetID="0" presetClass="entr" presetSubtype="0" fill="hold" nodeType="withEffect">
-                                  <p:stCondLst>
-                                    <p:cond delay="0"/>
-                                  </p:stCondLst>
-                                  <p:iterate type="lt">
-                                    <p:tmPct val="10000"/>
-                                  </p:iterate>
-                                  <p:childTnLst>
-                                    <p:set>
-                                      <p:cBhvr>
-                                        <p:cTn id="6" dur="1" fill="hold">
-                                          <p:stCondLst>
-                                            <p:cond delay="0"/>
-                                          </p:stCondLst>
-                                        </p:cTn>
-                                        <p:tgtEl>
-                                          <p:spTgt spid="2"/>
-                                        </p:tgtEl>
-                                        <p:attrNameLst>
-                                          <p:attrName>style.visibility</p:attrName>
-                                        </p:attrNameLst>
-                                      </p:cBhvr>
-                                      <p:to>
-                                        <p:strVal val="visible"/>
-                                      </p:to>
-                                    </p:set>
-                                    <p:anim to="" calcmode="lin" valueType="num">
-                                      <p:cBhvr>
-                                        <p:cTn id="7" dur="700" fill="hold">
-                                          <p:stCondLst>
-                                            <p:cond delay="0"/>
-                                          </p:stCondLst>
-                                        </p:cTn>
-                                        <p:tgtEl>
-                                          <p:spTgt spid="2"/>
-                                        </p:tgtEl>
-                                        <p:attrNameLst>
-                                          <p:attrName>ppt_x</p:attrName>
-                                        </p:attrNameLst>
-                                      </p:cBhvr>
-                                      <p:tavLst>
-                                        <p:tav tm="0" fmla="#ppt_x-(-#ppt_w/2*cos(ppt_r/180*pi))*((1.5-1.5*$)^2-(1.5-1.5*$)^3)">
-                                          <p:val>
-                                            <p:strVal val="0"/>
-                                          </p:val>
-                                        </p:tav>
-                                        <p:tav tm="100000">
-                                          <p:val>
-                                            <p:strVal val="1"/>
-                                          </p:val>
-                                        </p:tav>
-                                      </p:tavLst>
-                                    </p:anim>
-                                    <p:anim to="" calcmode="lin" valueType="num">
-                                      <p:cBhvr>
-                                        <p:cTn id="8" dur="700" fill="hold">
-                                          <p:stCondLst>
-                                            <p:cond delay="0"/>
-                                          </p:stCondLst>
-                                        </p:cTn>
-                                        <p:tgtEl>
-                                          <p:spTgt spid="2"/>
-                                        </p:tgtEl>
-                                        <p:attrNameLst>
-                                          <p:attrName>ppt_y</p:attrName>
-                                        </p:attrNameLst>
-                                      </p:cBhvr>
-                                      <p:tavLst>
-                                        <p:tav tm="0" fmla="#ppt_y+(-#ppt_h/2*cos(ppt_r/180*pi))*((1.5-1.5*$)^2-(1.5-1.5*$)^3)">
-                                          <p:val>
-                                            <p:strVal val="0"/>
-                                          </p:val>
-                                        </p:tav>
-                                        <p:tav tm="100000">
-                                          <p:val>
-                                            <p:strVal val="1"/>
-                                          </p:val>
-                                        </p:tav>
-                                      </p:tavLst>
-                                    </p:anim>
-                                    <p:anim to="" calcmode="lin" valueType="num">
-                                      <p:cBhvr>
-                                        <p:cTn id="9" dur="700" fill="hold">
-                                          <p:stCondLst>
-                                            <p:cond delay="0"/>
-                                          </p:stCondLst>
-                                        </p:cTn>
-                                        <p:tgtEl>
-                                          <p:spTgt spid="2"/>
-                                        </p:tgtEl>
-                                        <p:attrNameLst>
-                                          <p:attrName>ppt_h</p:attrName>
-                                        </p:attrNameLst>
-                                      </p:cBhvr>
-                                      <p:tavLst>
-                                        <p:tav tm="0" fmla="#ppt_h-(-#ppt_h)*((1.5-1.5*$)^2-(1.5-1.5*$)^3)">
-                                          <p:val>
-                                            <p:strVal val="0"/>
-                                          </p:val>
-                                        </p:tav>
-                                        <p:tav tm="100000">
-                                          <p:val>
-                                            <p:strVal val="1"/>
-                                          </p:val>
-                                        </p:tav>
-                                      </p:tavLst>
-                                    </p:anim>
-                                    <p:anim to="" calcmode="lin" valueType="num">
-                                      <p:cBhvr>
-                                        <p:cTn id="10" dur="700" fill="hold">
-                                          <p:stCondLst>
-                                            <p:cond delay="0"/>
-                                          </p:stCondLst>
-                                        </p:cTn>
-                                        <p:tgtEl>
-                                          <p:spTgt spid="2"/>
-                                        </p:tgtEl>
-                                        <p:attrNameLst>
-                                          <p:attrName>ppt_w</p:attrName>
-                                        </p:attrNameLst>
-                                      </p:cBhvr>
-                                      <p:tavLst>
-                                        <p:tav tm="0" fmla="#ppt_w-(-#ppt_w)*((1.5-1.5*$)^2-(1.5-1.5*$)^3)">
-                                          <p:val>
-                                            <p:strVal val="0"/>
-                                          </p:val>
-                                        </p:tav>
-                                        <p:tav tm="100000">
-                                          <p:val>
-                                            <p:strVal val="1"/>
-                                          </p:val>
-                                        </p:tav>
-                                      </p:tavLst>
-                                    </p:anim>
-                                  </p:childTnLst>
-                                </p:cTn>
-                              </p:par>
-                              <p:par>
-                                <p:cTn id="11" presetID="0" presetClass="entr" presetSubtype="0" fill="hold" grpId="0" nodeType="withEffect">
-                                  <p:stCondLst>
-                                    <p:cond delay="0"/>
-                                  </p:stCondLst>
-                                  <p:iterate type="lt">
-                                    <p:tmPct val="10000"/>
-                                  </p:iterate>
-                                  <p:childTnLst>
-                                    <p:set>
-                                      <p:cBhvr>
-                                        <p:cTn id="12" dur="1" fill="hold">
-                                          <p:stCondLst>
-                                            <p:cond delay="0"/>
-                                          </p:stCondLst>
-                                        </p:cTn>
-                                        <p:tgtEl>
-                                          <p:spTgt spid="13"/>
-                                        </p:tgtEl>
-                                        <p:attrNameLst>
-                                          <p:attrName>style.visibility</p:attrName>
-                                        </p:attrNameLst>
-                                      </p:cBhvr>
-                                      <p:to>
-                                        <p:strVal val="visible"/>
-                                      </p:to>
-                                    </p:set>
-                                    <p:anim to="" calcmode="lin" valueType="num">
-                                      <p:cBhvr>
-                                        <p:cTn id="13" dur="700" fill="hold">
-                                          <p:stCondLst>
-                                            <p:cond delay="0"/>
-                                          </p:stCondLst>
-                                        </p:cTn>
-                                        <p:tgtEl>
-                                          <p:spTgt spid="13"/>
-                                        </p:tgtEl>
-                                        <p:attrNameLst>
-                                          <p:attrName>ppt_x</p:attrName>
-                                        </p:attrNameLst>
-                                      </p:cBhvr>
-                                      <p:tavLst>
-                                        <p:tav tm="0" fmla="#ppt_x-(-#ppt_w/2*cos(ppt_r/180*pi))*((1.5-1.5*$)^2-(1.5-1.5*$)^3)">
-                                          <p:val>
-                                            <p:strVal val="0"/>
-                                          </p:val>
-                                        </p:tav>
-                                        <p:tav tm="100000">
-                                          <p:val>
-                                            <p:strVal val="1"/>
-                                          </p:val>
-                                        </p:tav>
-                                      </p:tavLst>
-                                    </p:anim>
-                                    <p:anim to="" calcmode="lin" valueType="num">
-                                      <p:cBhvr>
-                                        <p:cTn id="14" dur="700" fill="hold">
-                                          <p:stCondLst>
-                                            <p:cond delay="0"/>
-                                          </p:stCondLst>
-                                        </p:cTn>
-                                        <p:tgtEl>
-                                          <p:spTgt spid="13"/>
-                                        </p:tgtEl>
-                                        <p:attrNameLst>
-                                          <p:attrName>ppt_y</p:attrName>
-                                        </p:attrNameLst>
-                                      </p:cBhvr>
-                                      <p:tavLst>
-                                        <p:tav tm="0" fmla="#ppt_y+(-#ppt_h/2*cos(ppt_r/180*pi))*((1.5-1.5*$)^2-(1.5-1.5*$)^3)">
-                                          <p:val>
-                                            <p:strVal val="0"/>
-                                          </p:val>
-                                        </p:tav>
-                                        <p:tav tm="100000">
-                                          <p:val>
-                                            <p:strVal val="1"/>
-                                          </p:val>
-                                        </p:tav>
-                                      </p:tavLst>
-                                    </p:anim>
-                                    <p:anim to="" calcmode="lin" valueType="num">
-                                      <p:cBhvr>
-                                        <p:cTn id="15" dur="700" fill="hold">
-                                          <p:stCondLst>
-                                            <p:cond delay="0"/>
-                                          </p:stCondLst>
-                                        </p:cTn>
-                                        <p:tgtEl>
-                                          <p:spTgt spid="13"/>
-                                        </p:tgtEl>
-                                        <p:attrNameLst>
-                                          <p:attrName>ppt_h</p:attrName>
-                                        </p:attrNameLst>
-                                      </p:cBhvr>
-                                      <p:tavLst>
-                                        <p:tav tm="0" fmla="#ppt_h-(-#ppt_h)*((1.5-1.5*$)^2-(1.5-1.5*$)^3)">
-                                          <p:val>
-                                            <p:strVal val="0"/>
-                                          </p:val>
-                                        </p:tav>
-                                        <p:tav tm="100000">
-                                          <p:val>
-                                            <p:strVal val="1"/>
-                                          </p:val>
-                                        </p:tav>
-                                      </p:tavLst>
-                                    </p:anim>
-                                    <p:anim to="" calcmode="lin" valueType="num">
-                                      <p:cBhvr>
-                                        <p:cTn id="16" dur="700" fill="hold">
-                                          <p:stCondLst>
-                                            <p:cond delay="0"/>
-                                          </p:stCondLst>
-                                        </p:cTn>
-                                        <p:tgtEl>
-                                          <p:spTgt spid="13"/>
-                                        </p:tgtEl>
-                                        <p:attrNameLst>
-                                          <p:attrName>ppt_w</p:attrName>
-                                        </p:attrNameLst>
-                                      </p:cBhvr>
-                                      <p:tavLst>
-                                        <p:tav tm="0" fmla="#ppt_w-(-#ppt_w)*((1.5-1.5*$)^2-(1.5-1.5*$)^3)">
-                                          <p:val>
-                                            <p:strVal val="0"/>
-                                          </p:val>
-                                        </p:tav>
-                                        <p:tav tm="100000">
-                                          <p:val>
-                                            <p:strVal val="1"/>
-                                          </p:val>
-                                        </p:tav>
-                                      </p:tavLst>
-                                    </p:anim>
-                                  </p:childTnLst>
-                                </p:cTn>
-                              </p:par>
-                            </p:childTnLst>
-                          </p:cTn>
-                        </p:par>
-                      </p:childTnLst>
-                    </p:cTn>
-                  </p:par>
-                </p:childTnLst>
-              </p:cTn>
-              <p:prevCondLst>
-                <p:cond evt="onPrev" delay="0">
-                  <p:tgtEl>
-                    <p:sldTgt/>
-                  </p:tgtEl>
-                </p:cond>
-              </p:prevCondLst>
-              <p:nextCondLst>
-                <p:cond evt="onNext" delay="0">
-                  <p:tgtEl>
-                    <p:sldTgt/>
-                  </p:tgtEl>
-                </p:cond>
-              </p:nextCondLst>
-            </p:seq>
-          </p:childTnLst>
-        </p:cTn>
-      </p:par>
-    </p:tnLst>
-    <p:bldLst>
-      <p:bldP spid="13" grpId="0"/>
-    </p:bldLst>
-  </p:timing>
-</p:sld>
-</file>
-
-<file path=ppt/slides/slide3.xml><?xml version="1.0" encoding="utf-8"?>
 <p:sld xmlns:a="http://schemas.openxmlformats.org/drawingml/2006/main" xmlns:r="http://schemas.openxmlformats.org/officeDocument/2006/relationships" xmlns:p="http://schemas.openxmlformats.org/presentationml/2006/main">
   <p:cSld>
     <p:spTree>
@@ -13349,7 +10489,7 @@
 </p:sld>
 </file>
 
-<file path=ppt/slides/slide4.xml><?xml version="1.0" encoding="utf-8"?>
+<file path=ppt/slides/slide3.xml><?xml version="1.0" encoding="utf-8"?>
 <p:sld xmlns:a="http://schemas.openxmlformats.org/drawingml/2006/main" xmlns:r="http://schemas.openxmlformats.org/officeDocument/2006/relationships" xmlns:p="http://schemas.openxmlformats.org/presentationml/2006/main">
   <p:cSld>
     <p:spTree>
@@ -14293,7 +11433,7 @@
 </p:sld>
 </file>
 
-<file path=ppt/slides/slide5.xml><?xml version="1.0" encoding="utf-8"?>
+<file path=ppt/slides/slide4.xml><?xml version="1.0" encoding="utf-8"?>
 <p:sld xmlns:a="http://schemas.openxmlformats.org/drawingml/2006/main" xmlns:r="http://schemas.openxmlformats.org/officeDocument/2006/relationships" xmlns:p="http://schemas.openxmlformats.org/presentationml/2006/main">
   <p:cSld>
     <p:spTree>
@@ -14954,8 +12094,8 @@
         </p:blipFill>
         <p:spPr bwMode="auto">
           <a:xfrm>
-            <a:off x="7305155" y="857250"/>
-            <a:ext cx="3972445" cy="2705100"/>
+            <a:off x="7134225" y="740852"/>
+            <a:ext cx="4143376" cy="2821498"/>
           </a:xfrm>
           <a:prstGeom prst="rect">
             <a:avLst/>
@@ -14987,8 +12127,8 @@
         </p:blipFill>
         <p:spPr bwMode="auto">
           <a:xfrm>
-            <a:off x="7315199" y="3600450"/>
-            <a:ext cx="3943351" cy="2694264"/>
+            <a:off x="7143751" y="3606958"/>
+            <a:ext cx="4114800" cy="2687755"/>
           </a:xfrm>
           <a:prstGeom prst="rect">
             <a:avLst/>
@@ -15083,6 +12223,39 @@
           </a:p>
         </p:txBody>
       </p:sp>
+      <p:pic>
+        <p:nvPicPr>
+          <p:cNvPr id="14" name="Picture 2"/>
+          <p:cNvPicPr>
+            <a:picLocks noChangeAspect="1" noChangeArrowheads="1"/>
+          </p:cNvPicPr>
+          <p:nvPr/>
+        </p:nvPicPr>
+        <p:blipFill>
+          <a:blip r:embed="rId6" cstate="print"/>
+          <a:srcRect/>
+          <a:stretch>
+            <a:fillRect/>
+          </a:stretch>
+        </p:blipFill>
+        <p:spPr bwMode="auto">
+          <a:xfrm>
+            <a:off x="2638425" y="5075029"/>
+            <a:ext cx="2013943" cy="1253590"/>
+          </a:xfrm>
+          <a:prstGeom prst="rect">
+            <a:avLst/>
+          </a:prstGeom>
+          <a:noFill/>
+          <a:ln w="9525">
+            <a:noFill/>
+            <a:miter lim="800000"/>
+            <a:headEnd/>
+            <a:tailEnd/>
+          </a:ln>
+          <a:effectLst/>
+        </p:spPr>
+      </p:pic>
     </p:spTree>
     <p:extLst>
       <p:ext uri="{BB962C8B-B14F-4D97-AF65-F5344CB8AC3E}">
@@ -15438,7 +12611,7 @@
 </p:sld>
 </file>
 
-<file path=ppt/slides/slide6.xml><?xml version="1.0" encoding="utf-8"?>
+<file path=ppt/slides/slide5.xml><?xml version="1.0" encoding="utf-8"?>
 <p:sld xmlns:a="http://schemas.openxmlformats.org/drawingml/2006/main" xmlns:r="http://schemas.openxmlformats.org/officeDocument/2006/relationships" xmlns:p="http://schemas.openxmlformats.org/presentationml/2006/main">
   <p:cSld>
     <p:spTree>
@@ -17131,7 +14304,7 @@
 </p:sld>
 </file>
 
-<file path=ppt/slides/slide7.xml><?xml version="1.0" encoding="utf-8"?>
+<file path=ppt/slides/slide6.xml><?xml version="1.0" encoding="utf-8"?>
 <p:sld xmlns:a="http://schemas.openxmlformats.org/drawingml/2006/main" xmlns:r="http://schemas.openxmlformats.org/officeDocument/2006/relationships" xmlns:p="http://schemas.openxmlformats.org/presentationml/2006/main">
   <p:cSld>
     <p:spTree>
@@ -18623,7 +15796,7 @@
 </p:sld>
 </file>
 
-<file path=ppt/slides/slide8.xml><?xml version="1.0" encoding="utf-8"?>
+<file path=ppt/slides/slide7.xml><?xml version="1.0" encoding="utf-8"?>
 <p:sld xmlns:a="http://schemas.openxmlformats.org/drawingml/2006/main" xmlns:r="http://schemas.openxmlformats.org/officeDocument/2006/relationships" xmlns:p="http://schemas.openxmlformats.org/presentationml/2006/main">
   <p:cSld>
     <p:spTree>
@@ -20002,7 +17175,7 @@
 </p:sld>
 </file>
 
-<file path=ppt/slides/slide9.xml><?xml version="1.0" encoding="utf-8"?>
+<file path=ppt/slides/slide8.xml><?xml version="1.0" encoding="utf-8"?>
 <p:sld xmlns:a="http://schemas.openxmlformats.org/drawingml/2006/main" xmlns:r="http://schemas.openxmlformats.org/officeDocument/2006/relationships" xmlns:p="http://schemas.openxmlformats.org/presentationml/2006/main">
   <p:cSld>
     <p:spTree>
@@ -20478,8 +17651,8 @@
         </p:nvSpPr>
         <p:spPr>
           <a:xfrm>
-            <a:off x="1734620" y="2103140"/>
-            <a:ext cx="6895030" cy="577081"/>
+            <a:off x="1029770" y="1207790"/>
+            <a:ext cx="3485080" cy="2862322"/>
           </a:xfrm>
           <a:prstGeom prst="rect">
             <a:avLst/>
@@ -20507,9 +17680,141 @@
               </a:rPr>
               <a:t>SpringBoot</a:t>
             </a:r>
+          </a:p>
+          <a:p>
+            <a:pPr>
+              <a:lnSpc>
+                <a:spcPct val="150000"/>
+              </a:lnSpc>
+              <a:buFont typeface="Wingdings" pitchFamily="2" charset="2"/>
+              <a:buChar char="p"/>
+            </a:pPr>
+            <a:r>
+              <a:rPr lang="zh-CN" altLang="en-US" sz="2400" smtClean="0">
+                <a:latin typeface="微软雅黑" pitchFamily="34" charset="-122"/>
+                <a:ea typeface="微软雅黑" pitchFamily="34" charset="-122"/>
+              </a:rPr>
+              <a:t>基于</a:t>
+            </a:r>
+            <a:r>
+              <a:rPr lang="en-US" altLang="zh-CN" sz="2400" smtClean="0">
+                <a:latin typeface="微软雅黑" pitchFamily="34" charset="-122"/>
+                <a:ea typeface="微软雅黑" pitchFamily="34" charset="-122"/>
+              </a:rPr>
+              <a:t>Stomp</a:t>
+            </a:r>
+            <a:r>
+              <a:rPr lang="zh-CN" altLang="en-US" sz="2400" smtClean="0">
+                <a:latin typeface="微软雅黑" pitchFamily="34" charset="-122"/>
+                <a:ea typeface="微软雅黑" pitchFamily="34" charset="-122"/>
+              </a:rPr>
+              <a:t>的</a:t>
+            </a:r>
+            <a:r>
+              <a:rPr lang="en-US" altLang="zh-CN" sz="2400" smtClean="0">
+                <a:latin typeface="微软雅黑" pitchFamily="34" charset="-122"/>
+                <a:ea typeface="微软雅黑" pitchFamily="34" charset="-122"/>
+              </a:rPr>
+              <a:t/>
+            </a:r>
+            <a:br>
+              <a:rPr lang="en-US" altLang="zh-CN" sz="2400" smtClean="0">
+                <a:latin typeface="微软雅黑" pitchFamily="34" charset="-122"/>
+                <a:ea typeface="微软雅黑" pitchFamily="34" charset="-122"/>
+              </a:rPr>
+            </a:br>
+            <a:r>
+              <a:rPr lang="en-US" altLang="zh-CN" sz="2400" smtClean="0">
+                <a:latin typeface="微软雅黑" pitchFamily="34" charset="-122"/>
+                <a:ea typeface="微软雅黑" pitchFamily="34" charset="-122"/>
+              </a:rPr>
+              <a:t>    </a:t>
+            </a:r>
+            <a:r>
+              <a:rPr lang="zh-CN" altLang="en-US" sz="2400" smtClean="0">
+                <a:latin typeface="微软雅黑" pitchFamily="34" charset="-122"/>
+                <a:ea typeface="微软雅黑" pitchFamily="34" charset="-122"/>
+              </a:rPr>
+              <a:t>聊天</a:t>
+            </a:r>
+            <a:r>
+              <a:rPr lang="zh-CN" altLang="en-US" sz="2400" smtClean="0">
+                <a:latin typeface="微软雅黑" pitchFamily="34" charset="-122"/>
+                <a:ea typeface="微软雅黑" pitchFamily="34" charset="-122"/>
+              </a:rPr>
+              <a:t>室</a:t>
+            </a:r>
+            <a:r>
+              <a:rPr lang="en-US" altLang="zh-CN" sz="2400" smtClean="0">
+                <a:latin typeface="微软雅黑" pitchFamily="34" charset="-122"/>
+                <a:ea typeface="微软雅黑" pitchFamily="34" charset="-122"/>
+              </a:rPr>
+              <a:t>/IM</a:t>
+            </a:r>
+            <a:r>
+              <a:rPr lang="zh-CN" altLang="en-US" sz="2400" smtClean="0">
+                <a:latin typeface="微软雅黑" pitchFamily="34" charset="-122"/>
+                <a:ea typeface="微软雅黑" pitchFamily="34" charset="-122"/>
+              </a:rPr>
+              <a:t>的</a:t>
+            </a:r>
+            <a:r>
+              <a:rPr lang="zh-CN" altLang="en-US" sz="2400" smtClean="0">
+                <a:latin typeface="微软雅黑" pitchFamily="34" charset="-122"/>
+                <a:ea typeface="微软雅黑" pitchFamily="34" charset="-122"/>
+              </a:rPr>
+              <a:t>实现</a:t>
+            </a:r>
+            <a:endParaRPr lang="en-US" altLang="zh-CN" sz="2400" smtClean="0">
+              <a:latin typeface="微软雅黑" pitchFamily="34" charset="-122"/>
+              <a:ea typeface="微软雅黑" pitchFamily="34" charset="-122"/>
+            </a:endParaRPr>
+          </a:p>
+          <a:p>
+            <a:pPr>
+              <a:lnSpc>
+                <a:spcPct val="150000"/>
+              </a:lnSpc>
+              <a:buFont typeface="Wingdings" pitchFamily="2" charset="2"/>
+              <a:buChar char="p"/>
+            </a:pPr>
+            <a:endParaRPr lang="en-US" altLang="zh-CN" sz="2400" smtClean="0">
+              <a:latin typeface="微软雅黑" pitchFamily="34" charset="-122"/>
+              <a:ea typeface="微软雅黑" pitchFamily="34" charset="-122"/>
+            </a:endParaRPr>
+          </a:p>
+          <a:p>
+            <a:pPr>
+              <a:lnSpc>
+                <a:spcPct val="150000"/>
+              </a:lnSpc>
+              <a:buFont typeface="Wingdings" pitchFamily="2" charset="2"/>
+              <a:buChar char="p"/>
+            </a:pPr>
+            <a:r>
+              <a:rPr lang="zh-CN" altLang="en-US" sz="2400" smtClean="0">
+                <a:latin typeface="微软雅黑" pitchFamily="34" charset="-122"/>
+                <a:ea typeface="微软雅黑" pitchFamily="34" charset="-122"/>
+              </a:rPr>
+              <a:t>和</a:t>
+            </a:r>
+            <a:r>
+              <a:rPr lang="en-US" altLang="zh-CN" sz="2400" smtClean="0">
+                <a:latin typeface="微软雅黑" pitchFamily="34" charset="-122"/>
+                <a:ea typeface="微软雅黑" pitchFamily="34" charset="-122"/>
+              </a:rPr>
+              <a:t>WebSocket</a:t>
+            </a:r>
+            <a:r>
+              <a:rPr lang="zh-CN" altLang="en-US" sz="2400" smtClean="0">
+                <a:latin typeface="微软雅黑" pitchFamily="34" charset="-122"/>
+                <a:ea typeface="微软雅黑" pitchFamily="34" charset="-122"/>
+              </a:rPr>
+              <a:t>的集成</a:t>
+            </a:r>
             <a:endParaRPr lang="zh-CN" altLang="en-US" sz="2400">
-              <a:latin typeface="+mn-ea"/>
-              <a:ea typeface="+mn-ea"/>
+              <a:latin typeface="微软雅黑" pitchFamily="34" charset="-122"/>
+              <a:ea typeface="微软雅黑" pitchFamily="34" charset="-122"/>
             </a:endParaRPr>
           </a:p>
         </p:txBody>
@@ -20522,7 +17827,7 @@
         </p:nvSpPr>
         <p:spPr bwMode="auto">
           <a:xfrm rot="2747878">
-            <a:off x="936215" y="2115843"/>
+            <a:off x="469490" y="1239543"/>
             <a:ext cx="538041" cy="590594"/>
           </a:xfrm>
           <a:custGeom>
@@ -20596,8 +17901,8 @@
         </p:nvSpPr>
         <p:spPr>
           <a:xfrm>
-            <a:off x="1667945" y="3979565"/>
-            <a:ext cx="6895030" cy="581057"/>
+            <a:off x="1182170" y="4522490"/>
+            <a:ext cx="1275280" cy="646331"/>
           </a:xfrm>
           <a:prstGeom prst="rect">
             <a:avLst/>
@@ -20637,7 +17942,7 @@
         </p:nvSpPr>
         <p:spPr bwMode="auto">
           <a:xfrm rot="2747878">
-            <a:off x="932613" y="4008815"/>
+            <a:off x="446838" y="4542215"/>
             <a:ext cx="545244" cy="624173"/>
           </a:xfrm>
           <a:custGeom>
@@ -20703,6 +18008,1072 @@
           </a:p>
         </p:txBody>
       </p:sp>
+      <p:sp>
+        <p:nvSpPr>
+          <p:cNvPr id="17" name="矩形 16"/>
+          <p:cNvSpPr/>
+          <p:nvPr/>
+        </p:nvSpPr>
+        <p:spPr>
+          <a:xfrm>
+            <a:off x="9001125" y="1609725"/>
+            <a:ext cx="3019425" cy="4029075"/>
+          </a:xfrm>
+          <a:prstGeom prst="rect">
+            <a:avLst/>
+          </a:prstGeom>
+          <a:solidFill>
+            <a:schemeClr val="bg2"/>
+          </a:solidFill>
+        </p:spPr>
+        <p:style>
+          <a:lnRef idx="2">
+            <a:schemeClr val="accent1">
+              <a:shade val="50000"/>
+            </a:schemeClr>
+          </a:lnRef>
+          <a:fillRef idx="1">
+            <a:schemeClr val="accent1"/>
+          </a:fillRef>
+          <a:effectRef idx="0">
+            <a:schemeClr val="accent1"/>
+          </a:effectRef>
+          <a:fontRef idx="minor">
+            <a:schemeClr val="lt1"/>
+          </a:fontRef>
+        </p:style>
+        <p:txBody>
+          <a:bodyPr rtlCol="0" anchor="ctr"/>
+          <a:lstStyle/>
+          <a:p>
+            <a:pPr algn="ctr"/>
+            <a:endParaRPr lang="zh-CN" altLang="en-US"/>
+          </a:p>
+        </p:txBody>
+      </p:sp>
+      <p:sp>
+        <p:nvSpPr>
+          <p:cNvPr id="19" name="矩形 18"/>
+          <p:cNvSpPr/>
+          <p:nvPr/>
+        </p:nvSpPr>
+        <p:spPr>
+          <a:xfrm>
+            <a:off x="8724901" y="1704974"/>
+            <a:ext cx="533399" cy="2105026"/>
+          </a:xfrm>
+          <a:prstGeom prst="rect">
+            <a:avLst/>
+          </a:prstGeom>
+          <a:solidFill>
+            <a:schemeClr val="tx1">
+              <a:lumMod val="20000"/>
+              <a:lumOff val="80000"/>
+            </a:schemeClr>
+          </a:solidFill>
+          <a:ln w="3175"/>
+        </p:spPr>
+        <p:style>
+          <a:lnRef idx="2">
+            <a:schemeClr val="accent1">
+              <a:shade val="50000"/>
+            </a:schemeClr>
+          </a:lnRef>
+          <a:fillRef idx="1">
+            <a:schemeClr val="accent1"/>
+          </a:fillRef>
+          <a:effectRef idx="0">
+            <a:schemeClr val="accent1"/>
+          </a:effectRef>
+          <a:fontRef idx="minor">
+            <a:schemeClr val="lt1"/>
+          </a:fontRef>
+        </p:style>
+        <p:txBody>
+          <a:bodyPr vert="eaVert" rtlCol="0" anchor="ctr"/>
+          <a:lstStyle/>
+          <a:p>
+            <a:pPr algn="ctr"/>
+            <a:r>
+              <a:rPr lang="en-US" smtClean="0"/>
+              <a:t>Endpoint</a:t>
+            </a:r>
+            <a:endParaRPr lang="zh-CN" altLang="en-US"/>
+          </a:p>
+        </p:txBody>
+      </p:sp>
+      <p:sp>
+        <p:nvSpPr>
+          <p:cNvPr id="21" name="圆角矩形 20"/>
+          <p:cNvSpPr/>
+          <p:nvPr/>
+        </p:nvSpPr>
+        <p:spPr>
+          <a:xfrm>
+            <a:off x="9763125" y="3981450"/>
+            <a:ext cx="1962150" cy="1524000"/>
+          </a:xfrm>
+          <a:prstGeom prst="roundRect">
+            <a:avLst/>
+          </a:prstGeom>
+        </p:spPr>
+        <p:style>
+          <a:lnRef idx="2">
+            <a:schemeClr val="accent1">
+              <a:shade val="50000"/>
+            </a:schemeClr>
+          </a:lnRef>
+          <a:fillRef idx="1">
+            <a:schemeClr val="accent1"/>
+          </a:fillRef>
+          <a:effectRef idx="0">
+            <a:schemeClr val="accent1"/>
+          </a:effectRef>
+          <a:fontRef idx="minor">
+            <a:schemeClr val="lt1"/>
+          </a:fontRef>
+        </p:style>
+        <p:txBody>
+          <a:bodyPr rtlCol="0" anchor="ctr"/>
+          <a:lstStyle/>
+          <a:p>
+            <a:pPr algn="ctr"/>
+            <a:r>
+              <a:rPr lang="en-US" smtClean="0"/>
+              <a:t>SimpleBroker</a:t>
+            </a:r>
+            <a:br>
+              <a:rPr lang="en-US" smtClean="0"/>
+            </a:br>
+            <a:endParaRPr lang="zh-CN" altLang="en-US"/>
+          </a:p>
+        </p:txBody>
+      </p:sp>
+      <p:sp>
+        <p:nvSpPr>
+          <p:cNvPr id="22" name="椭圆 21"/>
+          <p:cNvSpPr/>
+          <p:nvPr/>
+        </p:nvSpPr>
+        <p:spPr>
+          <a:xfrm>
+            <a:off x="10210800" y="4038600"/>
+            <a:ext cx="933450" cy="419100"/>
+          </a:xfrm>
+          <a:prstGeom prst="ellipse">
+            <a:avLst/>
+          </a:prstGeom>
+          <a:solidFill>
+            <a:schemeClr val="bg2"/>
+          </a:solidFill>
+        </p:spPr>
+        <p:style>
+          <a:lnRef idx="2">
+            <a:schemeClr val="accent1">
+              <a:shade val="50000"/>
+            </a:schemeClr>
+          </a:lnRef>
+          <a:fillRef idx="1">
+            <a:schemeClr val="accent1"/>
+          </a:fillRef>
+          <a:effectRef idx="0">
+            <a:schemeClr val="accent1"/>
+          </a:effectRef>
+          <a:fontRef idx="minor">
+            <a:schemeClr val="lt1"/>
+          </a:fontRef>
+        </p:style>
+        <p:txBody>
+          <a:bodyPr rtlCol="0" anchor="ctr"/>
+          <a:lstStyle/>
+          <a:p>
+            <a:pPr algn="ctr"/>
+            <a:r>
+              <a:rPr lang="en-US" altLang="zh-CN" smtClean="0">
+                <a:solidFill>
+                  <a:schemeClr val="tx1"/>
+                </a:solidFill>
+              </a:rPr>
+              <a:t>mass</a:t>
+            </a:r>
+            <a:endParaRPr lang="zh-CN" altLang="en-US">
+              <a:solidFill>
+                <a:schemeClr val="tx1"/>
+              </a:solidFill>
+            </a:endParaRPr>
+          </a:p>
+        </p:txBody>
+      </p:sp>
+      <p:sp>
+        <p:nvSpPr>
+          <p:cNvPr id="24" name="椭圆 23"/>
+          <p:cNvSpPr/>
+          <p:nvPr/>
+        </p:nvSpPr>
+        <p:spPr>
+          <a:xfrm>
+            <a:off x="10077450" y="4886325"/>
+            <a:ext cx="1238250" cy="419100"/>
+          </a:xfrm>
+          <a:prstGeom prst="ellipse">
+            <a:avLst/>
+          </a:prstGeom>
+          <a:solidFill>
+            <a:schemeClr val="bg2"/>
+          </a:solidFill>
+        </p:spPr>
+        <p:style>
+          <a:lnRef idx="2">
+            <a:schemeClr val="accent1">
+              <a:shade val="50000"/>
+            </a:schemeClr>
+          </a:lnRef>
+          <a:fillRef idx="1">
+            <a:schemeClr val="accent1"/>
+          </a:fillRef>
+          <a:effectRef idx="0">
+            <a:schemeClr val="accent1"/>
+          </a:effectRef>
+          <a:fontRef idx="minor">
+            <a:schemeClr val="lt1"/>
+          </a:fontRef>
+        </p:style>
+        <p:txBody>
+          <a:bodyPr rtlCol="0" anchor="ctr"/>
+          <a:lstStyle/>
+          <a:p>
+            <a:pPr algn="ctr"/>
+            <a:r>
+              <a:rPr lang="en-US" altLang="zh-CN" smtClean="0">
+                <a:solidFill>
+                  <a:schemeClr val="tx1"/>
+                </a:solidFill>
+              </a:rPr>
+              <a:t>queue</a:t>
+            </a:r>
+            <a:endParaRPr lang="zh-CN" altLang="en-US">
+              <a:solidFill>
+                <a:schemeClr val="tx1"/>
+              </a:solidFill>
+            </a:endParaRPr>
+          </a:p>
+        </p:txBody>
+      </p:sp>
+      <p:sp>
+        <p:nvSpPr>
+          <p:cNvPr id="25" name="矩形 24"/>
+          <p:cNvSpPr/>
+          <p:nvPr/>
+        </p:nvSpPr>
+        <p:spPr>
+          <a:xfrm>
+            <a:off x="5267325" y="1600199"/>
+            <a:ext cx="1952625" cy="2505075"/>
+          </a:xfrm>
+          <a:prstGeom prst="rect">
+            <a:avLst/>
+          </a:prstGeom>
+          <a:solidFill>
+            <a:schemeClr val="bg1"/>
+          </a:solidFill>
+        </p:spPr>
+        <p:style>
+          <a:lnRef idx="2">
+            <a:schemeClr val="accent1">
+              <a:shade val="50000"/>
+            </a:schemeClr>
+          </a:lnRef>
+          <a:fillRef idx="1">
+            <a:schemeClr val="accent1"/>
+          </a:fillRef>
+          <a:effectRef idx="0">
+            <a:schemeClr val="accent1"/>
+          </a:effectRef>
+          <a:fontRef idx="minor">
+            <a:schemeClr val="lt1"/>
+          </a:fontRef>
+        </p:style>
+        <p:txBody>
+          <a:bodyPr rtlCol="0" anchor="ctr"/>
+          <a:lstStyle/>
+          <a:p>
+            <a:pPr algn="ctr"/>
+            <a:r>
+              <a:rPr lang="zh-CN" altLang="en-US" b="1" smtClean="0">
+                <a:solidFill>
+                  <a:schemeClr val="tx1"/>
+                </a:solidFill>
+              </a:rPr>
+              <a:t>浏览器</a:t>
+            </a:r>
+            <a:endParaRPr lang="en-US" altLang="zh-CN" b="1" smtClean="0">
+              <a:solidFill>
+                <a:schemeClr val="tx1"/>
+              </a:solidFill>
+            </a:endParaRPr>
+          </a:p>
+          <a:p>
+            <a:pPr algn="ctr"/>
+            <a:endParaRPr lang="en-US" altLang="zh-CN" b="1" smtClean="0">
+              <a:solidFill>
+                <a:schemeClr val="tx1"/>
+              </a:solidFill>
+            </a:endParaRPr>
+          </a:p>
+          <a:p>
+            <a:pPr algn="ctr"/>
+            <a:endParaRPr lang="en-US" altLang="zh-CN" b="1" smtClean="0">
+              <a:solidFill>
+                <a:schemeClr val="tx1"/>
+              </a:solidFill>
+            </a:endParaRPr>
+          </a:p>
+          <a:p>
+            <a:pPr algn="ctr"/>
+            <a:endParaRPr lang="en-US" altLang="zh-CN" b="1" smtClean="0">
+              <a:solidFill>
+                <a:schemeClr val="tx1"/>
+              </a:solidFill>
+            </a:endParaRPr>
+          </a:p>
+          <a:p>
+            <a:pPr algn="ctr"/>
+            <a:endParaRPr lang="en-US" altLang="zh-CN" b="1" smtClean="0">
+              <a:solidFill>
+                <a:schemeClr val="tx1"/>
+              </a:solidFill>
+            </a:endParaRPr>
+          </a:p>
+          <a:p>
+            <a:pPr algn="ctr"/>
+            <a:endParaRPr lang="zh-CN" altLang="en-US">
+              <a:solidFill>
+                <a:schemeClr val="tx1"/>
+              </a:solidFill>
+            </a:endParaRPr>
+          </a:p>
+        </p:txBody>
+      </p:sp>
+      <p:sp>
+        <p:nvSpPr>
+          <p:cNvPr id="26" name="矩形 25"/>
+          <p:cNvSpPr/>
+          <p:nvPr/>
+        </p:nvSpPr>
+        <p:spPr>
+          <a:xfrm>
+            <a:off x="5276850" y="4286250"/>
+            <a:ext cx="1952625" cy="600074"/>
+          </a:xfrm>
+          <a:prstGeom prst="rect">
+            <a:avLst/>
+          </a:prstGeom>
+          <a:solidFill>
+            <a:schemeClr val="bg1"/>
+          </a:solidFill>
+        </p:spPr>
+        <p:style>
+          <a:lnRef idx="2">
+            <a:schemeClr val="accent1">
+              <a:shade val="50000"/>
+            </a:schemeClr>
+          </a:lnRef>
+          <a:fillRef idx="1">
+            <a:schemeClr val="accent1"/>
+          </a:fillRef>
+          <a:effectRef idx="0">
+            <a:schemeClr val="accent1"/>
+          </a:effectRef>
+          <a:fontRef idx="minor">
+            <a:schemeClr val="lt1"/>
+          </a:fontRef>
+        </p:style>
+        <p:txBody>
+          <a:bodyPr rtlCol="0" anchor="ctr"/>
+          <a:lstStyle/>
+          <a:p>
+            <a:pPr algn="ctr"/>
+            <a:r>
+              <a:rPr lang="zh-CN" altLang="en-US" b="1" smtClean="0">
+                <a:solidFill>
+                  <a:schemeClr val="tx1"/>
+                </a:solidFill>
+              </a:rPr>
+              <a:t>浏览器</a:t>
+            </a:r>
+            <a:endParaRPr lang="zh-CN" altLang="en-US"/>
+          </a:p>
+        </p:txBody>
+      </p:sp>
+      <p:sp>
+        <p:nvSpPr>
+          <p:cNvPr id="27" name="矩形 26"/>
+          <p:cNvSpPr/>
+          <p:nvPr/>
+        </p:nvSpPr>
+        <p:spPr>
+          <a:xfrm>
+            <a:off x="5276850" y="5038725"/>
+            <a:ext cx="1952625" cy="533400"/>
+          </a:xfrm>
+          <a:prstGeom prst="rect">
+            <a:avLst/>
+          </a:prstGeom>
+          <a:solidFill>
+            <a:schemeClr val="bg1"/>
+          </a:solidFill>
+        </p:spPr>
+        <p:style>
+          <a:lnRef idx="2">
+            <a:schemeClr val="accent1">
+              <a:shade val="50000"/>
+            </a:schemeClr>
+          </a:lnRef>
+          <a:fillRef idx="1">
+            <a:schemeClr val="accent1"/>
+          </a:fillRef>
+          <a:effectRef idx="0">
+            <a:schemeClr val="accent1"/>
+          </a:effectRef>
+          <a:fontRef idx="minor">
+            <a:schemeClr val="lt1"/>
+          </a:fontRef>
+        </p:style>
+        <p:txBody>
+          <a:bodyPr rtlCol="0" anchor="ctr"/>
+          <a:lstStyle/>
+          <a:p>
+            <a:pPr algn="ctr"/>
+            <a:r>
+              <a:rPr lang="zh-CN" altLang="en-US" b="1" smtClean="0">
+                <a:solidFill>
+                  <a:schemeClr val="tx1"/>
+                </a:solidFill>
+              </a:rPr>
+              <a:t>浏览器</a:t>
+            </a:r>
+            <a:endParaRPr lang="zh-CN" altLang="en-US"/>
+          </a:p>
+        </p:txBody>
+      </p:sp>
+      <p:sp>
+        <p:nvSpPr>
+          <p:cNvPr id="30" name="右箭头 29"/>
+          <p:cNvSpPr/>
+          <p:nvPr/>
+        </p:nvSpPr>
+        <p:spPr>
+          <a:xfrm>
+            <a:off x="7286625" y="1743075"/>
+            <a:ext cx="1400175" cy="209550"/>
+          </a:xfrm>
+          <a:prstGeom prst="rightArrow">
+            <a:avLst/>
+          </a:prstGeom>
+          <a:solidFill>
+            <a:schemeClr val="bg1">
+              <a:lumMod val="95000"/>
+            </a:schemeClr>
+          </a:solidFill>
+          <a:ln w="3175"/>
+        </p:spPr>
+        <p:style>
+          <a:lnRef idx="2">
+            <a:schemeClr val="accent1">
+              <a:shade val="50000"/>
+            </a:schemeClr>
+          </a:lnRef>
+          <a:fillRef idx="1">
+            <a:schemeClr val="accent1"/>
+          </a:fillRef>
+          <a:effectRef idx="0">
+            <a:schemeClr val="accent1"/>
+          </a:effectRef>
+          <a:fontRef idx="minor">
+            <a:schemeClr val="lt1"/>
+          </a:fontRef>
+        </p:style>
+        <p:txBody>
+          <a:bodyPr rtlCol="0" anchor="ctr"/>
+          <a:lstStyle/>
+          <a:p>
+            <a:pPr algn="ctr"/>
+            <a:r>
+              <a:rPr lang="en-US" altLang="zh-CN" sz="1600" b="1" smtClean="0">
+                <a:solidFill>
+                  <a:srgbClr val="C00000"/>
+                </a:solidFill>
+              </a:rPr>
+              <a:t>1</a:t>
+            </a:r>
+            <a:r>
+              <a:rPr lang="zh-CN" altLang="en-US" sz="1600" b="1" smtClean="0">
+                <a:solidFill>
+                  <a:srgbClr val="C00000"/>
+                </a:solidFill>
+              </a:rPr>
+              <a:t>、建立连接</a:t>
+            </a:r>
+            <a:endParaRPr lang="zh-CN" altLang="en-US" sz="1600" b="1">
+              <a:solidFill>
+                <a:srgbClr val="C00000"/>
+              </a:solidFill>
+            </a:endParaRPr>
+          </a:p>
+        </p:txBody>
+      </p:sp>
+      <p:sp>
+        <p:nvSpPr>
+          <p:cNvPr id="32" name="右箭头 31"/>
+          <p:cNvSpPr/>
+          <p:nvPr/>
+        </p:nvSpPr>
+        <p:spPr>
+          <a:xfrm rot="1345403">
+            <a:off x="7064030" y="3610275"/>
+            <a:ext cx="3099797" cy="243363"/>
+          </a:xfrm>
+          <a:prstGeom prst="rightArrow">
+            <a:avLst/>
+          </a:prstGeom>
+          <a:solidFill>
+            <a:schemeClr val="bg1">
+              <a:lumMod val="95000"/>
+            </a:schemeClr>
+          </a:solidFill>
+          <a:ln w="3175"/>
+        </p:spPr>
+        <p:style>
+          <a:lnRef idx="2">
+            <a:schemeClr val="accent1">
+              <a:shade val="50000"/>
+            </a:schemeClr>
+          </a:lnRef>
+          <a:fillRef idx="1">
+            <a:schemeClr val="accent1"/>
+          </a:fillRef>
+          <a:effectRef idx="0">
+            <a:schemeClr val="accent1"/>
+          </a:effectRef>
+          <a:fontRef idx="minor">
+            <a:schemeClr val="lt1"/>
+          </a:fontRef>
+        </p:style>
+        <p:txBody>
+          <a:bodyPr rtlCol="0" anchor="ctr"/>
+          <a:lstStyle/>
+          <a:p>
+            <a:pPr algn="ctr"/>
+            <a:r>
+              <a:rPr lang="en-US" altLang="zh-CN" smtClean="0">
+                <a:solidFill>
+                  <a:srgbClr val="C00000"/>
+                </a:solidFill>
+              </a:rPr>
+              <a:t>2</a:t>
+            </a:r>
+            <a:r>
+              <a:rPr lang="zh-CN" altLang="en-US" smtClean="0">
+                <a:solidFill>
+                  <a:srgbClr val="C00000"/>
+                </a:solidFill>
+              </a:rPr>
+              <a:t>、订阅</a:t>
+            </a:r>
+            <a:endParaRPr lang="zh-CN" altLang="en-US">
+              <a:solidFill>
+                <a:srgbClr val="C00000"/>
+              </a:solidFill>
+            </a:endParaRPr>
+          </a:p>
+        </p:txBody>
+      </p:sp>
+      <p:sp>
+        <p:nvSpPr>
+          <p:cNvPr id="34" name="右箭头 33"/>
+          <p:cNvSpPr/>
+          <p:nvPr/>
+        </p:nvSpPr>
+        <p:spPr>
+          <a:xfrm>
+            <a:off x="7286625" y="2066925"/>
+            <a:ext cx="2476500" cy="228600"/>
+          </a:xfrm>
+          <a:prstGeom prst="rightArrow">
+            <a:avLst/>
+          </a:prstGeom>
+          <a:solidFill>
+            <a:schemeClr val="bg1">
+              <a:lumMod val="95000"/>
+            </a:schemeClr>
+          </a:solidFill>
+          <a:ln w="3175"/>
+        </p:spPr>
+        <p:style>
+          <a:lnRef idx="2">
+            <a:schemeClr val="accent1">
+              <a:shade val="50000"/>
+            </a:schemeClr>
+          </a:lnRef>
+          <a:fillRef idx="1">
+            <a:schemeClr val="accent1"/>
+          </a:fillRef>
+          <a:effectRef idx="0">
+            <a:schemeClr val="accent1"/>
+          </a:effectRef>
+          <a:fontRef idx="minor">
+            <a:schemeClr val="lt1"/>
+          </a:fontRef>
+        </p:style>
+        <p:txBody>
+          <a:bodyPr rtlCol="0" anchor="ctr"/>
+          <a:lstStyle/>
+          <a:p>
+            <a:pPr algn="ctr"/>
+            <a:r>
+              <a:rPr lang="en-US" altLang="zh-CN" smtClean="0">
+                <a:solidFill>
+                  <a:srgbClr val="C00000"/>
+                </a:solidFill>
+              </a:rPr>
+              <a:t>3</a:t>
+            </a:r>
+            <a:r>
+              <a:rPr lang="zh-CN" altLang="en-US" smtClean="0">
+                <a:solidFill>
+                  <a:srgbClr val="C00000"/>
+                </a:solidFill>
+              </a:rPr>
+              <a:t>、发出请求</a:t>
+            </a:r>
+            <a:endParaRPr lang="zh-CN" altLang="en-US">
+              <a:solidFill>
+                <a:srgbClr val="C00000"/>
+              </a:solidFill>
+            </a:endParaRPr>
+          </a:p>
+        </p:txBody>
+      </p:sp>
+      <p:sp>
+        <p:nvSpPr>
+          <p:cNvPr id="35" name="矩形 34"/>
+          <p:cNvSpPr/>
+          <p:nvPr/>
+        </p:nvSpPr>
+        <p:spPr>
+          <a:xfrm>
+            <a:off x="9772650" y="1924050"/>
+            <a:ext cx="2076450" cy="542925"/>
+          </a:xfrm>
+          <a:prstGeom prst="rect">
+            <a:avLst/>
+          </a:prstGeom>
+        </p:spPr>
+        <p:style>
+          <a:lnRef idx="2">
+            <a:schemeClr val="accent1">
+              <a:shade val="50000"/>
+            </a:schemeClr>
+          </a:lnRef>
+          <a:fillRef idx="1">
+            <a:schemeClr val="accent1"/>
+          </a:fillRef>
+          <a:effectRef idx="0">
+            <a:schemeClr val="accent1"/>
+          </a:effectRef>
+          <a:fontRef idx="minor">
+            <a:schemeClr val="lt1"/>
+          </a:fontRef>
+        </p:style>
+        <p:txBody>
+          <a:bodyPr rtlCol="0" anchor="ctr"/>
+          <a:lstStyle/>
+          <a:p>
+            <a:pPr algn="ctr"/>
+            <a:r>
+              <a:rPr lang="en-US" smtClean="0"/>
+              <a:t>@MessageMapping</a:t>
+            </a:r>
+            <a:endParaRPr lang="zh-CN" altLang="en-US"/>
+          </a:p>
+        </p:txBody>
+      </p:sp>
+      <p:sp>
+        <p:nvSpPr>
+          <p:cNvPr id="36" name="下箭头 35"/>
+          <p:cNvSpPr/>
+          <p:nvPr/>
+        </p:nvSpPr>
+        <p:spPr>
+          <a:xfrm>
+            <a:off x="10496550" y="2600325"/>
+            <a:ext cx="390525" cy="1257300"/>
+          </a:xfrm>
+          <a:prstGeom prst="downArrow">
+            <a:avLst/>
+          </a:prstGeom>
+        </p:spPr>
+        <p:style>
+          <a:lnRef idx="2">
+            <a:schemeClr val="accent1">
+              <a:shade val="50000"/>
+            </a:schemeClr>
+          </a:lnRef>
+          <a:fillRef idx="1">
+            <a:schemeClr val="accent1"/>
+          </a:fillRef>
+          <a:effectRef idx="0">
+            <a:schemeClr val="accent1"/>
+          </a:effectRef>
+          <a:fontRef idx="minor">
+            <a:schemeClr val="lt1"/>
+          </a:fontRef>
+        </p:style>
+        <p:txBody>
+          <a:bodyPr rtlCol="0" anchor="ctr"/>
+          <a:lstStyle/>
+          <a:p>
+            <a:pPr algn="ctr"/>
+            <a:r>
+              <a:rPr lang="zh-CN" altLang="en-US" smtClean="0"/>
+              <a:t>处理结果</a:t>
+            </a:r>
+            <a:endParaRPr lang="zh-CN" altLang="en-US"/>
+          </a:p>
+        </p:txBody>
+      </p:sp>
+      <p:cxnSp>
+        <p:nvCxnSpPr>
+          <p:cNvPr id="38" name="直接箭头连接符 37"/>
+          <p:cNvCxnSpPr/>
+          <p:nvPr/>
+        </p:nvCxnSpPr>
+        <p:spPr>
+          <a:xfrm rot="10800000" flipV="1">
+            <a:off x="7286625" y="5391150"/>
+            <a:ext cx="2400300" cy="38100"/>
+          </a:xfrm>
+          <a:prstGeom prst="straightConnector1">
+            <a:avLst/>
+          </a:prstGeom>
+          <a:ln w="38100">
+            <a:tailEnd type="arrow"/>
+          </a:ln>
+        </p:spPr>
+        <p:style>
+          <a:lnRef idx="1">
+            <a:schemeClr val="accent1"/>
+          </a:lnRef>
+          <a:fillRef idx="0">
+            <a:schemeClr val="accent1"/>
+          </a:fillRef>
+          <a:effectRef idx="0">
+            <a:schemeClr val="accent1"/>
+          </a:effectRef>
+          <a:fontRef idx="minor">
+            <a:schemeClr val="tx1"/>
+          </a:fontRef>
+        </p:style>
+      </p:cxnSp>
+      <p:sp>
+        <p:nvSpPr>
+          <p:cNvPr id="39" name="TextBox 38"/>
+          <p:cNvSpPr txBox="1"/>
+          <p:nvPr/>
+        </p:nvSpPr>
+        <p:spPr>
+          <a:xfrm>
+            <a:off x="7753350" y="5438775"/>
+            <a:ext cx="877163" cy="369332"/>
+          </a:xfrm>
+          <a:prstGeom prst="rect">
+            <a:avLst/>
+          </a:prstGeom>
+          <a:noFill/>
+        </p:spPr>
+        <p:txBody>
+          <a:bodyPr wrap="none" rtlCol="0">
+            <a:spAutoFit/>
+          </a:bodyPr>
+          <a:lstStyle/>
+          <a:p>
+            <a:r>
+              <a:rPr lang="zh-CN" altLang="en-US" smtClean="0"/>
+              <a:t>一对一</a:t>
+            </a:r>
+            <a:endParaRPr lang="zh-CN" altLang="en-US"/>
+          </a:p>
+        </p:txBody>
+      </p:sp>
+      <p:cxnSp>
+        <p:nvCxnSpPr>
+          <p:cNvPr id="41" name="直接箭头连接符 40"/>
+          <p:cNvCxnSpPr/>
+          <p:nvPr/>
+        </p:nvCxnSpPr>
+        <p:spPr>
+          <a:xfrm rot="10800000" flipV="1">
+            <a:off x="7286628" y="4686299"/>
+            <a:ext cx="2390773" cy="457199"/>
+          </a:xfrm>
+          <a:prstGeom prst="straightConnector1">
+            <a:avLst/>
+          </a:prstGeom>
+          <a:ln w="38100">
+            <a:solidFill>
+              <a:srgbClr val="00B050"/>
+            </a:solidFill>
+            <a:tailEnd type="arrow"/>
+          </a:ln>
+        </p:spPr>
+        <p:style>
+          <a:lnRef idx="1">
+            <a:schemeClr val="accent1"/>
+          </a:lnRef>
+          <a:fillRef idx="0">
+            <a:schemeClr val="accent1"/>
+          </a:fillRef>
+          <a:effectRef idx="0">
+            <a:schemeClr val="accent1"/>
+          </a:effectRef>
+          <a:fontRef idx="minor">
+            <a:schemeClr val="tx1"/>
+          </a:fontRef>
+        </p:style>
+      </p:cxnSp>
+      <p:sp>
+        <p:nvSpPr>
+          <p:cNvPr id="42" name="TextBox 41"/>
+          <p:cNvSpPr txBox="1"/>
+          <p:nvPr/>
+        </p:nvSpPr>
+        <p:spPr>
+          <a:xfrm>
+            <a:off x="7981950" y="4772025"/>
+            <a:ext cx="646331" cy="369332"/>
+          </a:xfrm>
+          <a:prstGeom prst="rect">
+            <a:avLst/>
+          </a:prstGeom>
+          <a:noFill/>
+        </p:spPr>
+        <p:txBody>
+          <a:bodyPr wrap="none" rtlCol="0">
+            <a:spAutoFit/>
+          </a:bodyPr>
+          <a:lstStyle/>
+          <a:p>
+            <a:r>
+              <a:rPr lang="zh-CN" altLang="en-US" smtClean="0"/>
+              <a:t>广播</a:t>
+            </a:r>
+            <a:endParaRPr lang="zh-CN" altLang="en-US"/>
+          </a:p>
+        </p:txBody>
+      </p:sp>
+      <p:sp>
+        <p:nvSpPr>
+          <p:cNvPr id="54" name="圆角矩形 53"/>
+          <p:cNvSpPr/>
+          <p:nvPr/>
+        </p:nvSpPr>
+        <p:spPr>
+          <a:xfrm>
+            <a:off x="5381625" y="2514600"/>
+            <a:ext cx="1762125" cy="866775"/>
+          </a:xfrm>
+          <a:prstGeom prst="roundRect">
+            <a:avLst/>
+          </a:prstGeom>
+        </p:spPr>
+        <p:style>
+          <a:lnRef idx="2">
+            <a:schemeClr val="accent1">
+              <a:shade val="50000"/>
+            </a:schemeClr>
+          </a:lnRef>
+          <a:fillRef idx="1">
+            <a:schemeClr val="accent1"/>
+          </a:fillRef>
+          <a:effectRef idx="0">
+            <a:schemeClr val="accent1"/>
+          </a:effectRef>
+          <a:fontRef idx="minor">
+            <a:schemeClr val="lt1"/>
+          </a:fontRef>
+        </p:style>
+        <p:txBody>
+          <a:bodyPr rtlCol="0" anchor="ctr"/>
+          <a:lstStyle/>
+          <a:p>
+            <a:pPr algn="ctr"/>
+            <a:r>
+              <a:rPr lang="en-US" b="1" smtClean="0">
+                <a:solidFill>
+                  <a:schemeClr val="bg2"/>
+                </a:solidFill>
+              </a:rPr>
+              <a:t>sockjs.min.js stomp.min.js</a:t>
+            </a:r>
+          </a:p>
+          <a:p>
+            <a:pPr algn="ctr"/>
+            <a:r>
+              <a:rPr lang="en-US" b="1" smtClean="0">
+                <a:solidFill>
+                  <a:schemeClr val="bg2"/>
+                </a:solidFill>
+              </a:rPr>
+              <a:t> </a:t>
+            </a:r>
+            <a:r>
+              <a:rPr lang="en-US" b="1" smtClean="0">
+                <a:solidFill>
+                  <a:schemeClr val="bg2"/>
+                </a:solidFill>
+              </a:rPr>
+              <a:t>jquery.js</a:t>
+            </a:r>
+            <a:endParaRPr lang="zh-CN" altLang="en-US">
+              <a:solidFill>
+                <a:schemeClr val="bg2"/>
+              </a:solidFill>
+            </a:endParaRPr>
+          </a:p>
+        </p:txBody>
+      </p:sp>
+      <p:cxnSp>
+        <p:nvCxnSpPr>
+          <p:cNvPr id="43" name="直接箭头连接符 42"/>
+          <p:cNvCxnSpPr/>
+          <p:nvPr/>
+        </p:nvCxnSpPr>
+        <p:spPr>
+          <a:xfrm rot="10800000" flipV="1">
+            <a:off x="7286626" y="4581524"/>
+            <a:ext cx="2409825" cy="28575"/>
+          </a:xfrm>
+          <a:prstGeom prst="straightConnector1">
+            <a:avLst/>
+          </a:prstGeom>
+          <a:ln w="38100">
+            <a:solidFill>
+              <a:srgbClr val="00B050"/>
+            </a:solidFill>
+            <a:tailEnd type="arrow"/>
+          </a:ln>
+        </p:spPr>
+        <p:style>
+          <a:lnRef idx="1">
+            <a:schemeClr val="accent1"/>
+          </a:lnRef>
+          <a:fillRef idx="0">
+            <a:schemeClr val="accent1"/>
+          </a:fillRef>
+          <a:effectRef idx="0">
+            <a:schemeClr val="accent1"/>
+          </a:effectRef>
+          <a:fontRef idx="minor">
+            <a:schemeClr val="tx1"/>
+          </a:fontRef>
+        </p:style>
+      </p:cxnSp>
+      <p:sp>
+        <p:nvSpPr>
+          <p:cNvPr id="44" name="TextBox 43"/>
+          <p:cNvSpPr txBox="1"/>
+          <p:nvPr/>
+        </p:nvSpPr>
+        <p:spPr>
+          <a:xfrm>
+            <a:off x="8020050" y="4419600"/>
+            <a:ext cx="646331" cy="369332"/>
+          </a:xfrm>
+          <a:prstGeom prst="rect">
+            <a:avLst/>
+          </a:prstGeom>
+          <a:noFill/>
+        </p:spPr>
+        <p:txBody>
+          <a:bodyPr wrap="none" rtlCol="0">
+            <a:spAutoFit/>
+          </a:bodyPr>
+          <a:lstStyle/>
+          <a:p>
+            <a:r>
+              <a:rPr lang="zh-CN" altLang="en-US" smtClean="0"/>
+              <a:t>广播</a:t>
+            </a:r>
+            <a:endParaRPr lang="zh-CN" altLang="en-US"/>
+          </a:p>
+        </p:txBody>
+      </p:sp>
+      <p:cxnSp>
+        <p:nvCxnSpPr>
+          <p:cNvPr id="45" name="直接箭头连接符 44"/>
+          <p:cNvCxnSpPr/>
+          <p:nvPr/>
+        </p:nvCxnSpPr>
+        <p:spPr>
+          <a:xfrm rot="10800000">
+            <a:off x="7210428" y="3752850"/>
+            <a:ext cx="2447923" cy="723901"/>
+          </a:xfrm>
+          <a:prstGeom prst="straightConnector1">
+            <a:avLst/>
+          </a:prstGeom>
+          <a:ln w="38100">
+            <a:solidFill>
+              <a:srgbClr val="00B050"/>
+            </a:solidFill>
+            <a:tailEnd type="arrow"/>
+          </a:ln>
+        </p:spPr>
+        <p:style>
+          <a:lnRef idx="1">
+            <a:schemeClr val="accent1"/>
+          </a:lnRef>
+          <a:fillRef idx="0">
+            <a:schemeClr val="accent1"/>
+          </a:fillRef>
+          <a:effectRef idx="0">
+            <a:schemeClr val="accent1"/>
+          </a:effectRef>
+          <a:fontRef idx="minor">
+            <a:schemeClr val="tx1"/>
+          </a:fontRef>
+        </p:style>
+      </p:cxnSp>
+      <p:sp>
+        <p:nvSpPr>
+          <p:cNvPr id="46" name="TextBox 45"/>
+          <p:cNvSpPr txBox="1"/>
+          <p:nvPr/>
+        </p:nvSpPr>
+        <p:spPr>
+          <a:xfrm>
+            <a:off x="7981950" y="3895725"/>
+            <a:ext cx="646331" cy="369332"/>
+          </a:xfrm>
+          <a:prstGeom prst="rect">
+            <a:avLst/>
+          </a:prstGeom>
+          <a:noFill/>
+        </p:spPr>
+        <p:txBody>
+          <a:bodyPr wrap="square" rtlCol="0">
+            <a:spAutoFit/>
+          </a:bodyPr>
+          <a:lstStyle/>
+          <a:p>
+            <a:r>
+              <a:rPr lang="zh-CN" altLang="en-US" smtClean="0"/>
+              <a:t>广播</a:t>
+            </a:r>
+            <a:endParaRPr lang="zh-CN" altLang="en-US"/>
+          </a:p>
+        </p:txBody>
+      </p:sp>
     </p:spTree>
     <p:extLst>
       <p:ext uri="{BB962C8B-B14F-4D97-AF65-F5344CB8AC3E}">
@@ -21235,6 +19606,1910 @@
       <p:bldP spid="13" grpId="0"/>
       <p:bldP spid="14" grpId="0"/>
       <p:bldP spid="18" grpId="0"/>
+    </p:bldLst>
+  </p:timing>
+</p:sld>
+</file>
+
+<file path=ppt/slides/slide9.xml><?xml version="1.0" encoding="utf-8"?>
+<p:sld xmlns:a="http://schemas.openxmlformats.org/drawingml/2006/main" xmlns:r="http://schemas.openxmlformats.org/officeDocument/2006/relationships" xmlns:p="http://schemas.openxmlformats.org/presentationml/2006/main">
+  <p:cSld>
+    <p:spTree>
+      <p:nvGrpSpPr>
+        <p:cNvPr id="1" name=""/>
+        <p:cNvGrpSpPr/>
+        <p:nvPr/>
+      </p:nvGrpSpPr>
+      <p:grpSpPr>
+        <a:xfrm>
+          <a:off x="0" y="0"/>
+          <a:ext cx="0" cy="0"/>
+          <a:chOff x="0" y="0"/>
+          <a:chExt cx="0" cy="0"/>
+        </a:xfrm>
+      </p:grpSpPr>
+      <p:grpSp>
+        <p:nvGrpSpPr>
+          <p:cNvPr id="2" name="PA_组合 47"/>
+          <p:cNvGrpSpPr/>
+          <p:nvPr>
+            <p:custDataLst>
+              <p:tags r:id="rId1"/>
+            </p:custDataLst>
+          </p:nvPr>
+        </p:nvGrpSpPr>
+        <p:grpSpPr>
+          <a:xfrm>
+            <a:off x="554877" y="932724"/>
+            <a:ext cx="1199456" cy="74689"/>
+            <a:chOff x="0" y="2842590"/>
+            <a:chExt cx="7054752" cy="89199"/>
+          </a:xfrm>
+        </p:grpSpPr>
+        <p:sp>
+          <p:nvSpPr>
+            <p:cNvPr id="49" name="矩形 48"/>
+            <p:cNvSpPr/>
+            <p:nvPr/>
+          </p:nvSpPr>
+          <p:spPr>
+            <a:xfrm>
+              <a:off x="0" y="2842590"/>
+              <a:ext cx="1763688" cy="89199"/>
+            </a:xfrm>
+            <a:prstGeom prst="rect">
+              <a:avLst/>
+            </a:prstGeom>
+            <a:solidFill>
+              <a:schemeClr val="accent1"/>
+            </a:solidFill>
+            <a:ln>
+              <a:noFill/>
+            </a:ln>
+          </p:spPr>
+          <p:style>
+            <a:lnRef idx="2">
+              <a:schemeClr val="accent1">
+                <a:shade val="50000"/>
+              </a:schemeClr>
+            </a:lnRef>
+            <a:fillRef idx="1">
+              <a:schemeClr val="accent1"/>
+            </a:fillRef>
+            <a:effectRef idx="0">
+              <a:schemeClr val="accent1"/>
+            </a:effectRef>
+            <a:fontRef idx="minor">
+              <a:schemeClr val="lt1"/>
+            </a:fontRef>
+          </p:style>
+          <p:txBody>
+            <a:bodyPr rtlCol="0" anchor="ctr"/>
+            <a:lstStyle/>
+            <a:p>
+              <a:pPr algn="ctr" defTabSz="1219170"/>
+              <a:endParaRPr lang="zh-CN" altLang="en-US" sz="2400">
+                <a:solidFill>
+                  <a:srgbClr val="FFFFFF"/>
+                </a:solidFill>
+                <a:latin typeface="Calibri"/>
+                <a:ea typeface="宋体" panose="02010600030101010101" pitchFamily="2" charset="-122"/>
+              </a:endParaRPr>
+            </a:p>
+          </p:txBody>
+        </p:sp>
+        <p:sp>
+          <p:nvSpPr>
+            <p:cNvPr id="50" name="矩形 49"/>
+            <p:cNvSpPr/>
+            <p:nvPr/>
+          </p:nvSpPr>
+          <p:spPr>
+            <a:xfrm>
+              <a:off x="1763688" y="2842590"/>
+              <a:ext cx="1763688" cy="89199"/>
+            </a:xfrm>
+            <a:prstGeom prst="rect">
+              <a:avLst/>
+            </a:prstGeom>
+            <a:solidFill>
+              <a:schemeClr val="accent2"/>
+            </a:solidFill>
+            <a:ln>
+              <a:noFill/>
+            </a:ln>
+          </p:spPr>
+          <p:style>
+            <a:lnRef idx="2">
+              <a:schemeClr val="accent1">
+                <a:shade val="50000"/>
+              </a:schemeClr>
+            </a:lnRef>
+            <a:fillRef idx="1">
+              <a:schemeClr val="accent1"/>
+            </a:fillRef>
+            <a:effectRef idx="0">
+              <a:schemeClr val="accent1"/>
+            </a:effectRef>
+            <a:fontRef idx="minor">
+              <a:schemeClr val="lt1"/>
+            </a:fontRef>
+          </p:style>
+          <p:txBody>
+            <a:bodyPr rtlCol="0" anchor="ctr"/>
+            <a:lstStyle/>
+            <a:p>
+              <a:pPr algn="ctr" defTabSz="1219170"/>
+              <a:endParaRPr lang="zh-CN" altLang="en-US" sz="2400">
+                <a:solidFill>
+                  <a:srgbClr val="FFFFFF"/>
+                </a:solidFill>
+                <a:latin typeface="Calibri"/>
+                <a:ea typeface="宋体" panose="02010600030101010101" pitchFamily="2" charset="-122"/>
+              </a:endParaRPr>
+            </a:p>
+          </p:txBody>
+        </p:sp>
+        <p:sp>
+          <p:nvSpPr>
+            <p:cNvPr id="51" name="矩形 50"/>
+            <p:cNvSpPr/>
+            <p:nvPr/>
+          </p:nvSpPr>
+          <p:spPr>
+            <a:xfrm>
+              <a:off x="3527376" y="2842590"/>
+              <a:ext cx="1763688" cy="89199"/>
+            </a:xfrm>
+            <a:prstGeom prst="rect">
+              <a:avLst/>
+            </a:prstGeom>
+            <a:solidFill>
+              <a:schemeClr val="accent3"/>
+            </a:solidFill>
+            <a:ln>
+              <a:noFill/>
+            </a:ln>
+          </p:spPr>
+          <p:style>
+            <a:lnRef idx="2">
+              <a:schemeClr val="accent1">
+                <a:shade val="50000"/>
+              </a:schemeClr>
+            </a:lnRef>
+            <a:fillRef idx="1">
+              <a:schemeClr val="accent1"/>
+            </a:fillRef>
+            <a:effectRef idx="0">
+              <a:schemeClr val="accent1"/>
+            </a:effectRef>
+            <a:fontRef idx="minor">
+              <a:schemeClr val="lt1"/>
+            </a:fontRef>
+          </p:style>
+          <p:txBody>
+            <a:bodyPr rtlCol="0" anchor="ctr"/>
+            <a:lstStyle/>
+            <a:p>
+              <a:pPr algn="ctr" defTabSz="1219170"/>
+              <a:endParaRPr lang="zh-CN" altLang="en-US" sz="2400">
+                <a:solidFill>
+                  <a:srgbClr val="FFFFFF"/>
+                </a:solidFill>
+                <a:latin typeface="Calibri"/>
+                <a:ea typeface="宋体" panose="02010600030101010101" pitchFamily="2" charset="-122"/>
+              </a:endParaRPr>
+            </a:p>
+          </p:txBody>
+        </p:sp>
+        <p:sp>
+          <p:nvSpPr>
+            <p:cNvPr id="52" name="矩形 51"/>
+            <p:cNvSpPr/>
+            <p:nvPr/>
+          </p:nvSpPr>
+          <p:spPr>
+            <a:xfrm>
+              <a:off x="5291064" y="2842590"/>
+              <a:ext cx="1763688" cy="89199"/>
+            </a:xfrm>
+            <a:prstGeom prst="rect">
+              <a:avLst/>
+            </a:prstGeom>
+            <a:solidFill>
+              <a:schemeClr val="accent4"/>
+            </a:solidFill>
+            <a:ln>
+              <a:noFill/>
+            </a:ln>
+          </p:spPr>
+          <p:style>
+            <a:lnRef idx="2">
+              <a:schemeClr val="accent1">
+                <a:shade val="50000"/>
+              </a:schemeClr>
+            </a:lnRef>
+            <a:fillRef idx="1">
+              <a:schemeClr val="accent1"/>
+            </a:fillRef>
+            <a:effectRef idx="0">
+              <a:schemeClr val="accent1"/>
+            </a:effectRef>
+            <a:fontRef idx="minor">
+              <a:schemeClr val="lt1"/>
+            </a:fontRef>
+          </p:style>
+          <p:txBody>
+            <a:bodyPr rtlCol="0" anchor="ctr"/>
+            <a:lstStyle/>
+            <a:p>
+              <a:pPr algn="ctr" defTabSz="1219170"/>
+              <a:endParaRPr lang="zh-CN" altLang="en-US" sz="2400">
+                <a:solidFill>
+                  <a:srgbClr val="FFFFFF"/>
+                </a:solidFill>
+                <a:latin typeface="Calibri"/>
+                <a:ea typeface="宋体" panose="02010600030101010101" pitchFamily="2" charset="-122"/>
+              </a:endParaRPr>
+            </a:p>
+          </p:txBody>
+        </p:sp>
+      </p:grpSp>
+      <p:sp>
+        <p:nvSpPr>
+          <p:cNvPr id="13" name="PA_矩形 39"/>
+          <p:cNvSpPr>
+            <a:spLocks noChangeArrowheads="1"/>
+          </p:cNvSpPr>
+          <p:nvPr>
+            <p:custDataLst>
+              <p:tags r:id="rId2"/>
+            </p:custDataLst>
+          </p:nvPr>
+        </p:nvSpPr>
+        <p:spPr bwMode="auto">
+          <a:xfrm>
+            <a:off x="554879" y="371042"/>
+            <a:ext cx="6322171" cy="410433"/>
+          </a:xfrm>
+          <a:prstGeom prst="rect">
+            <a:avLst/>
+          </a:prstGeom>
+          <a:noFill/>
+          <a:ln>
+            <a:noFill/>
+          </a:ln>
+          <a:extLst>
+            <a:ext uri="{909E8E84-426E-40DD-AFC4-6F175D3DCCD1}">
+              <a14:hiddenFill xmlns:a14="http://schemas.microsoft.com/office/drawing/2010/main" xmlns="">
+                <a:solidFill>
+                  <a:srgbClr val="FFFFFF"/>
+                </a:solidFill>
+              </a14:hiddenFill>
+            </a:ext>
+            <a:ext uri="{91240B29-F687-4F45-9708-019B960494DF}">
+              <a14:hiddenLine xmlns:a14="http://schemas.microsoft.com/office/drawing/2010/main" xmlns="" w="9525">
+                <a:solidFill>
+                  <a:srgbClr val="000000"/>
+                </a:solidFill>
+                <a:miter lim="800000"/>
+                <a:headEnd/>
+                <a:tailEnd/>
+              </a14:hiddenLine>
+            </a:ext>
+          </a:extLst>
+        </p:spPr>
+        <p:txBody>
+          <a:bodyPr wrap="square" lIns="0" tIns="0" rIns="0" bIns="0">
+            <a:spAutoFit/>
+          </a:bodyPr>
+          <a:lstStyle/>
+          <a:p>
+            <a:pPr defTabSz="1219170"/>
+            <a:r>
+              <a:rPr lang="zh-CN" altLang="en-US" sz="2667" smtClean="0">
+                <a:solidFill>
+                  <a:srgbClr val="1D69A3"/>
+                </a:solidFill>
+                <a:latin typeface="微软雅黑" pitchFamily="34" charset="-122"/>
+                <a:ea typeface="微软雅黑" pitchFamily="34" charset="-122"/>
+              </a:rPr>
+              <a:t>高级通信服务实现</a:t>
+            </a:r>
+            <a:r>
+              <a:rPr lang="en-US" altLang="zh-CN" sz="2667" smtClean="0">
+                <a:solidFill>
+                  <a:srgbClr val="1D69A3"/>
+                </a:solidFill>
+                <a:latin typeface="微软雅黑" pitchFamily="34" charset="-122"/>
+                <a:ea typeface="微软雅黑" pitchFamily="34" charset="-122"/>
+              </a:rPr>
+              <a:t>-</a:t>
+            </a:r>
+            <a:r>
+              <a:rPr lang="zh-CN" altLang="en-US" sz="2667" smtClean="0">
+                <a:solidFill>
+                  <a:srgbClr val="1D69A3"/>
+                </a:solidFill>
+                <a:latin typeface="微软雅黑" pitchFamily="34" charset="-122"/>
+                <a:ea typeface="微软雅黑" pitchFamily="34" charset="-122"/>
+              </a:rPr>
+              <a:t>实现自己的通信框架</a:t>
+            </a:r>
+          </a:p>
+        </p:txBody>
+      </p:sp>
+      <p:sp>
+        <p:nvSpPr>
+          <p:cNvPr id="18" name="TextBox 17"/>
+          <p:cNvSpPr txBox="1"/>
+          <p:nvPr/>
+        </p:nvSpPr>
+        <p:spPr>
+          <a:xfrm>
+            <a:off x="2096569" y="1417340"/>
+            <a:ext cx="9304855" cy="1754326"/>
+          </a:xfrm>
+          <a:prstGeom prst="rect">
+            <a:avLst/>
+          </a:prstGeom>
+          <a:noFill/>
+        </p:spPr>
+        <p:txBody>
+          <a:bodyPr wrap="square" rtlCol="0">
+            <a:spAutoFit/>
+          </a:bodyPr>
+          <a:lstStyle/>
+          <a:p>
+            <a:pPr>
+              <a:lnSpc>
+                <a:spcPct val="150000"/>
+              </a:lnSpc>
+            </a:pPr>
+            <a:r>
+              <a:rPr lang="zh-CN" altLang="en-US" smtClean="0">
+                <a:latin typeface="+mn-ea"/>
+              </a:rPr>
+              <a:t>通信协议从广义上区分，可以分为公有协议和私有协议。由于私有协议的灵活性，它往往会在某个公司或者组织内部使用，按需定制，也因为如此，升级起来会非常方便，灵活性好。绝大多数的私有协议传输层都基于</a:t>
+            </a:r>
+            <a:r>
+              <a:rPr lang="en-US" altLang="zh-CN" smtClean="0">
+                <a:latin typeface="+mn-ea"/>
+              </a:rPr>
+              <a:t>TCP/IP</a:t>
+            </a:r>
+            <a:r>
+              <a:rPr lang="zh-CN" altLang="en-US" smtClean="0">
+                <a:latin typeface="+mn-ea"/>
+              </a:rPr>
+              <a:t>，所以利用</a:t>
+            </a:r>
+            <a:r>
+              <a:rPr lang="en-US" altLang="zh-CN" smtClean="0">
+                <a:latin typeface="+mn-ea"/>
+              </a:rPr>
+              <a:t>Netty</a:t>
+            </a:r>
+            <a:r>
+              <a:rPr lang="zh-CN" altLang="en-US" smtClean="0">
+                <a:latin typeface="+mn-ea"/>
+              </a:rPr>
+              <a:t>的</a:t>
+            </a:r>
+            <a:r>
+              <a:rPr lang="en-US" altLang="zh-CN" smtClean="0">
+                <a:latin typeface="+mn-ea"/>
+              </a:rPr>
+              <a:t>NIO TCP</a:t>
+            </a:r>
+            <a:r>
+              <a:rPr lang="zh-CN" altLang="en-US" smtClean="0">
+                <a:latin typeface="+mn-ea"/>
+              </a:rPr>
+              <a:t>协议栈可以非常方便地进行私有协议的定制和开发。</a:t>
+            </a:r>
+            <a:endParaRPr lang="zh-CN" altLang="en-US">
+              <a:latin typeface="+mn-ea"/>
+              <a:ea typeface="+mn-ea"/>
+            </a:endParaRPr>
+          </a:p>
+        </p:txBody>
+      </p:sp>
+      <p:cxnSp>
+        <p:nvCxnSpPr>
+          <p:cNvPr id="21" name="直接连接符 20"/>
+          <p:cNvCxnSpPr/>
+          <p:nvPr/>
+        </p:nvCxnSpPr>
+        <p:spPr bwMode="auto">
+          <a:xfrm>
+            <a:off x="1016450" y="3523105"/>
+            <a:ext cx="4248472" cy="0"/>
+          </a:xfrm>
+          <a:prstGeom prst="line">
+            <a:avLst/>
+          </a:prstGeom>
+          <a:ln w="9525">
+            <a:solidFill>
+              <a:schemeClr val="accent2"/>
+            </a:solidFill>
+            <a:prstDash val="dash"/>
+            <a:headEnd type="oval" w="med" len="med"/>
+            <a:tailEnd type="oval" w="med" len="med"/>
+          </a:ln>
+          <a:effectLst>
+            <a:outerShdw blurRad="12700" dist="6350" dir="5400000" rotWithShape="0">
+              <a:srgbClr val="000000">
+                <a:alpha val="38000"/>
+              </a:srgbClr>
+            </a:outerShdw>
+          </a:effectLst>
+          <a:extLst/>
+        </p:spPr>
+        <p:style>
+          <a:lnRef idx="2">
+            <a:schemeClr val="dk1"/>
+          </a:lnRef>
+          <a:fillRef idx="0">
+            <a:schemeClr val="dk1"/>
+          </a:fillRef>
+          <a:effectRef idx="1">
+            <a:schemeClr val="dk1"/>
+          </a:effectRef>
+          <a:fontRef idx="minor">
+            <a:schemeClr val="tx1"/>
+          </a:fontRef>
+        </p:style>
+      </p:cxnSp>
+      <p:sp>
+        <p:nvSpPr>
+          <p:cNvPr id="22" name="TextBox 21"/>
+          <p:cNvSpPr txBox="1"/>
+          <p:nvPr/>
+        </p:nvSpPr>
+        <p:spPr>
+          <a:xfrm>
+            <a:off x="2096568" y="3817640"/>
+            <a:ext cx="9028631" cy="1754326"/>
+          </a:xfrm>
+          <a:prstGeom prst="rect">
+            <a:avLst/>
+          </a:prstGeom>
+          <a:noFill/>
+        </p:spPr>
+        <p:txBody>
+          <a:bodyPr wrap="square" rtlCol="0">
+            <a:spAutoFit/>
+          </a:bodyPr>
+          <a:lstStyle/>
+          <a:p>
+            <a:pPr>
+              <a:lnSpc>
+                <a:spcPct val="150000"/>
+              </a:lnSpc>
+            </a:pPr>
+            <a:r>
+              <a:rPr lang="zh-CN" altLang="en-US" smtClean="0">
+                <a:latin typeface="+mn-ea"/>
+              </a:rPr>
+              <a:t>私有协议本质上是厂商内部发展和采用的标准，除非授权，其他厂商一般无权使用该协议。私有协议也称非标准协议，就是未经国际或国家标准化组织采纳或批准，由某个企业自己制订，协议实现细节不愿公开，只在企业自己生产的设备之间使用的协议。私有协议具有封闭性、垄断性、排他性等特点。</a:t>
+            </a:r>
+            <a:endParaRPr lang="zh-CN" altLang="en-US">
+              <a:latin typeface="+mn-ea"/>
+              <a:ea typeface="+mn-ea"/>
+            </a:endParaRPr>
+          </a:p>
+        </p:txBody>
+      </p:sp>
+      <p:grpSp>
+        <p:nvGrpSpPr>
+          <p:cNvPr id="23" name="组合 22"/>
+          <p:cNvGrpSpPr/>
+          <p:nvPr/>
+        </p:nvGrpSpPr>
+        <p:grpSpPr>
+          <a:xfrm>
+            <a:off x="809740" y="1510690"/>
+            <a:ext cx="1333073" cy="1152128"/>
+            <a:chOff x="779103" y="1866166"/>
+            <a:chExt cx="1333073" cy="1152128"/>
+          </a:xfrm>
+          <a:solidFill>
+            <a:schemeClr val="accent1">
+              <a:lumMod val="75000"/>
+            </a:schemeClr>
+          </a:solidFill>
+        </p:grpSpPr>
+        <p:sp>
+          <p:nvSpPr>
+            <p:cNvPr id="24" name="等腰三角形 2"/>
+            <p:cNvSpPr/>
+            <p:nvPr/>
+          </p:nvSpPr>
+          <p:spPr bwMode="auto">
+            <a:xfrm rot="2747878">
+              <a:off x="869576" y="1775693"/>
+              <a:ext cx="1152128" cy="1333073"/>
+            </a:xfrm>
+            <a:custGeom>
+              <a:avLst/>
+              <a:gdLst/>
+              <a:ahLst/>
+              <a:cxnLst/>
+              <a:rect l="l" t="t" r="r" b="b"/>
+              <a:pathLst>
+                <a:path w="1152128" h="1333073">
+                  <a:moveTo>
+                    <a:pt x="576064" y="0"/>
+                  </a:moveTo>
+                  <a:lnTo>
+                    <a:pt x="687529" y="192182"/>
+                  </a:lnTo>
+                  <a:cubicBezTo>
+                    <a:pt x="952381" y="243689"/>
+                    <a:pt x="1152128" y="477023"/>
+                    <a:pt x="1152128" y="757009"/>
+                  </a:cubicBezTo>
+                  <a:cubicBezTo>
+                    <a:pt x="1152128" y="1075160"/>
+                    <a:pt x="894215" y="1333073"/>
+                    <a:pt x="576064" y="1333073"/>
+                  </a:cubicBezTo>
+                  <a:cubicBezTo>
+                    <a:pt x="257913" y="1333073"/>
+                    <a:pt x="0" y="1075160"/>
+                    <a:pt x="0" y="757009"/>
+                  </a:cubicBezTo>
+                  <a:cubicBezTo>
+                    <a:pt x="0" y="477023"/>
+                    <a:pt x="199747" y="243689"/>
+                    <a:pt x="464599" y="192182"/>
+                  </a:cubicBezTo>
+                  <a:close/>
+                </a:path>
+              </a:pathLst>
+            </a:custGeom>
+            <a:grpFill/>
+            <a:ln>
+              <a:noFill/>
+            </a:ln>
+            <a:extLst/>
+          </p:spPr>
+          <p:txBody>
+            <a:bodyPr wrap="none" anchor="ctr"/>
+            <a:lstStyle/>
+            <a:p>
+              <a:pPr algn="ctr"/>
+              <a:endParaRPr lang="zh-CN" altLang="en-US" sz="2000" kern="0">
+                <a:solidFill>
+                  <a:srgbClr val="FFFFFF"/>
+                </a:solidFill>
+                <a:latin typeface="微软雅黑" pitchFamily="34" charset="-122"/>
+                <a:ea typeface="微软雅黑" pitchFamily="34" charset="-122"/>
+              </a:endParaRPr>
+            </a:p>
+          </p:txBody>
+        </p:sp>
+        <p:sp>
+          <p:nvSpPr>
+            <p:cNvPr id="25" name="TextBox 24"/>
+            <p:cNvSpPr txBox="1"/>
+            <p:nvPr/>
+          </p:nvSpPr>
+          <p:spPr>
+            <a:xfrm>
+              <a:off x="1057821" y="2242175"/>
+              <a:ext cx="697627" cy="400110"/>
+            </a:xfrm>
+            <a:prstGeom prst="rect">
+              <a:avLst/>
+            </a:prstGeom>
+            <a:grpFill/>
+            <a:ln>
+              <a:noFill/>
+            </a:ln>
+          </p:spPr>
+          <p:txBody>
+            <a:bodyPr wrap="none" anchor="ctr"/>
+            <a:lstStyle>
+              <a:defPPr>
+                <a:defRPr lang="zh-CN"/>
+              </a:defPPr>
+              <a:lvl1pPr algn="ctr">
+                <a:defRPr sz="2000" kern="0">
+                  <a:solidFill>
+                    <a:srgbClr val="FFFFFF"/>
+                  </a:solidFill>
+                  <a:latin typeface="微软雅黑" pitchFamily="34" charset="-122"/>
+                  <a:ea typeface="微软雅黑" pitchFamily="34" charset="-122"/>
+                </a:defRPr>
+              </a:lvl1pPr>
+            </a:lstStyle>
+            <a:p>
+              <a:r>
+                <a:rPr lang="zh-CN" altLang="en-US" smtClean="0"/>
+                <a:t>通信协议</a:t>
+              </a:r>
+              <a:endParaRPr lang="zh-CN" altLang="en-US"/>
+            </a:p>
+          </p:txBody>
+        </p:sp>
+      </p:grpSp>
+      <p:grpSp>
+        <p:nvGrpSpPr>
+          <p:cNvPr id="27" name="组合 26"/>
+          <p:cNvGrpSpPr/>
+          <p:nvPr/>
+        </p:nvGrpSpPr>
+        <p:grpSpPr>
+          <a:xfrm>
+            <a:off x="809739" y="3910990"/>
+            <a:ext cx="1333073" cy="1152128"/>
+            <a:chOff x="779102" y="3694966"/>
+            <a:chExt cx="1333073" cy="1152128"/>
+          </a:xfrm>
+          <a:solidFill>
+            <a:schemeClr val="accent3">
+              <a:lumMod val="50000"/>
+            </a:schemeClr>
+          </a:solidFill>
+        </p:grpSpPr>
+        <p:sp>
+          <p:nvSpPr>
+            <p:cNvPr id="28" name="等腰三角形 2"/>
+            <p:cNvSpPr/>
+            <p:nvPr/>
+          </p:nvSpPr>
+          <p:spPr bwMode="auto">
+            <a:xfrm rot="3036074">
+              <a:off x="869575" y="3604493"/>
+              <a:ext cx="1152128" cy="1333073"/>
+            </a:xfrm>
+            <a:custGeom>
+              <a:avLst/>
+              <a:gdLst/>
+              <a:ahLst/>
+              <a:cxnLst/>
+              <a:rect l="l" t="t" r="r" b="b"/>
+              <a:pathLst>
+                <a:path w="1152128" h="1333073">
+                  <a:moveTo>
+                    <a:pt x="576064" y="0"/>
+                  </a:moveTo>
+                  <a:lnTo>
+                    <a:pt x="687529" y="192182"/>
+                  </a:lnTo>
+                  <a:cubicBezTo>
+                    <a:pt x="952381" y="243689"/>
+                    <a:pt x="1152128" y="477023"/>
+                    <a:pt x="1152128" y="757009"/>
+                  </a:cubicBezTo>
+                  <a:cubicBezTo>
+                    <a:pt x="1152128" y="1075160"/>
+                    <a:pt x="894215" y="1333073"/>
+                    <a:pt x="576064" y="1333073"/>
+                  </a:cubicBezTo>
+                  <a:cubicBezTo>
+                    <a:pt x="257913" y="1333073"/>
+                    <a:pt x="0" y="1075160"/>
+                    <a:pt x="0" y="757009"/>
+                  </a:cubicBezTo>
+                  <a:cubicBezTo>
+                    <a:pt x="0" y="477023"/>
+                    <a:pt x="199747" y="243689"/>
+                    <a:pt x="464599" y="192182"/>
+                  </a:cubicBezTo>
+                  <a:close/>
+                </a:path>
+              </a:pathLst>
+            </a:custGeom>
+            <a:grpFill/>
+            <a:ln>
+              <a:noFill/>
+            </a:ln>
+            <a:extLst/>
+          </p:spPr>
+          <p:txBody>
+            <a:bodyPr wrap="none" anchor="ctr"/>
+            <a:lstStyle/>
+            <a:p>
+              <a:pPr algn="ctr"/>
+              <a:endParaRPr lang="zh-CN" altLang="en-US" sz="2000" kern="0">
+                <a:solidFill>
+                  <a:srgbClr val="FFFFFF"/>
+                </a:solidFill>
+                <a:latin typeface="微软雅黑" pitchFamily="34" charset="-122"/>
+                <a:ea typeface="微软雅黑" pitchFamily="34" charset="-122"/>
+              </a:endParaRPr>
+            </a:p>
+          </p:txBody>
+        </p:sp>
+        <p:sp>
+          <p:nvSpPr>
+            <p:cNvPr id="29" name="TextBox 28"/>
+            <p:cNvSpPr txBox="1"/>
+            <p:nvPr/>
+          </p:nvSpPr>
+          <p:spPr>
+            <a:xfrm>
+              <a:off x="1057821" y="4123089"/>
+              <a:ext cx="697627" cy="400110"/>
+            </a:xfrm>
+            <a:prstGeom prst="rect">
+              <a:avLst/>
+            </a:prstGeom>
+            <a:grpFill/>
+            <a:ln>
+              <a:noFill/>
+            </a:ln>
+          </p:spPr>
+          <p:txBody>
+            <a:bodyPr wrap="none" anchor="ctr"/>
+            <a:lstStyle>
+              <a:defPPr>
+                <a:defRPr lang="zh-CN"/>
+              </a:defPPr>
+              <a:lvl1pPr algn="ctr">
+                <a:defRPr sz="2000" kern="0">
+                  <a:solidFill>
+                    <a:srgbClr val="FFFFFF"/>
+                  </a:solidFill>
+                  <a:latin typeface="微软雅黑" pitchFamily="34" charset="-122"/>
+                  <a:ea typeface="微软雅黑" pitchFamily="34" charset="-122"/>
+                </a:defRPr>
+              </a:lvl1pPr>
+            </a:lstStyle>
+            <a:p>
+              <a:r>
+                <a:rPr lang="zh-CN" altLang="en-US" smtClean="0"/>
+                <a:t>私有协议</a:t>
+              </a:r>
+              <a:endParaRPr lang="zh-CN" altLang="en-US"/>
+            </a:p>
+          </p:txBody>
+        </p:sp>
+      </p:grpSp>
+    </p:spTree>
+    <p:extLst>
+      <p:ext uri="{BB962C8B-B14F-4D97-AF65-F5344CB8AC3E}">
+        <p14:creationId xmlns:p14="http://schemas.microsoft.com/office/powerpoint/2010/main" xmlns="" val="1534704313"/>
+      </p:ext>
+    </p:extLst>
+  </p:cSld>
+  <p:clrMapOvr>
+    <a:masterClrMapping/>
+  </p:clrMapOvr>
+  <mc:AlternateContent xmlns:mc="http://schemas.openxmlformats.org/markup-compatibility/2006">
+    <mc:Choice xmlns:p14="http://schemas.microsoft.com/office/powerpoint/2010/main" xmlns="" Requires="p14">
+      <p:transition spd="slow" p14:dur="1500">
+        <p:random/>
+      </p:transition>
+    </mc:Choice>
+    <mc:Fallback>
+      <p:transition spd="slow">
+        <p:random/>
+      </p:transition>
+    </mc:Fallback>
+  </mc:AlternateContent>
+  <p:timing>
+    <p:tnLst>
+      <p:par>
+        <p:cTn id="1" dur="indefinite" restart="never" nodeType="tmRoot">
+          <p:childTnLst>
+            <p:seq concurrent="1" nextAc="seek">
+              <p:cTn id="2" dur="indefinite" nodeType="mainSeq">
+                <p:childTnLst>
+                  <p:par>
+                    <p:cTn id="3" fill="hold">
+                      <p:stCondLst>
+                        <p:cond delay="indefinite"/>
+                        <p:cond evt="onBegin" delay="0">
+                          <p:tn val="2"/>
+                        </p:cond>
+                      </p:stCondLst>
+                      <p:childTnLst>
+                        <p:par>
+                          <p:cTn id="4" fill="hold">
+                            <p:stCondLst>
+                              <p:cond delay="0"/>
+                            </p:stCondLst>
+                            <p:childTnLst>
+                              <p:par>
+                                <p:cTn id="5" presetID="0" presetClass="entr" presetSubtype="0" fill="hold" nodeType="withEffect">
+                                  <p:stCondLst>
+                                    <p:cond delay="0"/>
+                                  </p:stCondLst>
+                                  <p:iterate type="lt">
+                                    <p:tmPct val="10000"/>
+                                  </p:iterate>
+                                  <p:childTnLst>
+                                    <p:set>
+                                      <p:cBhvr>
+                                        <p:cTn id="6" dur="1" fill="hold">
+                                          <p:stCondLst>
+                                            <p:cond delay="0"/>
+                                          </p:stCondLst>
+                                        </p:cTn>
+                                        <p:tgtEl>
+                                          <p:spTgt spid="2"/>
+                                        </p:tgtEl>
+                                        <p:attrNameLst>
+                                          <p:attrName>style.visibility</p:attrName>
+                                        </p:attrNameLst>
+                                      </p:cBhvr>
+                                      <p:to>
+                                        <p:strVal val="visible"/>
+                                      </p:to>
+                                    </p:set>
+                                    <p:anim to="" calcmode="lin" valueType="num">
+                                      <p:cBhvr>
+                                        <p:cTn id="7" dur="700" fill="hold">
+                                          <p:stCondLst>
+                                            <p:cond delay="0"/>
+                                          </p:stCondLst>
+                                        </p:cTn>
+                                        <p:tgtEl>
+                                          <p:spTgt spid="2"/>
+                                        </p:tgtEl>
+                                        <p:attrNameLst>
+                                          <p:attrName>ppt_x</p:attrName>
+                                        </p:attrNameLst>
+                                      </p:cBhvr>
+                                      <p:tavLst>
+                                        <p:tav tm="0" fmla="#ppt_x-(-#ppt_w/2*cos(ppt_r/180*pi))*((1.5-1.5*$)^2-(1.5-1.5*$)^3)">
+                                          <p:val>
+                                            <p:strVal val="0"/>
+                                          </p:val>
+                                        </p:tav>
+                                        <p:tav tm="100000">
+                                          <p:val>
+                                            <p:strVal val="1"/>
+                                          </p:val>
+                                        </p:tav>
+                                      </p:tavLst>
+                                    </p:anim>
+                                    <p:anim to="" calcmode="lin" valueType="num">
+                                      <p:cBhvr>
+                                        <p:cTn id="8" dur="700" fill="hold">
+                                          <p:stCondLst>
+                                            <p:cond delay="0"/>
+                                          </p:stCondLst>
+                                        </p:cTn>
+                                        <p:tgtEl>
+                                          <p:spTgt spid="2"/>
+                                        </p:tgtEl>
+                                        <p:attrNameLst>
+                                          <p:attrName>ppt_y</p:attrName>
+                                        </p:attrNameLst>
+                                      </p:cBhvr>
+                                      <p:tavLst>
+                                        <p:tav tm="0" fmla="#ppt_y+(-#ppt_h/2*cos(ppt_r/180*pi))*((1.5-1.5*$)^2-(1.5-1.5*$)^3)">
+                                          <p:val>
+                                            <p:strVal val="0"/>
+                                          </p:val>
+                                        </p:tav>
+                                        <p:tav tm="100000">
+                                          <p:val>
+                                            <p:strVal val="1"/>
+                                          </p:val>
+                                        </p:tav>
+                                      </p:tavLst>
+                                    </p:anim>
+                                    <p:anim to="" calcmode="lin" valueType="num">
+                                      <p:cBhvr>
+                                        <p:cTn id="9" dur="700" fill="hold">
+                                          <p:stCondLst>
+                                            <p:cond delay="0"/>
+                                          </p:stCondLst>
+                                        </p:cTn>
+                                        <p:tgtEl>
+                                          <p:spTgt spid="2"/>
+                                        </p:tgtEl>
+                                        <p:attrNameLst>
+                                          <p:attrName>ppt_h</p:attrName>
+                                        </p:attrNameLst>
+                                      </p:cBhvr>
+                                      <p:tavLst>
+                                        <p:tav tm="0" fmla="#ppt_h-(-#ppt_h)*((1.5-1.5*$)^2-(1.5-1.5*$)^3)">
+                                          <p:val>
+                                            <p:strVal val="0"/>
+                                          </p:val>
+                                        </p:tav>
+                                        <p:tav tm="100000">
+                                          <p:val>
+                                            <p:strVal val="1"/>
+                                          </p:val>
+                                        </p:tav>
+                                      </p:tavLst>
+                                    </p:anim>
+                                    <p:anim to="" calcmode="lin" valueType="num">
+                                      <p:cBhvr>
+                                        <p:cTn id="10" dur="700" fill="hold">
+                                          <p:stCondLst>
+                                            <p:cond delay="0"/>
+                                          </p:stCondLst>
+                                        </p:cTn>
+                                        <p:tgtEl>
+                                          <p:spTgt spid="2"/>
+                                        </p:tgtEl>
+                                        <p:attrNameLst>
+                                          <p:attrName>ppt_w</p:attrName>
+                                        </p:attrNameLst>
+                                      </p:cBhvr>
+                                      <p:tavLst>
+                                        <p:tav tm="0" fmla="#ppt_w-(-#ppt_w)*((1.5-1.5*$)^2-(1.5-1.5*$)^3)">
+                                          <p:val>
+                                            <p:strVal val="0"/>
+                                          </p:val>
+                                        </p:tav>
+                                        <p:tav tm="100000">
+                                          <p:val>
+                                            <p:strVal val="1"/>
+                                          </p:val>
+                                        </p:tav>
+                                      </p:tavLst>
+                                    </p:anim>
+                                  </p:childTnLst>
+                                </p:cTn>
+                              </p:par>
+                              <p:par>
+                                <p:cTn id="11" presetID="0" presetClass="entr" presetSubtype="0" fill="hold" grpId="0" nodeType="withEffect">
+                                  <p:stCondLst>
+                                    <p:cond delay="0"/>
+                                  </p:stCondLst>
+                                  <p:iterate type="lt">
+                                    <p:tmPct val="10000"/>
+                                  </p:iterate>
+                                  <p:childTnLst>
+                                    <p:set>
+                                      <p:cBhvr>
+                                        <p:cTn id="12" dur="1" fill="hold">
+                                          <p:stCondLst>
+                                            <p:cond delay="0"/>
+                                          </p:stCondLst>
+                                        </p:cTn>
+                                        <p:tgtEl>
+                                          <p:spTgt spid="13"/>
+                                        </p:tgtEl>
+                                        <p:attrNameLst>
+                                          <p:attrName>style.visibility</p:attrName>
+                                        </p:attrNameLst>
+                                      </p:cBhvr>
+                                      <p:to>
+                                        <p:strVal val="visible"/>
+                                      </p:to>
+                                    </p:set>
+                                    <p:anim to="" calcmode="lin" valueType="num">
+                                      <p:cBhvr>
+                                        <p:cTn id="13" dur="700" fill="hold">
+                                          <p:stCondLst>
+                                            <p:cond delay="0"/>
+                                          </p:stCondLst>
+                                        </p:cTn>
+                                        <p:tgtEl>
+                                          <p:spTgt spid="13"/>
+                                        </p:tgtEl>
+                                        <p:attrNameLst>
+                                          <p:attrName>ppt_x</p:attrName>
+                                        </p:attrNameLst>
+                                      </p:cBhvr>
+                                      <p:tavLst>
+                                        <p:tav tm="0" fmla="#ppt_x-(-#ppt_w/2*cos(ppt_r/180*pi))*((1.5-1.5*$)^2-(1.5-1.5*$)^3)">
+                                          <p:val>
+                                            <p:strVal val="0"/>
+                                          </p:val>
+                                        </p:tav>
+                                        <p:tav tm="100000">
+                                          <p:val>
+                                            <p:strVal val="1"/>
+                                          </p:val>
+                                        </p:tav>
+                                      </p:tavLst>
+                                    </p:anim>
+                                    <p:anim to="" calcmode="lin" valueType="num">
+                                      <p:cBhvr>
+                                        <p:cTn id="14" dur="700" fill="hold">
+                                          <p:stCondLst>
+                                            <p:cond delay="0"/>
+                                          </p:stCondLst>
+                                        </p:cTn>
+                                        <p:tgtEl>
+                                          <p:spTgt spid="13"/>
+                                        </p:tgtEl>
+                                        <p:attrNameLst>
+                                          <p:attrName>ppt_y</p:attrName>
+                                        </p:attrNameLst>
+                                      </p:cBhvr>
+                                      <p:tavLst>
+                                        <p:tav tm="0" fmla="#ppt_y+(-#ppt_h/2*cos(ppt_r/180*pi))*((1.5-1.5*$)^2-(1.5-1.5*$)^3)">
+                                          <p:val>
+                                            <p:strVal val="0"/>
+                                          </p:val>
+                                        </p:tav>
+                                        <p:tav tm="100000">
+                                          <p:val>
+                                            <p:strVal val="1"/>
+                                          </p:val>
+                                        </p:tav>
+                                      </p:tavLst>
+                                    </p:anim>
+                                    <p:anim to="" calcmode="lin" valueType="num">
+                                      <p:cBhvr>
+                                        <p:cTn id="15" dur="700" fill="hold">
+                                          <p:stCondLst>
+                                            <p:cond delay="0"/>
+                                          </p:stCondLst>
+                                        </p:cTn>
+                                        <p:tgtEl>
+                                          <p:spTgt spid="13"/>
+                                        </p:tgtEl>
+                                        <p:attrNameLst>
+                                          <p:attrName>ppt_h</p:attrName>
+                                        </p:attrNameLst>
+                                      </p:cBhvr>
+                                      <p:tavLst>
+                                        <p:tav tm="0" fmla="#ppt_h-(-#ppt_h)*((1.5-1.5*$)^2-(1.5-1.5*$)^3)">
+                                          <p:val>
+                                            <p:strVal val="0"/>
+                                          </p:val>
+                                        </p:tav>
+                                        <p:tav tm="100000">
+                                          <p:val>
+                                            <p:strVal val="1"/>
+                                          </p:val>
+                                        </p:tav>
+                                      </p:tavLst>
+                                    </p:anim>
+                                    <p:anim to="" calcmode="lin" valueType="num">
+                                      <p:cBhvr>
+                                        <p:cTn id="16" dur="700" fill="hold">
+                                          <p:stCondLst>
+                                            <p:cond delay="0"/>
+                                          </p:stCondLst>
+                                        </p:cTn>
+                                        <p:tgtEl>
+                                          <p:spTgt spid="13"/>
+                                        </p:tgtEl>
+                                        <p:attrNameLst>
+                                          <p:attrName>ppt_w</p:attrName>
+                                        </p:attrNameLst>
+                                      </p:cBhvr>
+                                      <p:tavLst>
+                                        <p:tav tm="0" fmla="#ppt_w-(-#ppt_w)*((1.5-1.5*$)^2-(1.5-1.5*$)^3)">
+                                          <p:val>
+                                            <p:strVal val="0"/>
+                                          </p:val>
+                                        </p:tav>
+                                        <p:tav tm="100000">
+                                          <p:val>
+                                            <p:strVal val="1"/>
+                                          </p:val>
+                                        </p:tav>
+                                      </p:tavLst>
+                                    </p:anim>
+                                  </p:childTnLst>
+                                </p:cTn>
+                              </p:par>
+                            </p:childTnLst>
+                          </p:cTn>
+                        </p:par>
+                        <p:par>
+                          <p:cTn id="17" fill="hold">
+                            <p:stCondLst>
+                              <p:cond delay="1890"/>
+                            </p:stCondLst>
+                            <p:childTnLst>
+                              <p:par>
+                                <p:cTn id="18" presetID="26" presetClass="entr" presetSubtype="0" fill="hold" nodeType="afterEffect">
+                                  <p:stCondLst>
+                                    <p:cond delay="0"/>
+                                  </p:stCondLst>
+                                  <p:childTnLst>
+                                    <p:set>
+                                      <p:cBhvr>
+                                        <p:cTn id="19" dur="1" fill="hold">
+                                          <p:stCondLst>
+                                            <p:cond delay="0"/>
+                                          </p:stCondLst>
+                                        </p:cTn>
+                                        <p:tgtEl>
+                                          <p:spTgt spid="23"/>
+                                        </p:tgtEl>
+                                        <p:attrNameLst>
+                                          <p:attrName>style.visibility</p:attrName>
+                                        </p:attrNameLst>
+                                      </p:cBhvr>
+                                      <p:to>
+                                        <p:strVal val="visible"/>
+                                      </p:to>
+                                    </p:set>
+                                    <p:animEffect transition="in" filter="wipe(down)">
+                                      <p:cBhvr>
+                                        <p:cTn id="20" dur="290">
+                                          <p:stCondLst>
+                                            <p:cond delay="0"/>
+                                          </p:stCondLst>
+                                        </p:cTn>
+                                        <p:tgtEl>
+                                          <p:spTgt spid="23"/>
+                                        </p:tgtEl>
+                                      </p:cBhvr>
+                                    </p:animEffect>
+                                    <p:anim calcmode="lin" valueType="num">
+                                      <p:cBhvr>
+                                        <p:cTn id="21" dur="911" tmFilter="0,0; 0.14,0.36; 0.43,0.73; 0.71,0.91; 1.0,1.0">
+                                          <p:stCondLst>
+                                            <p:cond delay="0"/>
+                                          </p:stCondLst>
+                                        </p:cTn>
+                                        <p:tgtEl>
+                                          <p:spTgt spid="23"/>
+                                        </p:tgtEl>
+                                        <p:attrNameLst>
+                                          <p:attrName>ppt_x</p:attrName>
+                                        </p:attrNameLst>
+                                      </p:cBhvr>
+                                      <p:tavLst>
+                                        <p:tav tm="0">
+                                          <p:val>
+                                            <p:strVal val="#ppt_x-0.25"/>
+                                          </p:val>
+                                        </p:tav>
+                                        <p:tav tm="100000">
+                                          <p:val>
+                                            <p:strVal val="#ppt_x"/>
+                                          </p:val>
+                                        </p:tav>
+                                      </p:tavLst>
+                                    </p:anim>
+                                    <p:anim calcmode="lin" valueType="num">
+                                      <p:cBhvr>
+                                        <p:cTn id="22" dur="332" tmFilter="0.0,0.0; 0.25,0.07; 0.50,0.2; 0.75,0.467; 1.0,1.0">
+                                          <p:stCondLst>
+                                            <p:cond delay="0"/>
+                                          </p:stCondLst>
+                                        </p:cTn>
+                                        <p:tgtEl>
+                                          <p:spTgt spid="23"/>
+                                        </p:tgtEl>
+                                        <p:attrNameLst>
+                                          <p:attrName>ppt_y</p:attrName>
+                                        </p:attrNameLst>
+                                      </p:cBhvr>
+                                      <p:tavLst>
+                                        <p:tav tm="0" fmla="#ppt_y-sin(pi*$)/3">
+                                          <p:val>
+                                            <p:fltVal val="0.5"/>
+                                          </p:val>
+                                        </p:tav>
+                                        <p:tav tm="100000">
+                                          <p:val>
+                                            <p:fltVal val="1"/>
+                                          </p:val>
+                                        </p:tav>
+                                      </p:tavLst>
+                                    </p:anim>
+                                    <p:anim calcmode="lin" valueType="num">
+                                      <p:cBhvr>
+                                        <p:cTn id="23" dur="332" tmFilter="0, 0; 0.125,0.2665; 0.25,0.4; 0.375,0.465; 0.5,0.5;  0.625,0.535; 0.75,0.6; 0.875,0.7335; 1,1">
+                                          <p:stCondLst>
+                                            <p:cond delay="332"/>
+                                          </p:stCondLst>
+                                        </p:cTn>
+                                        <p:tgtEl>
+                                          <p:spTgt spid="23"/>
+                                        </p:tgtEl>
+                                        <p:attrNameLst>
+                                          <p:attrName>ppt_y</p:attrName>
+                                        </p:attrNameLst>
+                                      </p:cBhvr>
+                                      <p:tavLst>
+                                        <p:tav tm="0" fmla="#ppt_y-sin(pi*$)/9">
+                                          <p:val>
+                                            <p:fltVal val="0"/>
+                                          </p:val>
+                                        </p:tav>
+                                        <p:tav tm="100000">
+                                          <p:val>
+                                            <p:fltVal val="1"/>
+                                          </p:val>
+                                        </p:tav>
+                                      </p:tavLst>
+                                    </p:anim>
+                                    <p:anim calcmode="lin" valueType="num">
+                                      <p:cBhvr>
+                                        <p:cTn id="24" dur="166" tmFilter="0, 0; 0.125,0.2665; 0.25,0.4; 0.375,0.465; 0.5,0.5;  0.625,0.535; 0.75,0.6; 0.875,0.7335; 1,1">
+                                          <p:stCondLst>
+                                            <p:cond delay="662"/>
+                                          </p:stCondLst>
+                                        </p:cTn>
+                                        <p:tgtEl>
+                                          <p:spTgt spid="23"/>
+                                        </p:tgtEl>
+                                        <p:attrNameLst>
+                                          <p:attrName>ppt_y</p:attrName>
+                                        </p:attrNameLst>
+                                      </p:cBhvr>
+                                      <p:tavLst>
+                                        <p:tav tm="0" fmla="#ppt_y-sin(pi*$)/27">
+                                          <p:val>
+                                            <p:fltVal val="0"/>
+                                          </p:val>
+                                        </p:tav>
+                                        <p:tav tm="100000">
+                                          <p:val>
+                                            <p:fltVal val="1"/>
+                                          </p:val>
+                                        </p:tav>
+                                      </p:tavLst>
+                                    </p:anim>
+                                    <p:anim calcmode="lin" valueType="num">
+                                      <p:cBhvr>
+                                        <p:cTn id="25" dur="82" tmFilter="0, 0; 0.125,0.2665; 0.25,0.4; 0.375,0.465; 0.5,0.5;  0.625,0.535; 0.75,0.6; 0.875,0.7335; 1,1">
+                                          <p:stCondLst>
+                                            <p:cond delay="828"/>
+                                          </p:stCondLst>
+                                        </p:cTn>
+                                        <p:tgtEl>
+                                          <p:spTgt spid="23"/>
+                                        </p:tgtEl>
+                                        <p:attrNameLst>
+                                          <p:attrName>ppt_y</p:attrName>
+                                        </p:attrNameLst>
+                                      </p:cBhvr>
+                                      <p:tavLst>
+                                        <p:tav tm="0" fmla="#ppt_y-sin(pi*$)/81">
+                                          <p:val>
+                                            <p:fltVal val="0"/>
+                                          </p:val>
+                                        </p:tav>
+                                        <p:tav tm="100000">
+                                          <p:val>
+                                            <p:fltVal val="1"/>
+                                          </p:val>
+                                        </p:tav>
+                                      </p:tavLst>
+                                    </p:anim>
+                                    <p:animScale>
+                                      <p:cBhvr>
+                                        <p:cTn id="26" dur="13">
+                                          <p:stCondLst>
+                                            <p:cond delay="325"/>
+                                          </p:stCondLst>
+                                        </p:cTn>
+                                        <p:tgtEl>
+                                          <p:spTgt spid="23"/>
+                                        </p:tgtEl>
+                                      </p:cBhvr>
+                                      <p:to x="100000" y="60000"/>
+                                    </p:animScale>
+                                    <p:animScale>
+                                      <p:cBhvr>
+                                        <p:cTn id="27" dur="83" decel="50000">
+                                          <p:stCondLst>
+                                            <p:cond delay="338"/>
+                                          </p:stCondLst>
+                                        </p:cTn>
+                                        <p:tgtEl>
+                                          <p:spTgt spid="23"/>
+                                        </p:tgtEl>
+                                      </p:cBhvr>
+                                      <p:to x="100000" y="100000"/>
+                                    </p:animScale>
+                                    <p:animScale>
+                                      <p:cBhvr>
+                                        <p:cTn id="28" dur="13">
+                                          <p:stCondLst>
+                                            <p:cond delay="656"/>
+                                          </p:stCondLst>
+                                        </p:cTn>
+                                        <p:tgtEl>
+                                          <p:spTgt spid="23"/>
+                                        </p:tgtEl>
+                                      </p:cBhvr>
+                                      <p:to x="100000" y="80000"/>
+                                    </p:animScale>
+                                    <p:animScale>
+                                      <p:cBhvr>
+                                        <p:cTn id="29" dur="83" decel="50000">
+                                          <p:stCondLst>
+                                            <p:cond delay="669"/>
+                                          </p:stCondLst>
+                                        </p:cTn>
+                                        <p:tgtEl>
+                                          <p:spTgt spid="23"/>
+                                        </p:tgtEl>
+                                      </p:cBhvr>
+                                      <p:to x="100000" y="100000"/>
+                                    </p:animScale>
+                                    <p:animScale>
+                                      <p:cBhvr>
+                                        <p:cTn id="30" dur="13">
+                                          <p:stCondLst>
+                                            <p:cond delay="821"/>
+                                          </p:stCondLst>
+                                        </p:cTn>
+                                        <p:tgtEl>
+                                          <p:spTgt spid="23"/>
+                                        </p:tgtEl>
+                                      </p:cBhvr>
+                                      <p:to x="100000" y="90000"/>
+                                    </p:animScale>
+                                    <p:animScale>
+                                      <p:cBhvr>
+                                        <p:cTn id="31" dur="83" decel="50000">
+                                          <p:stCondLst>
+                                            <p:cond delay="834"/>
+                                          </p:stCondLst>
+                                        </p:cTn>
+                                        <p:tgtEl>
+                                          <p:spTgt spid="23"/>
+                                        </p:tgtEl>
+                                      </p:cBhvr>
+                                      <p:to x="100000" y="100000"/>
+                                    </p:animScale>
+                                    <p:animScale>
+                                      <p:cBhvr>
+                                        <p:cTn id="32" dur="13">
+                                          <p:stCondLst>
+                                            <p:cond delay="904"/>
+                                          </p:stCondLst>
+                                        </p:cTn>
+                                        <p:tgtEl>
+                                          <p:spTgt spid="23"/>
+                                        </p:tgtEl>
+                                      </p:cBhvr>
+                                      <p:to x="100000" y="95000"/>
+                                    </p:animScale>
+                                    <p:animScale>
+                                      <p:cBhvr>
+                                        <p:cTn id="33" dur="83" decel="50000">
+                                          <p:stCondLst>
+                                            <p:cond delay="917"/>
+                                          </p:stCondLst>
+                                        </p:cTn>
+                                        <p:tgtEl>
+                                          <p:spTgt spid="23"/>
+                                        </p:tgtEl>
+                                      </p:cBhvr>
+                                      <p:to x="100000" y="100000"/>
+                                    </p:animScale>
+                                  </p:childTnLst>
+                                </p:cTn>
+                              </p:par>
+                              <p:par>
+                                <p:cTn id="34" presetID="26" presetClass="entr" presetSubtype="0" fill="hold" nodeType="withEffect">
+                                  <p:stCondLst>
+                                    <p:cond delay="0"/>
+                                  </p:stCondLst>
+                                  <p:childTnLst>
+                                    <p:set>
+                                      <p:cBhvr>
+                                        <p:cTn id="35" dur="1" fill="hold">
+                                          <p:stCondLst>
+                                            <p:cond delay="0"/>
+                                          </p:stCondLst>
+                                        </p:cTn>
+                                        <p:tgtEl>
+                                          <p:spTgt spid="27"/>
+                                        </p:tgtEl>
+                                        <p:attrNameLst>
+                                          <p:attrName>style.visibility</p:attrName>
+                                        </p:attrNameLst>
+                                      </p:cBhvr>
+                                      <p:to>
+                                        <p:strVal val="visible"/>
+                                      </p:to>
+                                    </p:set>
+                                    <p:animEffect transition="in" filter="wipe(down)">
+                                      <p:cBhvr>
+                                        <p:cTn id="36" dur="290">
+                                          <p:stCondLst>
+                                            <p:cond delay="0"/>
+                                          </p:stCondLst>
+                                        </p:cTn>
+                                        <p:tgtEl>
+                                          <p:spTgt spid="27"/>
+                                        </p:tgtEl>
+                                      </p:cBhvr>
+                                    </p:animEffect>
+                                    <p:anim calcmode="lin" valueType="num">
+                                      <p:cBhvr>
+                                        <p:cTn id="37" dur="911" tmFilter="0,0; 0.14,0.36; 0.43,0.73; 0.71,0.91; 1.0,1.0">
+                                          <p:stCondLst>
+                                            <p:cond delay="0"/>
+                                          </p:stCondLst>
+                                        </p:cTn>
+                                        <p:tgtEl>
+                                          <p:spTgt spid="27"/>
+                                        </p:tgtEl>
+                                        <p:attrNameLst>
+                                          <p:attrName>ppt_x</p:attrName>
+                                        </p:attrNameLst>
+                                      </p:cBhvr>
+                                      <p:tavLst>
+                                        <p:tav tm="0">
+                                          <p:val>
+                                            <p:strVal val="#ppt_x-0.25"/>
+                                          </p:val>
+                                        </p:tav>
+                                        <p:tav tm="100000">
+                                          <p:val>
+                                            <p:strVal val="#ppt_x"/>
+                                          </p:val>
+                                        </p:tav>
+                                      </p:tavLst>
+                                    </p:anim>
+                                    <p:anim calcmode="lin" valueType="num">
+                                      <p:cBhvr>
+                                        <p:cTn id="38" dur="332" tmFilter="0.0,0.0; 0.25,0.07; 0.50,0.2; 0.75,0.467; 1.0,1.0">
+                                          <p:stCondLst>
+                                            <p:cond delay="0"/>
+                                          </p:stCondLst>
+                                        </p:cTn>
+                                        <p:tgtEl>
+                                          <p:spTgt spid="27"/>
+                                        </p:tgtEl>
+                                        <p:attrNameLst>
+                                          <p:attrName>ppt_y</p:attrName>
+                                        </p:attrNameLst>
+                                      </p:cBhvr>
+                                      <p:tavLst>
+                                        <p:tav tm="0" fmla="#ppt_y-sin(pi*$)/3">
+                                          <p:val>
+                                            <p:fltVal val="0.5"/>
+                                          </p:val>
+                                        </p:tav>
+                                        <p:tav tm="100000">
+                                          <p:val>
+                                            <p:fltVal val="1"/>
+                                          </p:val>
+                                        </p:tav>
+                                      </p:tavLst>
+                                    </p:anim>
+                                    <p:anim calcmode="lin" valueType="num">
+                                      <p:cBhvr>
+                                        <p:cTn id="39" dur="332" tmFilter="0, 0; 0.125,0.2665; 0.25,0.4; 0.375,0.465; 0.5,0.5;  0.625,0.535; 0.75,0.6; 0.875,0.7335; 1,1">
+                                          <p:stCondLst>
+                                            <p:cond delay="332"/>
+                                          </p:stCondLst>
+                                        </p:cTn>
+                                        <p:tgtEl>
+                                          <p:spTgt spid="27"/>
+                                        </p:tgtEl>
+                                        <p:attrNameLst>
+                                          <p:attrName>ppt_y</p:attrName>
+                                        </p:attrNameLst>
+                                      </p:cBhvr>
+                                      <p:tavLst>
+                                        <p:tav tm="0" fmla="#ppt_y-sin(pi*$)/9">
+                                          <p:val>
+                                            <p:fltVal val="0"/>
+                                          </p:val>
+                                        </p:tav>
+                                        <p:tav tm="100000">
+                                          <p:val>
+                                            <p:fltVal val="1"/>
+                                          </p:val>
+                                        </p:tav>
+                                      </p:tavLst>
+                                    </p:anim>
+                                    <p:anim calcmode="lin" valueType="num">
+                                      <p:cBhvr>
+                                        <p:cTn id="40" dur="166" tmFilter="0, 0; 0.125,0.2665; 0.25,0.4; 0.375,0.465; 0.5,0.5;  0.625,0.535; 0.75,0.6; 0.875,0.7335; 1,1">
+                                          <p:stCondLst>
+                                            <p:cond delay="662"/>
+                                          </p:stCondLst>
+                                        </p:cTn>
+                                        <p:tgtEl>
+                                          <p:spTgt spid="27"/>
+                                        </p:tgtEl>
+                                        <p:attrNameLst>
+                                          <p:attrName>ppt_y</p:attrName>
+                                        </p:attrNameLst>
+                                      </p:cBhvr>
+                                      <p:tavLst>
+                                        <p:tav tm="0" fmla="#ppt_y-sin(pi*$)/27">
+                                          <p:val>
+                                            <p:fltVal val="0"/>
+                                          </p:val>
+                                        </p:tav>
+                                        <p:tav tm="100000">
+                                          <p:val>
+                                            <p:fltVal val="1"/>
+                                          </p:val>
+                                        </p:tav>
+                                      </p:tavLst>
+                                    </p:anim>
+                                    <p:anim calcmode="lin" valueType="num">
+                                      <p:cBhvr>
+                                        <p:cTn id="41" dur="82" tmFilter="0, 0; 0.125,0.2665; 0.25,0.4; 0.375,0.465; 0.5,0.5;  0.625,0.535; 0.75,0.6; 0.875,0.7335; 1,1">
+                                          <p:stCondLst>
+                                            <p:cond delay="828"/>
+                                          </p:stCondLst>
+                                        </p:cTn>
+                                        <p:tgtEl>
+                                          <p:spTgt spid="27"/>
+                                        </p:tgtEl>
+                                        <p:attrNameLst>
+                                          <p:attrName>ppt_y</p:attrName>
+                                        </p:attrNameLst>
+                                      </p:cBhvr>
+                                      <p:tavLst>
+                                        <p:tav tm="0" fmla="#ppt_y-sin(pi*$)/81">
+                                          <p:val>
+                                            <p:fltVal val="0"/>
+                                          </p:val>
+                                        </p:tav>
+                                        <p:tav tm="100000">
+                                          <p:val>
+                                            <p:fltVal val="1"/>
+                                          </p:val>
+                                        </p:tav>
+                                      </p:tavLst>
+                                    </p:anim>
+                                    <p:animScale>
+                                      <p:cBhvr>
+                                        <p:cTn id="42" dur="13">
+                                          <p:stCondLst>
+                                            <p:cond delay="325"/>
+                                          </p:stCondLst>
+                                        </p:cTn>
+                                        <p:tgtEl>
+                                          <p:spTgt spid="27"/>
+                                        </p:tgtEl>
+                                      </p:cBhvr>
+                                      <p:to x="100000" y="60000"/>
+                                    </p:animScale>
+                                    <p:animScale>
+                                      <p:cBhvr>
+                                        <p:cTn id="43" dur="83" decel="50000">
+                                          <p:stCondLst>
+                                            <p:cond delay="338"/>
+                                          </p:stCondLst>
+                                        </p:cTn>
+                                        <p:tgtEl>
+                                          <p:spTgt spid="27"/>
+                                        </p:tgtEl>
+                                      </p:cBhvr>
+                                      <p:to x="100000" y="100000"/>
+                                    </p:animScale>
+                                    <p:animScale>
+                                      <p:cBhvr>
+                                        <p:cTn id="44" dur="13">
+                                          <p:stCondLst>
+                                            <p:cond delay="656"/>
+                                          </p:stCondLst>
+                                        </p:cTn>
+                                        <p:tgtEl>
+                                          <p:spTgt spid="27"/>
+                                        </p:tgtEl>
+                                      </p:cBhvr>
+                                      <p:to x="100000" y="80000"/>
+                                    </p:animScale>
+                                    <p:animScale>
+                                      <p:cBhvr>
+                                        <p:cTn id="45" dur="83" decel="50000">
+                                          <p:stCondLst>
+                                            <p:cond delay="669"/>
+                                          </p:stCondLst>
+                                        </p:cTn>
+                                        <p:tgtEl>
+                                          <p:spTgt spid="27"/>
+                                        </p:tgtEl>
+                                      </p:cBhvr>
+                                      <p:to x="100000" y="100000"/>
+                                    </p:animScale>
+                                    <p:animScale>
+                                      <p:cBhvr>
+                                        <p:cTn id="46" dur="13">
+                                          <p:stCondLst>
+                                            <p:cond delay="821"/>
+                                          </p:stCondLst>
+                                        </p:cTn>
+                                        <p:tgtEl>
+                                          <p:spTgt spid="27"/>
+                                        </p:tgtEl>
+                                      </p:cBhvr>
+                                      <p:to x="100000" y="90000"/>
+                                    </p:animScale>
+                                    <p:animScale>
+                                      <p:cBhvr>
+                                        <p:cTn id="47" dur="83" decel="50000">
+                                          <p:stCondLst>
+                                            <p:cond delay="834"/>
+                                          </p:stCondLst>
+                                        </p:cTn>
+                                        <p:tgtEl>
+                                          <p:spTgt spid="27"/>
+                                        </p:tgtEl>
+                                      </p:cBhvr>
+                                      <p:to x="100000" y="100000"/>
+                                    </p:animScale>
+                                    <p:animScale>
+                                      <p:cBhvr>
+                                        <p:cTn id="48" dur="13">
+                                          <p:stCondLst>
+                                            <p:cond delay="904"/>
+                                          </p:stCondLst>
+                                        </p:cTn>
+                                        <p:tgtEl>
+                                          <p:spTgt spid="27"/>
+                                        </p:tgtEl>
+                                      </p:cBhvr>
+                                      <p:to x="100000" y="95000"/>
+                                    </p:animScale>
+                                    <p:animScale>
+                                      <p:cBhvr>
+                                        <p:cTn id="49" dur="83" decel="50000">
+                                          <p:stCondLst>
+                                            <p:cond delay="917"/>
+                                          </p:stCondLst>
+                                        </p:cTn>
+                                        <p:tgtEl>
+                                          <p:spTgt spid="27"/>
+                                        </p:tgtEl>
+                                      </p:cBhvr>
+                                      <p:to x="100000" y="100000"/>
+                                    </p:animScale>
+                                  </p:childTnLst>
+                                </p:cTn>
+                              </p:par>
+                            </p:childTnLst>
+                          </p:cTn>
+                        </p:par>
+                        <p:par>
+                          <p:cTn id="50" fill="hold">
+                            <p:stCondLst>
+                              <p:cond delay="2890"/>
+                            </p:stCondLst>
+                            <p:childTnLst>
+                              <p:par>
+                                <p:cTn id="51" presetID="42" presetClass="entr" presetSubtype="0" fill="hold" grpId="0" nodeType="afterEffect">
+                                  <p:stCondLst>
+                                    <p:cond delay="0"/>
+                                  </p:stCondLst>
+                                  <p:childTnLst>
+                                    <p:set>
+                                      <p:cBhvr>
+                                        <p:cTn id="52" dur="1" fill="hold">
+                                          <p:stCondLst>
+                                            <p:cond delay="0"/>
+                                          </p:stCondLst>
+                                        </p:cTn>
+                                        <p:tgtEl>
+                                          <p:spTgt spid="18"/>
+                                        </p:tgtEl>
+                                        <p:attrNameLst>
+                                          <p:attrName>style.visibility</p:attrName>
+                                        </p:attrNameLst>
+                                      </p:cBhvr>
+                                      <p:to>
+                                        <p:strVal val="visible"/>
+                                      </p:to>
+                                    </p:set>
+                                    <p:animEffect transition="in" filter="fade">
+                                      <p:cBhvr>
+                                        <p:cTn id="53" dur="500"/>
+                                        <p:tgtEl>
+                                          <p:spTgt spid="18"/>
+                                        </p:tgtEl>
+                                      </p:cBhvr>
+                                    </p:animEffect>
+                                    <p:anim calcmode="lin" valueType="num">
+                                      <p:cBhvr>
+                                        <p:cTn id="54" dur="500" fill="hold"/>
+                                        <p:tgtEl>
+                                          <p:spTgt spid="18"/>
+                                        </p:tgtEl>
+                                        <p:attrNameLst>
+                                          <p:attrName>ppt_x</p:attrName>
+                                        </p:attrNameLst>
+                                      </p:cBhvr>
+                                      <p:tavLst>
+                                        <p:tav tm="0">
+                                          <p:val>
+                                            <p:strVal val="#ppt_x"/>
+                                          </p:val>
+                                        </p:tav>
+                                        <p:tav tm="100000">
+                                          <p:val>
+                                            <p:strVal val="#ppt_x"/>
+                                          </p:val>
+                                        </p:tav>
+                                      </p:tavLst>
+                                    </p:anim>
+                                    <p:anim calcmode="lin" valueType="num">
+                                      <p:cBhvr>
+                                        <p:cTn id="55" dur="500" fill="hold"/>
+                                        <p:tgtEl>
+                                          <p:spTgt spid="18"/>
+                                        </p:tgtEl>
+                                        <p:attrNameLst>
+                                          <p:attrName>ppt_y</p:attrName>
+                                        </p:attrNameLst>
+                                      </p:cBhvr>
+                                      <p:tavLst>
+                                        <p:tav tm="0">
+                                          <p:val>
+                                            <p:strVal val="#ppt_y+.1"/>
+                                          </p:val>
+                                        </p:tav>
+                                        <p:tav tm="100000">
+                                          <p:val>
+                                            <p:strVal val="#ppt_y"/>
+                                          </p:val>
+                                        </p:tav>
+                                      </p:tavLst>
+                                    </p:anim>
+                                  </p:childTnLst>
+                                </p:cTn>
+                              </p:par>
+                            </p:childTnLst>
+                          </p:cTn>
+                        </p:par>
+                        <p:par>
+                          <p:cTn id="56" fill="hold">
+                            <p:stCondLst>
+                              <p:cond delay="3390"/>
+                            </p:stCondLst>
+                            <p:childTnLst>
+                              <p:par>
+                                <p:cTn id="57" presetID="22" presetClass="entr" presetSubtype="8" fill="hold" nodeType="afterEffect">
+                                  <p:stCondLst>
+                                    <p:cond delay="0"/>
+                                  </p:stCondLst>
+                                  <p:childTnLst>
+                                    <p:set>
+                                      <p:cBhvr>
+                                        <p:cTn id="58" dur="1" fill="hold">
+                                          <p:stCondLst>
+                                            <p:cond delay="0"/>
+                                          </p:stCondLst>
+                                        </p:cTn>
+                                        <p:tgtEl>
+                                          <p:spTgt spid="21"/>
+                                        </p:tgtEl>
+                                        <p:attrNameLst>
+                                          <p:attrName>style.visibility</p:attrName>
+                                        </p:attrNameLst>
+                                      </p:cBhvr>
+                                      <p:to>
+                                        <p:strVal val="visible"/>
+                                      </p:to>
+                                    </p:set>
+                                    <p:animEffect transition="in" filter="wipe(left)">
+                                      <p:cBhvr>
+                                        <p:cTn id="59" dur="500"/>
+                                        <p:tgtEl>
+                                          <p:spTgt spid="21"/>
+                                        </p:tgtEl>
+                                      </p:cBhvr>
+                                    </p:animEffect>
+                                  </p:childTnLst>
+                                </p:cTn>
+                              </p:par>
+                            </p:childTnLst>
+                          </p:cTn>
+                        </p:par>
+                        <p:par>
+                          <p:cTn id="60" fill="hold">
+                            <p:stCondLst>
+                              <p:cond delay="3890"/>
+                            </p:stCondLst>
+                            <p:childTnLst>
+                              <p:par>
+                                <p:cTn id="61" presetID="42" presetClass="entr" presetSubtype="0" fill="hold" grpId="0" nodeType="afterEffect">
+                                  <p:stCondLst>
+                                    <p:cond delay="0"/>
+                                  </p:stCondLst>
+                                  <p:childTnLst>
+                                    <p:set>
+                                      <p:cBhvr>
+                                        <p:cTn id="62" dur="1" fill="hold">
+                                          <p:stCondLst>
+                                            <p:cond delay="0"/>
+                                          </p:stCondLst>
+                                        </p:cTn>
+                                        <p:tgtEl>
+                                          <p:spTgt spid="22"/>
+                                        </p:tgtEl>
+                                        <p:attrNameLst>
+                                          <p:attrName>style.visibility</p:attrName>
+                                        </p:attrNameLst>
+                                      </p:cBhvr>
+                                      <p:to>
+                                        <p:strVal val="visible"/>
+                                      </p:to>
+                                    </p:set>
+                                    <p:animEffect transition="in" filter="fade">
+                                      <p:cBhvr>
+                                        <p:cTn id="63" dur="500"/>
+                                        <p:tgtEl>
+                                          <p:spTgt spid="22"/>
+                                        </p:tgtEl>
+                                      </p:cBhvr>
+                                    </p:animEffect>
+                                    <p:anim calcmode="lin" valueType="num">
+                                      <p:cBhvr>
+                                        <p:cTn id="64" dur="500" fill="hold"/>
+                                        <p:tgtEl>
+                                          <p:spTgt spid="22"/>
+                                        </p:tgtEl>
+                                        <p:attrNameLst>
+                                          <p:attrName>ppt_x</p:attrName>
+                                        </p:attrNameLst>
+                                      </p:cBhvr>
+                                      <p:tavLst>
+                                        <p:tav tm="0">
+                                          <p:val>
+                                            <p:strVal val="#ppt_x"/>
+                                          </p:val>
+                                        </p:tav>
+                                        <p:tav tm="100000">
+                                          <p:val>
+                                            <p:strVal val="#ppt_x"/>
+                                          </p:val>
+                                        </p:tav>
+                                      </p:tavLst>
+                                    </p:anim>
+                                    <p:anim calcmode="lin" valueType="num">
+                                      <p:cBhvr>
+                                        <p:cTn id="65" dur="500" fill="hold"/>
+                                        <p:tgtEl>
+                                          <p:spTgt spid="22"/>
+                                        </p:tgtEl>
+                                        <p:attrNameLst>
+                                          <p:attrName>ppt_y</p:attrName>
+                                        </p:attrNameLst>
+                                      </p:cBhvr>
+                                      <p:tavLst>
+                                        <p:tav tm="0">
+                                          <p:val>
+                                            <p:strVal val="#ppt_y+.1"/>
+                                          </p:val>
+                                        </p:tav>
+                                        <p:tav tm="100000">
+                                          <p:val>
+                                            <p:strVal val="#ppt_y"/>
+                                          </p:val>
+                                        </p:tav>
+                                      </p:tavLst>
+                                    </p:anim>
+                                  </p:childTnLst>
+                                </p:cTn>
+                              </p:par>
+                            </p:childTnLst>
+                          </p:cTn>
+                        </p:par>
+                      </p:childTnLst>
+                    </p:cTn>
+                  </p:par>
+                </p:childTnLst>
+              </p:cTn>
+              <p:prevCondLst>
+                <p:cond evt="onPrev" delay="0">
+                  <p:tgtEl>
+                    <p:sldTgt/>
+                  </p:tgtEl>
+                </p:cond>
+              </p:prevCondLst>
+              <p:nextCondLst>
+                <p:cond evt="onNext" delay="0">
+                  <p:tgtEl>
+                    <p:sldTgt/>
+                  </p:tgtEl>
+                </p:cond>
+              </p:nextCondLst>
+            </p:seq>
+          </p:childTnLst>
+        </p:cTn>
+      </p:par>
+    </p:tnLst>
+    <p:bldLst>
+      <p:bldP spid="13" grpId="0"/>
+      <p:bldP spid="18" grpId="0"/>
+      <p:bldP spid="22" grpId="0"/>
     </p:bldLst>
   </p:timing>
 </p:sld>
@@ -21373,18 +21648,6 @@
 </file>
 
 <file path=ppt/tags/tag3.xml><?xml version="1.0" encoding="utf-8"?>
-<p:tagLst xmlns:a="http://schemas.openxmlformats.org/drawingml/2006/main" xmlns:r="http://schemas.openxmlformats.org/officeDocument/2006/relationships" xmlns:p="http://schemas.openxmlformats.org/presentationml/2006/main">
-  <p:tag name="PA" val="v4.1.3"/>
-</p:tagLst>
-</file>
-
-<file path=ppt/tags/tag30.xml><?xml version="1.0" encoding="utf-8"?>
-<p:tagLst xmlns:a="http://schemas.openxmlformats.org/drawingml/2006/main" xmlns:r="http://schemas.openxmlformats.org/officeDocument/2006/relationships" xmlns:p="http://schemas.openxmlformats.org/presentationml/2006/main">
-  <p:tag name="PA" val="v4.1.3"/>
-</p:tagLst>
-</file>
-
-<file path=ppt/tags/tag31.xml><?xml version="1.0" encoding="utf-8"?>
 <p:tagLst xmlns:a="http://schemas.openxmlformats.org/drawingml/2006/main" xmlns:r="http://schemas.openxmlformats.org/officeDocument/2006/relationships" xmlns:p="http://schemas.openxmlformats.org/presentationml/2006/main">
   <p:tag name="PA" val="v4.1.3"/>
 </p:tagLst>
